--- a/calendario/calendario_trabun.pptx
+++ b/calendario/calendario_trabun.pptx
@@ -6,6 +6,9 @@
   </p:sldMasterIdLst>
   <p:sldIdLst>
     <p:sldId id="256" r:id="rId2"/>
+    <p:sldId id="257" r:id="rId3"/>
+    <p:sldId id="258" r:id="rId4"/>
+    <p:sldId id="259" r:id="rId5"/>
   </p:sldIdLst>
   <p:sldSz cx="9144000" cy="6858000" type="screen4x3"/>
   <p:notesSz cx="6858000" cy="9144000"/>
@@ -5769,7 +5772,7 @@
         <p:spPr>
           <a:xfrm>
             <a:off x="3745533" y="242570"/>
-            <a:ext cx="1387294" cy="646331"/>
+            <a:ext cx="1569886" cy="646331"/>
           </a:xfrm>
           <a:prstGeom prst="rect">
             <a:avLst/>
@@ -5787,6 +5790,8 @@
                 <a:solidFill>
                   <a:srgbClr val="E30613"/>
                 </a:solidFill>
+                <a:latin typeface="Black Metal Sans"/>
+                <a:cs typeface="Black Metal Sans"/>
               </a:rPr>
               <a:t>Marzo</a:t>
             </a:r>
@@ -5794,6 +5799,8 @@
               <a:solidFill>
                 <a:srgbClr val="E30613"/>
               </a:solidFill>
+              <a:latin typeface="Black Metal Sans"/>
+              <a:cs typeface="Black Metal Sans"/>
             </a:endParaRPr>
           </a:p>
         </p:txBody>
@@ -5802,6 +5809,8376 @@
     <p:extLst>
       <p:ext uri="{BB962C8B-B14F-4D97-AF65-F5344CB8AC3E}">
         <p14:creationId xmlns:p14="http://schemas.microsoft.com/office/powerpoint/2010/main" val="1332092441"/>
+      </p:ext>
+    </p:extLst>
+  </p:cSld>
+  <p:clrMapOvr>
+    <a:masterClrMapping/>
+  </p:clrMapOvr>
+  <p:timing>
+    <p:tnLst>
+      <p:par>
+        <p:cTn xmlns:p14="http://schemas.microsoft.com/office/powerpoint/2010/main" id="1" dur="indefinite" restart="never" nodeType="tmRoot"/>
+      </p:par>
+    </p:tnLst>
+  </p:timing>
+</p:sld>
+</file>
+
+<file path=ppt/slides/slide2.xml><?xml version="1.0" encoding="utf-8"?>
+<p:sld xmlns:a="http://schemas.openxmlformats.org/drawingml/2006/main" xmlns:r="http://schemas.openxmlformats.org/officeDocument/2006/relationships" xmlns:p="http://schemas.openxmlformats.org/presentationml/2006/main">
+  <p:cSld>
+    <p:spTree>
+      <p:nvGrpSpPr>
+        <p:cNvPr id="1" name=""/>
+        <p:cNvGrpSpPr/>
+        <p:nvPr/>
+      </p:nvGrpSpPr>
+      <p:grpSpPr>
+        <a:xfrm>
+          <a:off x="0" y="0"/>
+          <a:ext cx="0" cy="0"/>
+          <a:chOff x="0" y="0"/>
+          <a:chExt cx="0" cy="0"/>
+        </a:xfrm>
+      </p:grpSpPr>
+      <p:graphicFrame>
+        <p:nvGraphicFramePr>
+          <p:cNvPr id="8" name="Tabla 7"/>
+          <p:cNvGraphicFramePr>
+            <a:graphicFrameLocks noGrp="1"/>
+          </p:cNvGraphicFramePr>
+          <p:nvPr>
+            <p:extLst>
+              <p:ext uri="{D42A27DB-BD31-4B8C-83A1-F6EECF244321}">
+                <p14:modId xmlns:p14="http://schemas.microsoft.com/office/powerpoint/2010/main" val="1707288850"/>
+              </p:ext>
+            </p:extLst>
+          </p:nvPr>
+        </p:nvGraphicFramePr>
+        <p:xfrm>
+          <a:off x="285413" y="1025700"/>
+          <a:ext cx="8576736" cy="5348471"/>
+        </p:xfrm>
+        <a:graphic>
+          <a:graphicData uri="http://schemas.openxmlformats.org/drawingml/2006/table">
+            <a:tbl>
+              <a:tblPr bandRow="1">
+                <a:tableStyleId>{5940675A-B579-460E-94D1-54222C63F5DA}</a:tableStyleId>
+              </a:tblPr>
+              <a:tblGrid>
+                <a:gridCol w="1225248"/>
+                <a:gridCol w="1225248"/>
+                <a:gridCol w="1225248"/>
+                <a:gridCol w="1225248"/>
+                <a:gridCol w="1225248"/>
+                <a:gridCol w="1225248"/>
+                <a:gridCol w="1225248"/>
+              </a:tblGrid>
+              <a:tr h="413801">
+                <a:tc>
+                  <a:txBody>
+                    <a:bodyPr/>
+                    <a:lstStyle/>
+                    <a:p>
+                      <a:r>
+                        <a:rPr lang="es-ES" dirty="0" smtClean="0">
+                          <a:solidFill>
+                            <a:srgbClr val="FFFFFF"/>
+                          </a:solidFill>
+                        </a:rPr>
+                        <a:t>Lunes</a:t>
+                      </a:r>
+                      <a:endParaRPr lang="es-ES" dirty="0">
+                        <a:solidFill>
+                          <a:srgbClr val="FFFFFF"/>
+                        </a:solidFill>
+                      </a:endParaRPr>
+                    </a:p>
+                  </a:txBody>
+                  <a:tcPr>
+                    <a:lnL w="12700" cap="flat" cmpd="sng" algn="ctr">
+                      <a:solidFill>
+                        <a:prstClr val="white"/>
+                      </a:solidFill>
+                      <a:prstDash val="solid"/>
+                      <a:round/>
+                      <a:headEnd type="none" w="med" len="med"/>
+                      <a:tailEnd type="none" w="med" len="med"/>
+                    </a:lnL>
+                    <a:lnR w="12700" cap="flat" cmpd="sng" algn="ctr">
+                      <a:solidFill>
+                        <a:prstClr val="white"/>
+                      </a:solidFill>
+                      <a:prstDash val="solid"/>
+                      <a:round/>
+                      <a:headEnd type="none" w="med" len="med"/>
+                      <a:tailEnd type="none" w="med" len="med"/>
+                    </a:lnR>
+                    <a:lnT w="12700" cap="flat" cmpd="sng" algn="ctr">
+                      <a:solidFill>
+                        <a:prstClr val="white"/>
+                      </a:solidFill>
+                      <a:prstDash val="solid"/>
+                      <a:round/>
+                      <a:headEnd type="none" w="med" len="med"/>
+                      <a:tailEnd type="none" w="med" len="med"/>
+                    </a:lnT>
+                    <a:lnB w="12700" cap="flat" cmpd="sng" algn="ctr">
+                      <a:solidFill>
+                        <a:prstClr val="white"/>
+                      </a:solidFill>
+                      <a:prstDash val="solid"/>
+                      <a:round/>
+                      <a:headEnd type="none" w="med" len="med"/>
+                      <a:tailEnd type="none" w="med" len="med"/>
+                    </a:lnB>
+                    <a:solidFill>
+                      <a:srgbClr val="27A204"/>
+                    </a:solidFill>
+                  </a:tcPr>
+                </a:tc>
+                <a:tc>
+                  <a:txBody>
+                    <a:bodyPr/>
+                    <a:lstStyle/>
+                    <a:p>
+                      <a:r>
+                        <a:rPr lang="es-ES" dirty="0" smtClean="0">
+                          <a:solidFill>
+                            <a:srgbClr val="FFFFFF"/>
+                          </a:solidFill>
+                        </a:rPr>
+                        <a:t>Martes</a:t>
+                      </a:r>
+                      <a:endParaRPr lang="es-ES" dirty="0">
+                        <a:solidFill>
+                          <a:srgbClr val="FFFFFF"/>
+                        </a:solidFill>
+                      </a:endParaRPr>
+                    </a:p>
+                  </a:txBody>
+                  <a:tcPr>
+                    <a:lnL w="12700" cap="flat" cmpd="sng" algn="ctr">
+                      <a:solidFill>
+                        <a:prstClr val="white"/>
+                      </a:solidFill>
+                      <a:prstDash val="solid"/>
+                      <a:round/>
+                      <a:headEnd type="none" w="med" len="med"/>
+                      <a:tailEnd type="none" w="med" len="med"/>
+                    </a:lnL>
+                    <a:lnR w="12700" cap="flat" cmpd="sng" algn="ctr">
+                      <a:solidFill>
+                        <a:prstClr val="white"/>
+                      </a:solidFill>
+                      <a:prstDash val="solid"/>
+                      <a:round/>
+                      <a:headEnd type="none" w="med" len="med"/>
+                      <a:tailEnd type="none" w="med" len="med"/>
+                    </a:lnR>
+                    <a:lnT w="12700" cap="flat" cmpd="sng" algn="ctr">
+                      <a:solidFill>
+                        <a:prstClr val="white"/>
+                      </a:solidFill>
+                      <a:prstDash val="solid"/>
+                      <a:round/>
+                      <a:headEnd type="none" w="med" len="med"/>
+                      <a:tailEnd type="none" w="med" len="med"/>
+                    </a:lnT>
+                    <a:lnB w="12700" cap="flat" cmpd="sng" algn="ctr">
+                      <a:solidFill>
+                        <a:prstClr val="white"/>
+                      </a:solidFill>
+                      <a:prstDash val="solid"/>
+                      <a:round/>
+                      <a:headEnd type="none" w="med" len="med"/>
+                      <a:tailEnd type="none" w="med" len="med"/>
+                    </a:lnB>
+                    <a:solidFill>
+                      <a:srgbClr val="27A204"/>
+                    </a:solidFill>
+                  </a:tcPr>
+                </a:tc>
+                <a:tc>
+                  <a:txBody>
+                    <a:bodyPr/>
+                    <a:lstStyle/>
+                    <a:p>
+                      <a:r>
+                        <a:rPr lang="es-ES" dirty="0" smtClean="0">
+                          <a:solidFill>
+                            <a:srgbClr val="FFFFFF"/>
+                          </a:solidFill>
+                        </a:rPr>
+                        <a:t>Mi</a:t>
+                      </a:r>
+                      <a:r>
+                        <a:rPr lang="es-ES" dirty="0" smtClean="0">
+                          <a:solidFill>
+                            <a:srgbClr val="FFFFFF"/>
+                          </a:solidFill>
+                        </a:rPr>
+                        <a:t>ércoles</a:t>
+                      </a:r>
+                      <a:endParaRPr lang="es-ES" dirty="0">
+                        <a:solidFill>
+                          <a:srgbClr val="FFFFFF"/>
+                        </a:solidFill>
+                      </a:endParaRPr>
+                    </a:p>
+                  </a:txBody>
+                  <a:tcPr>
+                    <a:lnL w="12700" cap="flat" cmpd="sng" algn="ctr">
+                      <a:solidFill>
+                        <a:prstClr val="white"/>
+                      </a:solidFill>
+                      <a:prstDash val="solid"/>
+                      <a:round/>
+                      <a:headEnd type="none" w="med" len="med"/>
+                      <a:tailEnd type="none" w="med" len="med"/>
+                    </a:lnL>
+                    <a:lnR w="12700" cap="flat" cmpd="sng" algn="ctr">
+                      <a:solidFill>
+                        <a:prstClr val="white"/>
+                      </a:solidFill>
+                      <a:prstDash val="solid"/>
+                      <a:round/>
+                      <a:headEnd type="none" w="med" len="med"/>
+                      <a:tailEnd type="none" w="med" len="med"/>
+                    </a:lnR>
+                    <a:lnT w="12700" cap="flat" cmpd="sng" algn="ctr">
+                      <a:solidFill>
+                        <a:prstClr val="white"/>
+                      </a:solidFill>
+                      <a:prstDash val="solid"/>
+                      <a:round/>
+                      <a:headEnd type="none" w="med" len="med"/>
+                      <a:tailEnd type="none" w="med" len="med"/>
+                    </a:lnT>
+                    <a:lnB w="12700" cap="flat" cmpd="sng" algn="ctr">
+                      <a:solidFill>
+                        <a:prstClr val="white"/>
+                      </a:solidFill>
+                      <a:prstDash val="solid"/>
+                      <a:round/>
+                      <a:headEnd type="none" w="med" len="med"/>
+                      <a:tailEnd type="none" w="med" len="med"/>
+                    </a:lnB>
+                    <a:solidFill>
+                      <a:srgbClr val="27A204"/>
+                    </a:solidFill>
+                  </a:tcPr>
+                </a:tc>
+                <a:tc>
+                  <a:txBody>
+                    <a:bodyPr/>
+                    <a:lstStyle/>
+                    <a:p>
+                      <a:r>
+                        <a:rPr lang="es-ES" dirty="0" smtClean="0">
+                          <a:solidFill>
+                            <a:srgbClr val="FFFFFF"/>
+                          </a:solidFill>
+                        </a:rPr>
+                        <a:t>Jueves</a:t>
+                      </a:r>
+                      <a:endParaRPr lang="es-ES" dirty="0">
+                        <a:solidFill>
+                          <a:srgbClr val="FFFFFF"/>
+                        </a:solidFill>
+                      </a:endParaRPr>
+                    </a:p>
+                  </a:txBody>
+                  <a:tcPr>
+                    <a:lnL w="12700" cap="flat" cmpd="sng" algn="ctr">
+                      <a:solidFill>
+                        <a:prstClr val="white"/>
+                      </a:solidFill>
+                      <a:prstDash val="solid"/>
+                      <a:round/>
+                      <a:headEnd type="none" w="med" len="med"/>
+                      <a:tailEnd type="none" w="med" len="med"/>
+                    </a:lnL>
+                    <a:lnR w="12700" cap="flat" cmpd="sng" algn="ctr">
+                      <a:solidFill>
+                        <a:prstClr val="white"/>
+                      </a:solidFill>
+                      <a:prstDash val="solid"/>
+                      <a:round/>
+                      <a:headEnd type="none" w="med" len="med"/>
+                      <a:tailEnd type="none" w="med" len="med"/>
+                    </a:lnR>
+                    <a:lnT w="12700" cap="flat" cmpd="sng" algn="ctr">
+                      <a:solidFill>
+                        <a:prstClr val="white"/>
+                      </a:solidFill>
+                      <a:prstDash val="solid"/>
+                      <a:round/>
+                      <a:headEnd type="none" w="med" len="med"/>
+                      <a:tailEnd type="none" w="med" len="med"/>
+                    </a:lnT>
+                    <a:lnB w="12700" cap="flat" cmpd="sng" algn="ctr">
+                      <a:solidFill>
+                        <a:prstClr val="white"/>
+                      </a:solidFill>
+                      <a:prstDash val="solid"/>
+                      <a:round/>
+                      <a:headEnd type="none" w="med" len="med"/>
+                      <a:tailEnd type="none" w="med" len="med"/>
+                    </a:lnB>
+                    <a:solidFill>
+                      <a:srgbClr val="27A204"/>
+                    </a:solidFill>
+                  </a:tcPr>
+                </a:tc>
+                <a:tc>
+                  <a:txBody>
+                    <a:bodyPr/>
+                    <a:lstStyle/>
+                    <a:p>
+                      <a:r>
+                        <a:rPr lang="es-ES" dirty="0" smtClean="0">
+                          <a:solidFill>
+                            <a:srgbClr val="FFFFFF"/>
+                          </a:solidFill>
+                        </a:rPr>
+                        <a:t>Viernes</a:t>
+                      </a:r>
+                      <a:endParaRPr lang="es-ES" dirty="0">
+                        <a:solidFill>
+                          <a:srgbClr val="FFFFFF"/>
+                        </a:solidFill>
+                      </a:endParaRPr>
+                    </a:p>
+                  </a:txBody>
+                  <a:tcPr>
+                    <a:lnL w="12700" cap="flat" cmpd="sng" algn="ctr">
+                      <a:solidFill>
+                        <a:prstClr val="white"/>
+                      </a:solidFill>
+                      <a:prstDash val="solid"/>
+                      <a:round/>
+                      <a:headEnd type="none" w="med" len="med"/>
+                      <a:tailEnd type="none" w="med" len="med"/>
+                    </a:lnL>
+                    <a:lnR w="12700" cap="flat" cmpd="sng" algn="ctr">
+                      <a:solidFill>
+                        <a:prstClr val="white"/>
+                      </a:solidFill>
+                      <a:prstDash val="solid"/>
+                      <a:round/>
+                      <a:headEnd type="none" w="med" len="med"/>
+                      <a:tailEnd type="none" w="med" len="med"/>
+                    </a:lnR>
+                    <a:lnT w="12700" cap="flat" cmpd="sng" algn="ctr">
+                      <a:solidFill>
+                        <a:prstClr val="white"/>
+                      </a:solidFill>
+                      <a:prstDash val="solid"/>
+                      <a:round/>
+                      <a:headEnd type="none" w="med" len="med"/>
+                      <a:tailEnd type="none" w="med" len="med"/>
+                    </a:lnT>
+                    <a:lnB w="12700" cap="flat" cmpd="sng" algn="ctr">
+                      <a:solidFill>
+                        <a:prstClr val="white"/>
+                      </a:solidFill>
+                      <a:prstDash val="solid"/>
+                      <a:round/>
+                      <a:headEnd type="none" w="med" len="med"/>
+                      <a:tailEnd type="none" w="med" len="med"/>
+                    </a:lnB>
+                    <a:solidFill>
+                      <a:srgbClr val="27A204"/>
+                    </a:solidFill>
+                  </a:tcPr>
+                </a:tc>
+                <a:tc>
+                  <a:txBody>
+                    <a:bodyPr/>
+                    <a:lstStyle/>
+                    <a:p>
+                      <a:r>
+                        <a:rPr lang="es-ES" dirty="0" smtClean="0">
+                          <a:solidFill>
+                            <a:schemeClr val="bg1"/>
+                          </a:solidFill>
+                        </a:rPr>
+                        <a:t>S</a:t>
+                      </a:r>
+                      <a:r>
+                        <a:rPr lang="es-ES" dirty="0" smtClean="0">
+                          <a:solidFill>
+                            <a:schemeClr val="bg1"/>
+                          </a:solidFill>
+                        </a:rPr>
+                        <a:t>ábado</a:t>
+                      </a:r>
+                      <a:endParaRPr lang="es-ES" dirty="0">
+                        <a:solidFill>
+                          <a:schemeClr val="bg1"/>
+                        </a:solidFill>
+                      </a:endParaRPr>
+                    </a:p>
+                  </a:txBody>
+                  <a:tcPr>
+                    <a:lnL w="12700" cap="flat" cmpd="sng" algn="ctr">
+                      <a:solidFill>
+                        <a:prstClr val="white"/>
+                      </a:solidFill>
+                      <a:prstDash val="solid"/>
+                      <a:round/>
+                      <a:headEnd type="none" w="med" len="med"/>
+                      <a:tailEnd type="none" w="med" len="med"/>
+                    </a:lnL>
+                    <a:lnR w="12700" cap="flat" cmpd="sng" algn="ctr">
+                      <a:solidFill>
+                        <a:prstClr val="white"/>
+                      </a:solidFill>
+                      <a:prstDash val="solid"/>
+                      <a:round/>
+                      <a:headEnd type="none" w="med" len="med"/>
+                      <a:tailEnd type="none" w="med" len="med"/>
+                    </a:lnR>
+                    <a:lnT w="12700" cap="flat" cmpd="sng" algn="ctr">
+                      <a:solidFill>
+                        <a:prstClr val="white"/>
+                      </a:solidFill>
+                      <a:prstDash val="solid"/>
+                      <a:round/>
+                      <a:headEnd type="none" w="med" len="med"/>
+                      <a:tailEnd type="none" w="med" len="med"/>
+                    </a:lnT>
+                    <a:lnB w="12700" cap="flat" cmpd="sng" algn="ctr">
+                      <a:solidFill>
+                        <a:prstClr val="white"/>
+                      </a:solidFill>
+                      <a:prstDash val="solid"/>
+                      <a:round/>
+                      <a:headEnd type="none" w="med" len="med"/>
+                      <a:tailEnd type="none" w="med" len="med"/>
+                    </a:lnB>
+                    <a:solidFill>
+                      <a:srgbClr val="27A204"/>
+                    </a:solidFill>
+                  </a:tcPr>
+                </a:tc>
+                <a:tc>
+                  <a:txBody>
+                    <a:bodyPr/>
+                    <a:lstStyle/>
+                    <a:p>
+                      <a:r>
+                        <a:rPr lang="es-ES" dirty="0" smtClean="0">
+                          <a:solidFill>
+                            <a:srgbClr val="FFFFFF"/>
+                          </a:solidFill>
+                        </a:rPr>
+                        <a:t>Domingo</a:t>
+                      </a:r>
+                      <a:endParaRPr lang="es-ES" dirty="0">
+                        <a:solidFill>
+                          <a:srgbClr val="FFFFFF"/>
+                        </a:solidFill>
+                      </a:endParaRPr>
+                    </a:p>
+                  </a:txBody>
+                  <a:tcPr>
+                    <a:lnL w="12700" cap="flat" cmpd="sng" algn="ctr">
+                      <a:solidFill>
+                        <a:prstClr val="white"/>
+                      </a:solidFill>
+                      <a:prstDash val="solid"/>
+                      <a:round/>
+                      <a:headEnd type="none" w="med" len="med"/>
+                      <a:tailEnd type="none" w="med" len="med"/>
+                    </a:lnL>
+                    <a:lnR w="12700" cap="flat" cmpd="sng" algn="ctr">
+                      <a:solidFill>
+                        <a:prstClr val="white"/>
+                      </a:solidFill>
+                      <a:prstDash val="solid"/>
+                      <a:round/>
+                      <a:headEnd type="none" w="med" len="med"/>
+                      <a:tailEnd type="none" w="med" len="med"/>
+                    </a:lnR>
+                    <a:lnT w="12700" cap="flat" cmpd="sng" algn="ctr">
+                      <a:solidFill>
+                        <a:prstClr val="white"/>
+                      </a:solidFill>
+                      <a:prstDash val="solid"/>
+                      <a:round/>
+                      <a:headEnd type="none" w="med" len="med"/>
+                      <a:tailEnd type="none" w="med" len="med"/>
+                    </a:lnT>
+                    <a:lnB w="12700" cap="flat" cmpd="sng" algn="ctr">
+                      <a:solidFill>
+                        <a:prstClr val="white"/>
+                      </a:solidFill>
+                      <a:prstDash val="solid"/>
+                      <a:round/>
+                      <a:headEnd type="none" w="med" len="med"/>
+                      <a:tailEnd type="none" w="med" len="med"/>
+                    </a:lnB>
+                    <a:solidFill>
+                      <a:srgbClr val="27A204"/>
+                    </a:solidFill>
+                  </a:tcPr>
+                </a:tc>
+              </a:tr>
+              <a:tr h="986934">
+                <a:tc>
+                  <a:txBody>
+                    <a:bodyPr/>
+                    <a:lstStyle/>
+                    <a:p>
+                      <a:endParaRPr lang="es-ES" dirty="0">
+                        <a:solidFill>
+                          <a:srgbClr val="FFFFFF"/>
+                        </a:solidFill>
+                      </a:endParaRPr>
+                    </a:p>
+                  </a:txBody>
+                  <a:tcPr>
+                    <a:lnL w="12700" cap="flat" cmpd="sng" algn="ctr">
+                      <a:solidFill>
+                        <a:prstClr val="white"/>
+                      </a:solidFill>
+                      <a:prstDash val="solid"/>
+                      <a:round/>
+                      <a:headEnd type="none" w="med" len="med"/>
+                      <a:tailEnd type="none" w="med" len="med"/>
+                    </a:lnL>
+                    <a:lnR w="12700" cap="flat" cmpd="sng" algn="ctr">
+                      <a:solidFill>
+                        <a:prstClr val="white"/>
+                      </a:solidFill>
+                      <a:prstDash val="solid"/>
+                      <a:round/>
+                      <a:headEnd type="none" w="med" len="med"/>
+                      <a:tailEnd type="none" w="med" len="med"/>
+                    </a:lnR>
+                    <a:lnT w="12700" cap="flat" cmpd="sng" algn="ctr">
+                      <a:solidFill>
+                        <a:prstClr val="white"/>
+                      </a:solidFill>
+                      <a:prstDash val="solid"/>
+                      <a:round/>
+                      <a:headEnd type="none" w="med" len="med"/>
+                      <a:tailEnd type="none" w="med" len="med"/>
+                    </a:lnT>
+                    <a:lnB w="12700" cap="flat" cmpd="sng" algn="ctr">
+                      <a:solidFill>
+                        <a:prstClr val="white"/>
+                      </a:solidFill>
+                      <a:prstDash val="solid"/>
+                      <a:round/>
+                      <a:headEnd type="none" w="med" len="med"/>
+                      <a:tailEnd type="none" w="med" len="med"/>
+                    </a:lnB>
+                    <a:solidFill>
+                      <a:schemeClr val="bg1">
+                        <a:lumMod val="85000"/>
+                      </a:schemeClr>
+                    </a:solidFill>
+                  </a:tcPr>
+                </a:tc>
+                <a:tc>
+                  <a:txBody>
+                    <a:bodyPr/>
+                    <a:lstStyle/>
+                    <a:p>
+                      <a:endParaRPr lang="es-ES" dirty="0">
+                        <a:solidFill>
+                          <a:srgbClr val="FFFFFF"/>
+                        </a:solidFill>
+                      </a:endParaRPr>
+                    </a:p>
+                  </a:txBody>
+                  <a:tcPr>
+                    <a:lnL w="12700" cap="flat" cmpd="sng" algn="ctr">
+                      <a:solidFill>
+                        <a:prstClr val="white"/>
+                      </a:solidFill>
+                      <a:prstDash val="solid"/>
+                      <a:round/>
+                      <a:headEnd type="none" w="med" len="med"/>
+                      <a:tailEnd type="none" w="med" len="med"/>
+                    </a:lnL>
+                    <a:lnR w="12700" cap="flat" cmpd="sng" algn="ctr">
+                      <a:solidFill>
+                        <a:prstClr val="white"/>
+                      </a:solidFill>
+                      <a:prstDash val="solid"/>
+                      <a:round/>
+                      <a:headEnd type="none" w="med" len="med"/>
+                      <a:tailEnd type="none" w="med" len="med"/>
+                    </a:lnR>
+                    <a:lnT w="12700" cap="flat" cmpd="sng" algn="ctr">
+                      <a:solidFill>
+                        <a:prstClr val="white"/>
+                      </a:solidFill>
+                      <a:prstDash val="solid"/>
+                      <a:round/>
+                      <a:headEnd type="none" w="med" len="med"/>
+                      <a:tailEnd type="none" w="med" len="med"/>
+                    </a:lnT>
+                    <a:lnB w="12700" cap="flat" cmpd="sng" algn="ctr">
+                      <a:solidFill>
+                        <a:prstClr val="white"/>
+                      </a:solidFill>
+                      <a:prstDash val="solid"/>
+                      <a:round/>
+                      <a:headEnd type="none" w="med" len="med"/>
+                      <a:tailEnd type="none" w="med" len="med"/>
+                    </a:lnB>
+                    <a:solidFill>
+                      <a:schemeClr val="bg1">
+                        <a:lumMod val="85000"/>
+                      </a:schemeClr>
+                    </a:solidFill>
+                  </a:tcPr>
+                </a:tc>
+                <a:tc>
+                  <a:txBody>
+                    <a:bodyPr/>
+                    <a:lstStyle/>
+                    <a:p>
+                      <a:endParaRPr lang="es-ES" dirty="0">
+                        <a:solidFill>
+                          <a:srgbClr val="FFFFFF"/>
+                        </a:solidFill>
+                      </a:endParaRPr>
+                    </a:p>
+                  </a:txBody>
+                  <a:tcPr>
+                    <a:lnL w="12700" cap="flat" cmpd="sng" algn="ctr">
+                      <a:solidFill>
+                        <a:prstClr val="white"/>
+                      </a:solidFill>
+                      <a:prstDash val="solid"/>
+                      <a:round/>
+                      <a:headEnd type="none" w="med" len="med"/>
+                      <a:tailEnd type="none" w="med" len="med"/>
+                    </a:lnL>
+                    <a:lnR w="12700" cap="flat" cmpd="sng" algn="ctr">
+                      <a:solidFill>
+                        <a:prstClr val="white"/>
+                      </a:solidFill>
+                      <a:prstDash val="solid"/>
+                      <a:round/>
+                      <a:headEnd type="none" w="med" len="med"/>
+                      <a:tailEnd type="none" w="med" len="med"/>
+                    </a:lnR>
+                    <a:lnT w="12700" cap="flat" cmpd="sng" algn="ctr">
+                      <a:solidFill>
+                        <a:prstClr val="white"/>
+                      </a:solidFill>
+                      <a:prstDash val="solid"/>
+                      <a:round/>
+                      <a:headEnd type="none" w="med" len="med"/>
+                      <a:tailEnd type="none" w="med" len="med"/>
+                    </a:lnT>
+                    <a:lnB w="12700" cap="flat" cmpd="sng" algn="ctr">
+                      <a:solidFill>
+                        <a:prstClr val="white"/>
+                      </a:solidFill>
+                      <a:prstDash val="solid"/>
+                      <a:round/>
+                      <a:headEnd type="none" w="med" len="med"/>
+                      <a:tailEnd type="none" w="med" len="med"/>
+                    </a:lnB>
+                    <a:solidFill>
+                      <a:schemeClr val="bg1">
+                        <a:lumMod val="85000"/>
+                      </a:schemeClr>
+                    </a:solidFill>
+                  </a:tcPr>
+                </a:tc>
+                <a:tc>
+                  <a:txBody>
+                    <a:bodyPr/>
+                    <a:lstStyle/>
+                    <a:p>
+                      <a:endParaRPr lang="es-ES" dirty="0">
+                        <a:solidFill>
+                          <a:srgbClr val="FFFFFF"/>
+                        </a:solidFill>
+                      </a:endParaRPr>
+                    </a:p>
+                  </a:txBody>
+                  <a:tcPr>
+                    <a:lnL w="12700" cap="flat" cmpd="sng" algn="ctr">
+                      <a:solidFill>
+                        <a:prstClr val="white"/>
+                      </a:solidFill>
+                      <a:prstDash val="solid"/>
+                      <a:round/>
+                      <a:headEnd type="none" w="med" len="med"/>
+                      <a:tailEnd type="none" w="med" len="med"/>
+                    </a:lnL>
+                    <a:lnR w="12700" cap="flat" cmpd="sng" algn="ctr">
+                      <a:solidFill>
+                        <a:prstClr val="white"/>
+                      </a:solidFill>
+                      <a:prstDash val="solid"/>
+                      <a:round/>
+                      <a:headEnd type="none" w="med" len="med"/>
+                      <a:tailEnd type="none" w="med" len="med"/>
+                    </a:lnR>
+                    <a:lnT w="12700" cap="flat" cmpd="sng" algn="ctr">
+                      <a:solidFill>
+                        <a:prstClr val="white"/>
+                      </a:solidFill>
+                      <a:prstDash val="solid"/>
+                      <a:round/>
+                      <a:headEnd type="none" w="med" len="med"/>
+                      <a:tailEnd type="none" w="med" len="med"/>
+                    </a:lnT>
+                    <a:lnB w="12700" cap="flat" cmpd="sng" algn="ctr">
+                      <a:solidFill>
+                        <a:prstClr val="white"/>
+                      </a:solidFill>
+                      <a:prstDash val="solid"/>
+                      <a:round/>
+                      <a:headEnd type="none" w="med" len="med"/>
+                      <a:tailEnd type="none" w="med" len="med"/>
+                    </a:lnB>
+                    <a:solidFill>
+                      <a:schemeClr val="bg1">
+                        <a:lumMod val="85000"/>
+                      </a:schemeClr>
+                    </a:solidFill>
+                  </a:tcPr>
+                </a:tc>
+                <a:tc>
+                  <a:txBody>
+                    <a:bodyPr/>
+                    <a:lstStyle/>
+                    <a:p>
+                      <a:endParaRPr lang="es-ES" dirty="0">
+                        <a:solidFill>
+                          <a:srgbClr val="FFFFFF"/>
+                        </a:solidFill>
+                      </a:endParaRPr>
+                    </a:p>
+                  </a:txBody>
+                  <a:tcPr>
+                    <a:lnL w="12700" cap="flat" cmpd="sng" algn="ctr">
+                      <a:solidFill>
+                        <a:prstClr val="white"/>
+                      </a:solidFill>
+                      <a:prstDash val="solid"/>
+                      <a:round/>
+                      <a:headEnd type="none" w="med" len="med"/>
+                      <a:tailEnd type="none" w="med" len="med"/>
+                    </a:lnL>
+                    <a:lnR w="12700" cap="flat" cmpd="sng" algn="ctr">
+                      <a:solidFill>
+                        <a:prstClr val="white"/>
+                      </a:solidFill>
+                      <a:prstDash val="solid"/>
+                      <a:round/>
+                      <a:headEnd type="none" w="med" len="med"/>
+                      <a:tailEnd type="none" w="med" len="med"/>
+                    </a:lnR>
+                    <a:lnT w="12700" cap="flat" cmpd="sng" algn="ctr">
+                      <a:solidFill>
+                        <a:prstClr val="white"/>
+                      </a:solidFill>
+                      <a:prstDash val="solid"/>
+                      <a:round/>
+                      <a:headEnd type="none" w="med" len="med"/>
+                      <a:tailEnd type="none" w="med" len="med"/>
+                    </a:lnT>
+                    <a:lnB w="12700" cap="flat" cmpd="sng" algn="ctr">
+                      <a:solidFill>
+                        <a:prstClr val="white"/>
+                      </a:solidFill>
+                      <a:prstDash val="solid"/>
+                      <a:round/>
+                      <a:headEnd type="none" w="med" len="med"/>
+                      <a:tailEnd type="none" w="med" len="med"/>
+                    </a:lnB>
+                    <a:solidFill>
+                      <a:schemeClr val="bg1">
+                        <a:lumMod val="85000"/>
+                      </a:schemeClr>
+                    </a:solidFill>
+                  </a:tcPr>
+                </a:tc>
+                <a:tc>
+                  <a:txBody>
+                    <a:bodyPr/>
+                    <a:lstStyle/>
+                    <a:p>
+                      <a:r>
+                        <a:rPr lang="es-ES" dirty="0" smtClean="0">
+                          <a:solidFill>
+                            <a:schemeClr val="bg1"/>
+                          </a:solidFill>
+                        </a:rPr>
+                        <a:t>1</a:t>
+                      </a:r>
+                    </a:p>
+                    <a:p>
+                      <a:r>
+                        <a:rPr lang="es-ES" dirty="0" smtClean="0">
+                          <a:solidFill>
+                            <a:schemeClr val="bg1"/>
+                          </a:solidFill>
+                        </a:rPr>
+                        <a:t>Clase 2</a:t>
+                      </a:r>
+                      <a:endParaRPr lang="es-ES" dirty="0">
+                        <a:solidFill>
+                          <a:schemeClr val="bg1"/>
+                        </a:solidFill>
+                      </a:endParaRPr>
+                    </a:p>
+                  </a:txBody>
+                  <a:tcPr>
+                    <a:lnL w="12700" cap="flat" cmpd="sng" algn="ctr">
+                      <a:solidFill>
+                        <a:prstClr val="white"/>
+                      </a:solidFill>
+                      <a:prstDash val="solid"/>
+                      <a:round/>
+                      <a:headEnd type="none" w="med" len="med"/>
+                      <a:tailEnd type="none" w="med" len="med"/>
+                    </a:lnL>
+                    <a:lnR w="12700" cap="flat" cmpd="sng" algn="ctr">
+                      <a:solidFill>
+                        <a:prstClr val="white"/>
+                      </a:solidFill>
+                      <a:prstDash val="solid"/>
+                      <a:round/>
+                      <a:headEnd type="none" w="med" len="med"/>
+                      <a:tailEnd type="none" w="med" len="med"/>
+                    </a:lnR>
+                    <a:lnT w="12700" cap="flat" cmpd="sng" algn="ctr">
+                      <a:solidFill>
+                        <a:prstClr val="white"/>
+                      </a:solidFill>
+                      <a:prstDash val="solid"/>
+                      <a:round/>
+                      <a:headEnd type="none" w="med" len="med"/>
+                      <a:tailEnd type="none" w="med" len="med"/>
+                    </a:lnT>
+                    <a:lnB w="12700" cap="flat" cmpd="sng" algn="ctr">
+                      <a:solidFill>
+                        <a:prstClr val="white"/>
+                      </a:solidFill>
+                      <a:prstDash val="solid"/>
+                      <a:round/>
+                      <a:headEnd type="none" w="med" len="med"/>
+                      <a:tailEnd type="none" w="med" len="med"/>
+                    </a:lnB>
+                    <a:solidFill>
+                      <a:srgbClr val="BCCF00"/>
+                    </a:solidFill>
+                  </a:tcPr>
+                </a:tc>
+                <a:tc>
+                  <a:txBody>
+                    <a:bodyPr/>
+                    <a:lstStyle/>
+                    <a:p>
+                      <a:r>
+                        <a:rPr lang="es-ES" dirty="0" smtClean="0">
+                          <a:solidFill>
+                            <a:srgbClr val="FFFFFF"/>
+                          </a:solidFill>
+                        </a:rPr>
+                        <a:t>2</a:t>
+                      </a:r>
+                      <a:endParaRPr lang="es-ES" dirty="0">
+                        <a:solidFill>
+                          <a:srgbClr val="FFFFFF"/>
+                        </a:solidFill>
+                      </a:endParaRPr>
+                    </a:p>
+                  </a:txBody>
+                  <a:tcPr>
+                    <a:lnL w="12700" cap="flat" cmpd="sng" algn="ctr">
+                      <a:solidFill>
+                        <a:prstClr val="white"/>
+                      </a:solidFill>
+                      <a:prstDash val="solid"/>
+                      <a:round/>
+                      <a:headEnd type="none" w="med" len="med"/>
+                      <a:tailEnd type="none" w="med" len="med"/>
+                    </a:lnL>
+                    <a:lnR w="12700" cap="flat" cmpd="sng" algn="ctr">
+                      <a:solidFill>
+                        <a:prstClr val="white"/>
+                      </a:solidFill>
+                      <a:prstDash val="solid"/>
+                      <a:round/>
+                      <a:headEnd type="none" w="med" len="med"/>
+                      <a:tailEnd type="none" w="med" len="med"/>
+                    </a:lnR>
+                    <a:lnT w="12700" cap="flat" cmpd="sng" algn="ctr">
+                      <a:solidFill>
+                        <a:prstClr val="white"/>
+                      </a:solidFill>
+                      <a:prstDash val="solid"/>
+                      <a:round/>
+                      <a:headEnd type="none" w="med" len="med"/>
+                      <a:tailEnd type="none" w="med" len="med"/>
+                    </a:lnT>
+                    <a:lnB w="12700" cap="flat" cmpd="sng" algn="ctr">
+                      <a:solidFill>
+                        <a:prstClr val="white"/>
+                      </a:solidFill>
+                      <a:prstDash val="solid"/>
+                      <a:round/>
+                      <a:headEnd type="none" w="med" len="med"/>
+                      <a:tailEnd type="none" w="med" len="med"/>
+                    </a:lnB>
+                    <a:solidFill>
+                      <a:srgbClr val="CACE74"/>
+                    </a:solidFill>
+                  </a:tcPr>
+                </a:tc>
+              </a:tr>
+              <a:tr h="986934">
+                <a:tc>
+                  <a:txBody>
+                    <a:bodyPr/>
+                    <a:lstStyle/>
+                    <a:p>
+                      <a:r>
+                        <a:rPr lang="es-ES" dirty="0" smtClean="0">
+                          <a:solidFill>
+                            <a:srgbClr val="FFFFFF"/>
+                          </a:solidFill>
+                        </a:rPr>
+                        <a:t>3</a:t>
+                      </a:r>
+                      <a:endParaRPr lang="es-ES" dirty="0">
+                        <a:solidFill>
+                          <a:srgbClr val="FFFFFF"/>
+                        </a:solidFill>
+                      </a:endParaRPr>
+                    </a:p>
+                  </a:txBody>
+                  <a:tcPr>
+                    <a:lnL w="12700" cap="flat" cmpd="sng" algn="ctr">
+                      <a:solidFill>
+                        <a:prstClr val="white"/>
+                      </a:solidFill>
+                      <a:prstDash val="solid"/>
+                      <a:round/>
+                      <a:headEnd type="none" w="med" len="med"/>
+                      <a:tailEnd type="none" w="med" len="med"/>
+                    </a:lnL>
+                    <a:lnR w="12700" cap="flat" cmpd="sng" algn="ctr">
+                      <a:solidFill>
+                        <a:prstClr val="white"/>
+                      </a:solidFill>
+                      <a:prstDash val="solid"/>
+                      <a:round/>
+                      <a:headEnd type="none" w="med" len="med"/>
+                      <a:tailEnd type="none" w="med" len="med"/>
+                    </a:lnR>
+                    <a:lnT w="12700" cap="flat" cmpd="sng" algn="ctr">
+                      <a:solidFill>
+                        <a:prstClr val="white"/>
+                      </a:solidFill>
+                      <a:prstDash val="solid"/>
+                      <a:round/>
+                      <a:headEnd type="none" w="med" len="med"/>
+                      <a:tailEnd type="none" w="med" len="med"/>
+                    </a:lnT>
+                    <a:lnB w="12700" cap="flat" cmpd="sng" algn="ctr">
+                      <a:solidFill>
+                        <a:prstClr val="white"/>
+                      </a:solidFill>
+                      <a:prstDash val="solid"/>
+                      <a:round/>
+                      <a:headEnd type="none" w="med" len="med"/>
+                      <a:tailEnd type="none" w="med" len="med"/>
+                    </a:lnB>
+                    <a:solidFill>
+                      <a:srgbClr val="CACE74"/>
+                    </a:solidFill>
+                  </a:tcPr>
+                </a:tc>
+                <a:tc>
+                  <a:txBody>
+                    <a:bodyPr/>
+                    <a:lstStyle/>
+                    <a:p>
+                      <a:r>
+                        <a:rPr lang="es-ES" dirty="0" smtClean="0">
+                          <a:solidFill>
+                            <a:srgbClr val="FFFFFF"/>
+                          </a:solidFill>
+                        </a:rPr>
+                        <a:t>4</a:t>
+                      </a:r>
+                      <a:endParaRPr lang="es-ES" dirty="0">
+                        <a:solidFill>
+                          <a:srgbClr val="FFFFFF"/>
+                        </a:solidFill>
+                      </a:endParaRPr>
+                    </a:p>
+                  </a:txBody>
+                  <a:tcPr>
+                    <a:lnL w="12700" cap="flat" cmpd="sng" algn="ctr">
+                      <a:solidFill>
+                        <a:prstClr val="white"/>
+                      </a:solidFill>
+                      <a:prstDash val="solid"/>
+                      <a:round/>
+                      <a:headEnd type="none" w="med" len="med"/>
+                      <a:tailEnd type="none" w="med" len="med"/>
+                    </a:lnL>
+                    <a:lnR w="12700" cap="flat" cmpd="sng" algn="ctr">
+                      <a:solidFill>
+                        <a:prstClr val="white"/>
+                      </a:solidFill>
+                      <a:prstDash val="solid"/>
+                      <a:round/>
+                      <a:headEnd type="none" w="med" len="med"/>
+                      <a:tailEnd type="none" w="med" len="med"/>
+                    </a:lnR>
+                    <a:lnT w="12700" cap="flat" cmpd="sng" algn="ctr">
+                      <a:solidFill>
+                        <a:prstClr val="white"/>
+                      </a:solidFill>
+                      <a:prstDash val="solid"/>
+                      <a:round/>
+                      <a:headEnd type="none" w="med" len="med"/>
+                      <a:tailEnd type="none" w="med" len="med"/>
+                    </a:lnT>
+                    <a:lnB w="12700" cap="flat" cmpd="sng" algn="ctr">
+                      <a:solidFill>
+                        <a:prstClr val="white"/>
+                      </a:solidFill>
+                      <a:prstDash val="solid"/>
+                      <a:round/>
+                      <a:headEnd type="none" w="med" len="med"/>
+                      <a:tailEnd type="none" w="med" len="med"/>
+                    </a:lnB>
+                    <a:solidFill>
+                      <a:srgbClr val="CACE74"/>
+                    </a:solidFill>
+                  </a:tcPr>
+                </a:tc>
+                <a:tc>
+                  <a:txBody>
+                    <a:bodyPr/>
+                    <a:lstStyle/>
+                    <a:p>
+                      <a:r>
+                        <a:rPr lang="es-ES" dirty="0" smtClean="0">
+                          <a:solidFill>
+                            <a:srgbClr val="FFFFFF"/>
+                          </a:solidFill>
+                        </a:rPr>
+                        <a:t>5</a:t>
+                      </a:r>
+                      <a:endParaRPr lang="es-ES" dirty="0">
+                        <a:solidFill>
+                          <a:srgbClr val="FFFFFF"/>
+                        </a:solidFill>
+                      </a:endParaRPr>
+                    </a:p>
+                  </a:txBody>
+                  <a:tcPr>
+                    <a:lnL w="12700" cap="flat" cmpd="sng" algn="ctr">
+                      <a:solidFill>
+                        <a:prstClr val="white"/>
+                      </a:solidFill>
+                      <a:prstDash val="solid"/>
+                      <a:round/>
+                      <a:headEnd type="none" w="med" len="med"/>
+                      <a:tailEnd type="none" w="med" len="med"/>
+                    </a:lnL>
+                    <a:lnR w="12700" cap="flat" cmpd="sng" algn="ctr">
+                      <a:solidFill>
+                        <a:prstClr val="white"/>
+                      </a:solidFill>
+                      <a:prstDash val="solid"/>
+                      <a:round/>
+                      <a:headEnd type="none" w="med" len="med"/>
+                      <a:tailEnd type="none" w="med" len="med"/>
+                    </a:lnR>
+                    <a:lnT w="12700" cap="flat" cmpd="sng" algn="ctr">
+                      <a:solidFill>
+                        <a:prstClr val="white"/>
+                      </a:solidFill>
+                      <a:prstDash val="solid"/>
+                      <a:round/>
+                      <a:headEnd type="none" w="med" len="med"/>
+                      <a:tailEnd type="none" w="med" len="med"/>
+                    </a:lnT>
+                    <a:lnB w="12700" cap="flat" cmpd="sng" algn="ctr">
+                      <a:solidFill>
+                        <a:prstClr val="white"/>
+                      </a:solidFill>
+                      <a:prstDash val="solid"/>
+                      <a:round/>
+                      <a:headEnd type="none" w="med" len="med"/>
+                      <a:tailEnd type="none" w="med" len="med"/>
+                    </a:lnB>
+                    <a:solidFill>
+                      <a:srgbClr val="CACE74"/>
+                    </a:solidFill>
+                  </a:tcPr>
+                </a:tc>
+                <a:tc>
+                  <a:txBody>
+                    <a:bodyPr/>
+                    <a:lstStyle/>
+                    <a:p>
+                      <a:r>
+                        <a:rPr lang="es-ES" dirty="0" smtClean="0">
+                          <a:solidFill>
+                            <a:srgbClr val="FFFFFF"/>
+                          </a:solidFill>
+                        </a:rPr>
+                        <a:t>6</a:t>
+                      </a:r>
+                      <a:endParaRPr lang="es-ES" dirty="0">
+                        <a:solidFill>
+                          <a:srgbClr val="FFFFFF"/>
+                        </a:solidFill>
+                      </a:endParaRPr>
+                    </a:p>
+                  </a:txBody>
+                  <a:tcPr>
+                    <a:lnL w="12700" cap="flat" cmpd="sng" algn="ctr">
+                      <a:solidFill>
+                        <a:prstClr val="white"/>
+                      </a:solidFill>
+                      <a:prstDash val="solid"/>
+                      <a:round/>
+                      <a:headEnd type="none" w="med" len="med"/>
+                      <a:tailEnd type="none" w="med" len="med"/>
+                    </a:lnL>
+                    <a:lnR w="12700" cap="flat" cmpd="sng" algn="ctr">
+                      <a:solidFill>
+                        <a:prstClr val="white"/>
+                      </a:solidFill>
+                      <a:prstDash val="solid"/>
+                      <a:round/>
+                      <a:headEnd type="none" w="med" len="med"/>
+                      <a:tailEnd type="none" w="med" len="med"/>
+                    </a:lnR>
+                    <a:lnT w="12700" cap="flat" cmpd="sng" algn="ctr">
+                      <a:solidFill>
+                        <a:prstClr val="white"/>
+                      </a:solidFill>
+                      <a:prstDash val="solid"/>
+                      <a:round/>
+                      <a:headEnd type="none" w="med" len="med"/>
+                      <a:tailEnd type="none" w="med" len="med"/>
+                    </a:lnT>
+                    <a:lnB w="12700" cap="flat" cmpd="sng" algn="ctr">
+                      <a:solidFill>
+                        <a:prstClr val="white"/>
+                      </a:solidFill>
+                      <a:prstDash val="solid"/>
+                      <a:round/>
+                      <a:headEnd type="none" w="med" len="med"/>
+                      <a:tailEnd type="none" w="med" len="med"/>
+                    </a:lnB>
+                    <a:solidFill>
+                      <a:srgbClr val="CACE74"/>
+                    </a:solidFill>
+                  </a:tcPr>
+                </a:tc>
+                <a:tc>
+                  <a:txBody>
+                    <a:bodyPr/>
+                    <a:lstStyle/>
+                    <a:p>
+                      <a:r>
+                        <a:rPr lang="es-ES" dirty="0" smtClean="0">
+                          <a:solidFill>
+                            <a:srgbClr val="FFFFFF"/>
+                          </a:solidFill>
+                        </a:rPr>
+                        <a:t>7</a:t>
+                      </a:r>
+                      <a:endParaRPr lang="es-ES" dirty="0">
+                        <a:solidFill>
+                          <a:srgbClr val="FFFFFF"/>
+                        </a:solidFill>
+                      </a:endParaRPr>
+                    </a:p>
+                  </a:txBody>
+                  <a:tcPr>
+                    <a:lnL w="12700" cap="flat" cmpd="sng" algn="ctr">
+                      <a:solidFill>
+                        <a:prstClr val="white"/>
+                      </a:solidFill>
+                      <a:prstDash val="solid"/>
+                      <a:round/>
+                      <a:headEnd type="none" w="med" len="med"/>
+                      <a:tailEnd type="none" w="med" len="med"/>
+                    </a:lnL>
+                    <a:lnR w="12700" cap="flat" cmpd="sng" algn="ctr">
+                      <a:solidFill>
+                        <a:prstClr val="white"/>
+                      </a:solidFill>
+                      <a:prstDash val="solid"/>
+                      <a:round/>
+                      <a:headEnd type="none" w="med" len="med"/>
+                      <a:tailEnd type="none" w="med" len="med"/>
+                    </a:lnR>
+                    <a:lnT w="12700" cap="flat" cmpd="sng" algn="ctr">
+                      <a:solidFill>
+                        <a:prstClr val="white"/>
+                      </a:solidFill>
+                      <a:prstDash val="solid"/>
+                      <a:round/>
+                      <a:headEnd type="none" w="med" len="med"/>
+                      <a:tailEnd type="none" w="med" len="med"/>
+                    </a:lnT>
+                    <a:lnB w="12700" cap="flat" cmpd="sng" algn="ctr">
+                      <a:solidFill>
+                        <a:prstClr val="white"/>
+                      </a:solidFill>
+                      <a:prstDash val="solid"/>
+                      <a:round/>
+                      <a:headEnd type="none" w="med" len="med"/>
+                      <a:tailEnd type="none" w="med" len="med"/>
+                    </a:lnB>
+                    <a:solidFill>
+                      <a:srgbClr val="CACE74"/>
+                    </a:solidFill>
+                  </a:tcPr>
+                </a:tc>
+                <a:tc>
+                  <a:txBody>
+                    <a:bodyPr/>
+                    <a:lstStyle/>
+                    <a:p>
+                      <a:r>
+                        <a:rPr lang="es-ES" dirty="0" smtClean="0">
+                          <a:solidFill>
+                            <a:schemeClr val="bg1"/>
+                          </a:solidFill>
+                        </a:rPr>
+                        <a:t>8</a:t>
+                      </a:r>
+                    </a:p>
+                    <a:p>
+                      <a:r>
+                        <a:rPr lang="es-ES" dirty="0" smtClean="0">
+                          <a:solidFill>
+                            <a:schemeClr val="bg1"/>
+                          </a:solidFill>
+                        </a:rPr>
+                        <a:t>Clase 3</a:t>
+                      </a:r>
+                    </a:p>
+                    <a:p>
+                      <a:endParaRPr lang="es-ES" dirty="0">
+                        <a:solidFill>
+                          <a:schemeClr val="bg1"/>
+                        </a:solidFill>
+                      </a:endParaRPr>
+                    </a:p>
+                  </a:txBody>
+                  <a:tcPr>
+                    <a:lnL w="12700" cap="flat" cmpd="sng" algn="ctr">
+                      <a:solidFill>
+                        <a:prstClr val="white"/>
+                      </a:solidFill>
+                      <a:prstDash val="solid"/>
+                      <a:round/>
+                      <a:headEnd type="none" w="med" len="med"/>
+                      <a:tailEnd type="none" w="med" len="med"/>
+                    </a:lnL>
+                    <a:lnR w="12700" cap="flat" cmpd="sng" algn="ctr">
+                      <a:solidFill>
+                        <a:prstClr val="white"/>
+                      </a:solidFill>
+                      <a:prstDash val="solid"/>
+                      <a:round/>
+                      <a:headEnd type="none" w="med" len="med"/>
+                      <a:tailEnd type="none" w="med" len="med"/>
+                    </a:lnR>
+                    <a:lnT w="12700" cap="flat" cmpd="sng" algn="ctr">
+                      <a:solidFill>
+                        <a:prstClr val="white"/>
+                      </a:solidFill>
+                      <a:prstDash val="solid"/>
+                      <a:round/>
+                      <a:headEnd type="none" w="med" len="med"/>
+                      <a:tailEnd type="none" w="med" len="med"/>
+                    </a:lnT>
+                    <a:lnB w="12700" cap="flat" cmpd="sng" algn="ctr">
+                      <a:solidFill>
+                        <a:prstClr val="white"/>
+                      </a:solidFill>
+                      <a:prstDash val="solid"/>
+                      <a:round/>
+                      <a:headEnd type="none" w="med" len="med"/>
+                      <a:tailEnd type="none" w="med" len="med"/>
+                    </a:lnB>
+                    <a:solidFill>
+                      <a:srgbClr val="BCCF00"/>
+                    </a:solidFill>
+                  </a:tcPr>
+                </a:tc>
+                <a:tc>
+                  <a:txBody>
+                    <a:bodyPr/>
+                    <a:lstStyle/>
+                    <a:p>
+                      <a:r>
+                        <a:rPr lang="es-ES" dirty="0" smtClean="0">
+                          <a:solidFill>
+                            <a:srgbClr val="FFFFFF"/>
+                          </a:solidFill>
+                        </a:rPr>
+                        <a:t>9</a:t>
+                      </a:r>
+                      <a:endParaRPr lang="es-ES" dirty="0">
+                        <a:solidFill>
+                          <a:srgbClr val="FFFFFF"/>
+                        </a:solidFill>
+                      </a:endParaRPr>
+                    </a:p>
+                  </a:txBody>
+                  <a:tcPr>
+                    <a:lnL w="12700" cap="flat" cmpd="sng" algn="ctr">
+                      <a:solidFill>
+                        <a:prstClr val="white"/>
+                      </a:solidFill>
+                      <a:prstDash val="solid"/>
+                      <a:round/>
+                      <a:headEnd type="none" w="med" len="med"/>
+                      <a:tailEnd type="none" w="med" len="med"/>
+                    </a:lnL>
+                    <a:lnR w="12700" cap="flat" cmpd="sng" algn="ctr">
+                      <a:solidFill>
+                        <a:prstClr val="white"/>
+                      </a:solidFill>
+                      <a:prstDash val="solid"/>
+                      <a:round/>
+                      <a:headEnd type="none" w="med" len="med"/>
+                      <a:tailEnd type="none" w="med" len="med"/>
+                    </a:lnR>
+                    <a:lnT w="12700" cap="flat" cmpd="sng" algn="ctr">
+                      <a:solidFill>
+                        <a:prstClr val="white"/>
+                      </a:solidFill>
+                      <a:prstDash val="solid"/>
+                      <a:round/>
+                      <a:headEnd type="none" w="med" len="med"/>
+                      <a:tailEnd type="none" w="med" len="med"/>
+                    </a:lnT>
+                    <a:lnB w="12700" cap="flat" cmpd="sng" algn="ctr">
+                      <a:solidFill>
+                        <a:prstClr val="white"/>
+                      </a:solidFill>
+                      <a:prstDash val="solid"/>
+                      <a:round/>
+                      <a:headEnd type="none" w="med" len="med"/>
+                      <a:tailEnd type="none" w="med" len="med"/>
+                    </a:lnB>
+                    <a:solidFill>
+                      <a:srgbClr val="CACE74"/>
+                    </a:solidFill>
+                  </a:tcPr>
+                </a:tc>
+              </a:tr>
+              <a:tr h="986934">
+                <a:tc>
+                  <a:txBody>
+                    <a:bodyPr/>
+                    <a:lstStyle/>
+                    <a:p>
+                      <a:r>
+                        <a:rPr lang="es-ES" dirty="0" smtClean="0">
+                          <a:solidFill>
+                            <a:srgbClr val="FFFFFF"/>
+                          </a:solidFill>
+                        </a:rPr>
+                        <a:t>10</a:t>
+                      </a:r>
+                      <a:endParaRPr lang="es-ES" dirty="0">
+                        <a:solidFill>
+                          <a:srgbClr val="FFFFFF"/>
+                        </a:solidFill>
+                      </a:endParaRPr>
+                    </a:p>
+                  </a:txBody>
+                  <a:tcPr>
+                    <a:lnL w="12700" cap="flat" cmpd="sng" algn="ctr">
+                      <a:solidFill>
+                        <a:prstClr val="white"/>
+                      </a:solidFill>
+                      <a:prstDash val="solid"/>
+                      <a:round/>
+                      <a:headEnd type="none" w="med" len="med"/>
+                      <a:tailEnd type="none" w="med" len="med"/>
+                    </a:lnL>
+                    <a:lnR w="12700" cap="flat" cmpd="sng" algn="ctr">
+                      <a:solidFill>
+                        <a:prstClr val="white"/>
+                      </a:solidFill>
+                      <a:prstDash val="solid"/>
+                      <a:round/>
+                      <a:headEnd type="none" w="med" len="med"/>
+                      <a:tailEnd type="none" w="med" len="med"/>
+                    </a:lnR>
+                    <a:lnT w="12700" cap="flat" cmpd="sng" algn="ctr">
+                      <a:solidFill>
+                        <a:prstClr val="white"/>
+                      </a:solidFill>
+                      <a:prstDash val="solid"/>
+                      <a:round/>
+                      <a:headEnd type="none" w="med" len="med"/>
+                      <a:tailEnd type="none" w="med" len="med"/>
+                    </a:lnT>
+                    <a:lnB w="12700" cap="flat" cmpd="sng" algn="ctr">
+                      <a:solidFill>
+                        <a:prstClr val="white"/>
+                      </a:solidFill>
+                      <a:prstDash val="solid"/>
+                      <a:round/>
+                      <a:headEnd type="none" w="med" len="med"/>
+                      <a:tailEnd type="none" w="med" len="med"/>
+                    </a:lnB>
+                    <a:solidFill>
+                      <a:srgbClr val="CACE74"/>
+                    </a:solidFill>
+                  </a:tcPr>
+                </a:tc>
+                <a:tc>
+                  <a:txBody>
+                    <a:bodyPr/>
+                    <a:lstStyle/>
+                    <a:p>
+                      <a:r>
+                        <a:rPr lang="es-ES" dirty="0" smtClean="0">
+                          <a:solidFill>
+                            <a:srgbClr val="FFFFFF"/>
+                          </a:solidFill>
+                        </a:rPr>
+                        <a:t>11</a:t>
+                      </a:r>
+                      <a:endParaRPr lang="es-ES" dirty="0">
+                        <a:solidFill>
+                          <a:srgbClr val="FFFFFF"/>
+                        </a:solidFill>
+                      </a:endParaRPr>
+                    </a:p>
+                  </a:txBody>
+                  <a:tcPr>
+                    <a:lnL w="12700" cap="flat" cmpd="sng" algn="ctr">
+                      <a:solidFill>
+                        <a:prstClr val="white"/>
+                      </a:solidFill>
+                      <a:prstDash val="solid"/>
+                      <a:round/>
+                      <a:headEnd type="none" w="med" len="med"/>
+                      <a:tailEnd type="none" w="med" len="med"/>
+                    </a:lnL>
+                    <a:lnR w="12700" cap="flat" cmpd="sng" algn="ctr">
+                      <a:solidFill>
+                        <a:prstClr val="white"/>
+                      </a:solidFill>
+                      <a:prstDash val="solid"/>
+                      <a:round/>
+                      <a:headEnd type="none" w="med" len="med"/>
+                      <a:tailEnd type="none" w="med" len="med"/>
+                    </a:lnR>
+                    <a:lnT w="12700" cap="flat" cmpd="sng" algn="ctr">
+                      <a:solidFill>
+                        <a:prstClr val="white"/>
+                      </a:solidFill>
+                      <a:prstDash val="solid"/>
+                      <a:round/>
+                      <a:headEnd type="none" w="med" len="med"/>
+                      <a:tailEnd type="none" w="med" len="med"/>
+                    </a:lnT>
+                    <a:lnB w="12700" cap="flat" cmpd="sng" algn="ctr">
+                      <a:solidFill>
+                        <a:prstClr val="white"/>
+                      </a:solidFill>
+                      <a:prstDash val="solid"/>
+                      <a:round/>
+                      <a:headEnd type="none" w="med" len="med"/>
+                      <a:tailEnd type="none" w="med" len="med"/>
+                    </a:lnB>
+                    <a:solidFill>
+                      <a:srgbClr val="CACE74"/>
+                    </a:solidFill>
+                  </a:tcPr>
+                </a:tc>
+                <a:tc>
+                  <a:txBody>
+                    <a:bodyPr/>
+                    <a:lstStyle/>
+                    <a:p>
+                      <a:r>
+                        <a:rPr lang="es-ES" dirty="0" smtClean="0">
+                          <a:solidFill>
+                            <a:srgbClr val="FFFFFF"/>
+                          </a:solidFill>
+                        </a:rPr>
+                        <a:t>12</a:t>
+                      </a:r>
+                      <a:endParaRPr lang="es-ES" dirty="0">
+                        <a:solidFill>
+                          <a:srgbClr val="FFFFFF"/>
+                        </a:solidFill>
+                      </a:endParaRPr>
+                    </a:p>
+                  </a:txBody>
+                  <a:tcPr>
+                    <a:lnL w="12700" cap="flat" cmpd="sng" algn="ctr">
+                      <a:solidFill>
+                        <a:prstClr val="white"/>
+                      </a:solidFill>
+                      <a:prstDash val="solid"/>
+                      <a:round/>
+                      <a:headEnd type="none" w="med" len="med"/>
+                      <a:tailEnd type="none" w="med" len="med"/>
+                    </a:lnL>
+                    <a:lnR w="12700" cap="flat" cmpd="sng" algn="ctr">
+                      <a:solidFill>
+                        <a:prstClr val="white"/>
+                      </a:solidFill>
+                      <a:prstDash val="solid"/>
+                      <a:round/>
+                      <a:headEnd type="none" w="med" len="med"/>
+                      <a:tailEnd type="none" w="med" len="med"/>
+                    </a:lnR>
+                    <a:lnT w="12700" cap="flat" cmpd="sng" algn="ctr">
+                      <a:solidFill>
+                        <a:prstClr val="white"/>
+                      </a:solidFill>
+                      <a:prstDash val="solid"/>
+                      <a:round/>
+                      <a:headEnd type="none" w="med" len="med"/>
+                      <a:tailEnd type="none" w="med" len="med"/>
+                    </a:lnT>
+                    <a:lnB w="12700" cap="flat" cmpd="sng" algn="ctr">
+                      <a:solidFill>
+                        <a:prstClr val="white"/>
+                      </a:solidFill>
+                      <a:prstDash val="solid"/>
+                      <a:round/>
+                      <a:headEnd type="none" w="med" len="med"/>
+                      <a:tailEnd type="none" w="med" len="med"/>
+                    </a:lnB>
+                    <a:solidFill>
+                      <a:srgbClr val="CACE74"/>
+                    </a:solidFill>
+                  </a:tcPr>
+                </a:tc>
+                <a:tc>
+                  <a:txBody>
+                    <a:bodyPr/>
+                    <a:lstStyle/>
+                    <a:p>
+                      <a:r>
+                        <a:rPr lang="es-ES" dirty="0" smtClean="0">
+                          <a:solidFill>
+                            <a:srgbClr val="FFFFFF"/>
+                          </a:solidFill>
+                        </a:rPr>
+                        <a:t>13</a:t>
+                      </a:r>
+                      <a:endParaRPr lang="es-ES" dirty="0">
+                        <a:solidFill>
+                          <a:srgbClr val="FFFFFF"/>
+                        </a:solidFill>
+                      </a:endParaRPr>
+                    </a:p>
+                  </a:txBody>
+                  <a:tcPr>
+                    <a:lnL w="12700" cap="flat" cmpd="sng" algn="ctr">
+                      <a:solidFill>
+                        <a:prstClr val="white"/>
+                      </a:solidFill>
+                      <a:prstDash val="solid"/>
+                      <a:round/>
+                      <a:headEnd type="none" w="med" len="med"/>
+                      <a:tailEnd type="none" w="med" len="med"/>
+                    </a:lnL>
+                    <a:lnR w="12700" cap="flat" cmpd="sng" algn="ctr">
+                      <a:solidFill>
+                        <a:prstClr val="white"/>
+                      </a:solidFill>
+                      <a:prstDash val="solid"/>
+                      <a:round/>
+                      <a:headEnd type="none" w="med" len="med"/>
+                      <a:tailEnd type="none" w="med" len="med"/>
+                    </a:lnR>
+                    <a:lnT w="12700" cap="flat" cmpd="sng" algn="ctr">
+                      <a:solidFill>
+                        <a:prstClr val="white"/>
+                      </a:solidFill>
+                      <a:prstDash val="solid"/>
+                      <a:round/>
+                      <a:headEnd type="none" w="med" len="med"/>
+                      <a:tailEnd type="none" w="med" len="med"/>
+                    </a:lnT>
+                    <a:lnB w="12700" cap="flat" cmpd="sng" algn="ctr">
+                      <a:solidFill>
+                        <a:prstClr val="white"/>
+                      </a:solidFill>
+                      <a:prstDash val="solid"/>
+                      <a:round/>
+                      <a:headEnd type="none" w="med" len="med"/>
+                      <a:tailEnd type="none" w="med" len="med"/>
+                    </a:lnB>
+                    <a:solidFill>
+                      <a:srgbClr val="CACE74"/>
+                    </a:solidFill>
+                  </a:tcPr>
+                </a:tc>
+                <a:tc>
+                  <a:txBody>
+                    <a:bodyPr/>
+                    <a:lstStyle/>
+                    <a:p>
+                      <a:r>
+                        <a:rPr lang="es-ES" dirty="0" smtClean="0">
+                          <a:solidFill>
+                            <a:srgbClr val="FFFFFF"/>
+                          </a:solidFill>
+                        </a:rPr>
+                        <a:t>14</a:t>
+                      </a:r>
+                    </a:p>
+                    <a:p>
+                      <a:r>
+                        <a:rPr lang="es-ES" dirty="0" smtClean="0">
+                          <a:solidFill>
+                            <a:srgbClr val="FFFFFF"/>
+                          </a:solidFill>
+                        </a:rPr>
+                        <a:t>Viernes Santo</a:t>
+                      </a:r>
+                      <a:endParaRPr lang="es-ES" dirty="0">
+                        <a:solidFill>
+                          <a:srgbClr val="FFFFFF"/>
+                        </a:solidFill>
+                      </a:endParaRPr>
+                    </a:p>
+                  </a:txBody>
+                  <a:tcPr>
+                    <a:lnL w="12700" cap="flat" cmpd="sng" algn="ctr">
+                      <a:solidFill>
+                        <a:prstClr val="white"/>
+                      </a:solidFill>
+                      <a:prstDash val="solid"/>
+                      <a:round/>
+                      <a:headEnd type="none" w="med" len="med"/>
+                      <a:tailEnd type="none" w="med" len="med"/>
+                    </a:lnL>
+                    <a:lnR w="12700" cap="flat" cmpd="sng" algn="ctr">
+                      <a:solidFill>
+                        <a:prstClr val="white"/>
+                      </a:solidFill>
+                      <a:prstDash val="solid"/>
+                      <a:round/>
+                      <a:headEnd type="none" w="med" len="med"/>
+                      <a:tailEnd type="none" w="med" len="med"/>
+                    </a:lnR>
+                    <a:lnT w="12700" cap="flat" cmpd="sng" algn="ctr">
+                      <a:solidFill>
+                        <a:prstClr val="white"/>
+                      </a:solidFill>
+                      <a:prstDash val="solid"/>
+                      <a:round/>
+                      <a:headEnd type="none" w="med" len="med"/>
+                      <a:tailEnd type="none" w="med" len="med"/>
+                    </a:lnT>
+                    <a:lnB w="12700" cap="flat" cmpd="sng" algn="ctr">
+                      <a:solidFill>
+                        <a:prstClr val="white"/>
+                      </a:solidFill>
+                      <a:prstDash val="solid"/>
+                      <a:round/>
+                      <a:headEnd type="none" w="med" len="med"/>
+                      <a:tailEnd type="none" w="med" len="med"/>
+                    </a:lnB>
+                    <a:solidFill>
+                      <a:srgbClr val="4E5601"/>
+                    </a:solidFill>
+                  </a:tcPr>
+                </a:tc>
+                <a:tc>
+                  <a:txBody>
+                    <a:bodyPr/>
+                    <a:lstStyle/>
+                    <a:p>
+                      <a:r>
+                        <a:rPr lang="es-ES" dirty="0" smtClean="0">
+                          <a:solidFill>
+                            <a:schemeClr val="bg1"/>
+                          </a:solidFill>
+                        </a:rPr>
+                        <a:t>15</a:t>
+                      </a:r>
+                    </a:p>
+                    <a:p>
+                      <a:r>
+                        <a:rPr lang="es-ES" dirty="0" smtClean="0">
+                          <a:solidFill>
+                            <a:schemeClr val="bg1"/>
+                          </a:solidFill>
+                        </a:rPr>
+                        <a:t>S</a:t>
+                      </a:r>
+                      <a:r>
+                        <a:rPr lang="es-ES" dirty="0" smtClean="0">
+                          <a:solidFill>
+                            <a:schemeClr val="bg1"/>
+                          </a:solidFill>
+                        </a:rPr>
+                        <a:t>ábado Santo</a:t>
+                      </a:r>
+                      <a:endParaRPr lang="es-ES" dirty="0">
+                        <a:solidFill>
+                          <a:schemeClr val="bg1"/>
+                        </a:solidFill>
+                      </a:endParaRPr>
+                    </a:p>
+                  </a:txBody>
+                  <a:tcPr>
+                    <a:lnL w="12700" cap="flat" cmpd="sng" algn="ctr">
+                      <a:solidFill>
+                        <a:prstClr val="white"/>
+                      </a:solidFill>
+                      <a:prstDash val="solid"/>
+                      <a:round/>
+                      <a:headEnd type="none" w="med" len="med"/>
+                      <a:tailEnd type="none" w="med" len="med"/>
+                    </a:lnL>
+                    <a:lnR w="12700" cap="flat" cmpd="sng" algn="ctr">
+                      <a:solidFill>
+                        <a:prstClr val="white"/>
+                      </a:solidFill>
+                      <a:prstDash val="solid"/>
+                      <a:round/>
+                      <a:headEnd type="none" w="med" len="med"/>
+                      <a:tailEnd type="none" w="med" len="med"/>
+                    </a:lnR>
+                    <a:lnT w="12700" cap="flat" cmpd="sng" algn="ctr">
+                      <a:solidFill>
+                        <a:prstClr val="white"/>
+                      </a:solidFill>
+                      <a:prstDash val="solid"/>
+                      <a:round/>
+                      <a:headEnd type="none" w="med" len="med"/>
+                      <a:tailEnd type="none" w="med" len="med"/>
+                    </a:lnT>
+                    <a:lnB w="12700" cap="flat" cmpd="sng" algn="ctr">
+                      <a:solidFill>
+                        <a:prstClr val="white"/>
+                      </a:solidFill>
+                      <a:prstDash val="solid"/>
+                      <a:round/>
+                      <a:headEnd type="none" w="med" len="med"/>
+                      <a:tailEnd type="none" w="med" len="med"/>
+                    </a:lnB>
+                    <a:solidFill>
+                      <a:srgbClr val="4E5601"/>
+                    </a:solidFill>
+                  </a:tcPr>
+                </a:tc>
+                <a:tc>
+                  <a:txBody>
+                    <a:bodyPr/>
+                    <a:lstStyle/>
+                    <a:p>
+                      <a:r>
+                        <a:rPr lang="es-ES" dirty="0" smtClean="0">
+                          <a:solidFill>
+                            <a:srgbClr val="FFFFFF"/>
+                          </a:solidFill>
+                        </a:rPr>
+                        <a:t>16</a:t>
+                      </a:r>
+                    </a:p>
+                    <a:p>
+                      <a:r>
+                        <a:rPr lang="es-ES" dirty="0" smtClean="0">
+                          <a:solidFill>
+                            <a:srgbClr val="FFFFFF"/>
+                          </a:solidFill>
+                        </a:rPr>
+                        <a:t>Pascua</a:t>
+                      </a:r>
+                      <a:endParaRPr lang="es-ES" dirty="0">
+                        <a:solidFill>
+                          <a:srgbClr val="FFFFFF"/>
+                        </a:solidFill>
+                      </a:endParaRPr>
+                    </a:p>
+                  </a:txBody>
+                  <a:tcPr>
+                    <a:lnL w="12700" cap="flat" cmpd="sng" algn="ctr">
+                      <a:solidFill>
+                        <a:prstClr val="white"/>
+                      </a:solidFill>
+                      <a:prstDash val="solid"/>
+                      <a:round/>
+                      <a:headEnd type="none" w="med" len="med"/>
+                      <a:tailEnd type="none" w="med" len="med"/>
+                    </a:lnL>
+                    <a:lnR w="12700" cap="flat" cmpd="sng" algn="ctr">
+                      <a:solidFill>
+                        <a:prstClr val="white"/>
+                      </a:solidFill>
+                      <a:prstDash val="solid"/>
+                      <a:round/>
+                      <a:headEnd type="none" w="med" len="med"/>
+                      <a:tailEnd type="none" w="med" len="med"/>
+                    </a:lnR>
+                    <a:lnT w="12700" cap="flat" cmpd="sng" algn="ctr">
+                      <a:solidFill>
+                        <a:prstClr val="white"/>
+                      </a:solidFill>
+                      <a:prstDash val="solid"/>
+                      <a:round/>
+                      <a:headEnd type="none" w="med" len="med"/>
+                      <a:tailEnd type="none" w="med" len="med"/>
+                    </a:lnT>
+                    <a:lnB w="12700" cap="flat" cmpd="sng" algn="ctr">
+                      <a:solidFill>
+                        <a:prstClr val="white"/>
+                      </a:solidFill>
+                      <a:prstDash val="solid"/>
+                      <a:round/>
+                      <a:headEnd type="none" w="med" len="med"/>
+                      <a:tailEnd type="none" w="med" len="med"/>
+                    </a:lnB>
+                    <a:solidFill>
+                      <a:srgbClr val="4E5601"/>
+                    </a:solidFill>
+                  </a:tcPr>
+                </a:tc>
+              </a:tr>
+              <a:tr h="986934">
+                <a:tc>
+                  <a:txBody>
+                    <a:bodyPr/>
+                    <a:lstStyle/>
+                    <a:p>
+                      <a:r>
+                        <a:rPr lang="es-ES" dirty="0" smtClean="0">
+                          <a:solidFill>
+                            <a:srgbClr val="FFFFFF"/>
+                          </a:solidFill>
+                        </a:rPr>
+                        <a:t>17</a:t>
+                      </a:r>
+                      <a:endParaRPr lang="es-ES" dirty="0">
+                        <a:solidFill>
+                          <a:srgbClr val="FFFFFF"/>
+                        </a:solidFill>
+                      </a:endParaRPr>
+                    </a:p>
+                  </a:txBody>
+                  <a:tcPr>
+                    <a:lnL w="12700" cap="flat" cmpd="sng" algn="ctr">
+                      <a:solidFill>
+                        <a:prstClr val="white"/>
+                      </a:solidFill>
+                      <a:prstDash val="solid"/>
+                      <a:round/>
+                      <a:headEnd type="none" w="med" len="med"/>
+                      <a:tailEnd type="none" w="med" len="med"/>
+                    </a:lnL>
+                    <a:lnR w="12700" cap="flat" cmpd="sng" algn="ctr">
+                      <a:solidFill>
+                        <a:prstClr val="white"/>
+                      </a:solidFill>
+                      <a:prstDash val="solid"/>
+                      <a:round/>
+                      <a:headEnd type="none" w="med" len="med"/>
+                      <a:tailEnd type="none" w="med" len="med"/>
+                    </a:lnR>
+                    <a:lnT w="12700" cap="flat" cmpd="sng" algn="ctr">
+                      <a:solidFill>
+                        <a:prstClr val="white"/>
+                      </a:solidFill>
+                      <a:prstDash val="solid"/>
+                      <a:round/>
+                      <a:headEnd type="none" w="med" len="med"/>
+                      <a:tailEnd type="none" w="med" len="med"/>
+                    </a:lnT>
+                    <a:lnB w="12700" cap="flat" cmpd="sng" algn="ctr">
+                      <a:solidFill>
+                        <a:prstClr val="white"/>
+                      </a:solidFill>
+                      <a:prstDash val="solid"/>
+                      <a:round/>
+                      <a:headEnd type="none" w="med" len="med"/>
+                      <a:tailEnd type="none" w="med" len="med"/>
+                    </a:lnB>
+                    <a:solidFill>
+                      <a:srgbClr val="CACE74"/>
+                    </a:solidFill>
+                  </a:tcPr>
+                </a:tc>
+                <a:tc>
+                  <a:txBody>
+                    <a:bodyPr/>
+                    <a:lstStyle/>
+                    <a:p>
+                      <a:r>
+                        <a:rPr lang="es-ES" dirty="0" smtClean="0">
+                          <a:solidFill>
+                            <a:srgbClr val="FFFFFF"/>
+                          </a:solidFill>
+                        </a:rPr>
+                        <a:t>18</a:t>
+                      </a:r>
+                      <a:endParaRPr lang="es-ES" dirty="0">
+                        <a:solidFill>
+                          <a:srgbClr val="FFFFFF"/>
+                        </a:solidFill>
+                      </a:endParaRPr>
+                    </a:p>
+                  </a:txBody>
+                  <a:tcPr>
+                    <a:lnL w="12700" cap="flat" cmpd="sng" algn="ctr">
+                      <a:solidFill>
+                        <a:prstClr val="white"/>
+                      </a:solidFill>
+                      <a:prstDash val="solid"/>
+                      <a:round/>
+                      <a:headEnd type="none" w="med" len="med"/>
+                      <a:tailEnd type="none" w="med" len="med"/>
+                    </a:lnL>
+                    <a:lnR w="12700" cap="flat" cmpd="sng" algn="ctr">
+                      <a:solidFill>
+                        <a:prstClr val="white"/>
+                      </a:solidFill>
+                      <a:prstDash val="solid"/>
+                      <a:round/>
+                      <a:headEnd type="none" w="med" len="med"/>
+                      <a:tailEnd type="none" w="med" len="med"/>
+                    </a:lnR>
+                    <a:lnT w="12700" cap="flat" cmpd="sng" algn="ctr">
+                      <a:solidFill>
+                        <a:prstClr val="white"/>
+                      </a:solidFill>
+                      <a:prstDash val="solid"/>
+                      <a:round/>
+                      <a:headEnd type="none" w="med" len="med"/>
+                      <a:tailEnd type="none" w="med" len="med"/>
+                    </a:lnT>
+                    <a:lnB w="12700" cap="flat" cmpd="sng" algn="ctr">
+                      <a:solidFill>
+                        <a:prstClr val="white"/>
+                      </a:solidFill>
+                      <a:prstDash val="solid"/>
+                      <a:round/>
+                      <a:headEnd type="none" w="med" len="med"/>
+                      <a:tailEnd type="none" w="med" len="med"/>
+                    </a:lnB>
+                    <a:solidFill>
+                      <a:srgbClr val="CACE74"/>
+                    </a:solidFill>
+                  </a:tcPr>
+                </a:tc>
+                <a:tc>
+                  <a:txBody>
+                    <a:bodyPr/>
+                    <a:lstStyle/>
+                    <a:p>
+                      <a:r>
+                        <a:rPr lang="es-ES" dirty="0" smtClean="0">
+                          <a:solidFill>
+                            <a:srgbClr val="FFFFFF"/>
+                          </a:solidFill>
+                        </a:rPr>
+                        <a:t>19</a:t>
+                      </a:r>
+                      <a:endParaRPr lang="es-ES" dirty="0">
+                        <a:solidFill>
+                          <a:srgbClr val="FFFFFF"/>
+                        </a:solidFill>
+                      </a:endParaRPr>
+                    </a:p>
+                  </a:txBody>
+                  <a:tcPr>
+                    <a:lnL w="12700" cap="flat" cmpd="sng" algn="ctr">
+                      <a:solidFill>
+                        <a:prstClr val="white"/>
+                      </a:solidFill>
+                      <a:prstDash val="solid"/>
+                      <a:round/>
+                      <a:headEnd type="none" w="med" len="med"/>
+                      <a:tailEnd type="none" w="med" len="med"/>
+                    </a:lnL>
+                    <a:lnR w="12700" cap="flat" cmpd="sng" algn="ctr">
+                      <a:solidFill>
+                        <a:prstClr val="white"/>
+                      </a:solidFill>
+                      <a:prstDash val="solid"/>
+                      <a:round/>
+                      <a:headEnd type="none" w="med" len="med"/>
+                      <a:tailEnd type="none" w="med" len="med"/>
+                    </a:lnR>
+                    <a:lnT w="12700" cap="flat" cmpd="sng" algn="ctr">
+                      <a:solidFill>
+                        <a:prstClr val="white"/>
+                      </a:solidFill>
+                      <a:prstDash val="solid"/>
+                      <a:round/>
+                      <a:headEnd type="none" w="med" len="med"/>
+                      <a:tailEnd type="none" w="med" len="med"/>
+                    </a:lnT>
+                    <a:lnB w="12700" cap="flat" cmpd="sng" algn="ctr">
+                      <a:solidFill>
+                        <a:prstClr val="white"/>
+                      </a:solidFill>
+                      <a:prstDash val="solid"/>
+                      <a:round/>
+                      <a:headEnd type="none" w="med" len="med"/>
+                      <a:tailEnd type="none" w="med" len="med"/>
+                    </a:lnB>
+                    <a:solidFill>
+                      <a:srgbClr val="CACE74"/>
+                    </a:solidFill>
+                  </a:tcPr>
+                </a:tc>
+                <a:tc>
+                  <a:txBody>
+                    <a:bodyPr/>
+                    <a:lstStyle/>
+                    <a:p>
+                      <a:r>
+                        <a:rPr lang="es-ES" dirty="0" smtClean="0">
+                          <a:solidFill>
+                            <a:srgbClr val="FFFFFF"/>
+                          </a:solidFill>
+                        </a:rPr>
+                        <a:t>20</a:t>
+                      </a:r>
+                      <a:endParaRPr lang="es-ES" dirty="0">
+                        <a:solidFill>
+                          <a:srgbClr val="FFFFFF"/>
+                        </a:solidFill>
+                      </a:endParaRPr>
+                    </a:p>
+                  </a:txBody>
+                  <a:tcPr>
+                    <a:lnL w="12700" cap="flat" cmpd="sng" algn="ctr">
+                      <a:solidFill>
+                        <a:prstClr val="white"/>
+                      </a:solidFill>
+                      <a:prstDash val="solid"/>
+                      <a:round/>
+                      <a:headEnd type="none" w="med" len="med"/>
+                      <a:tailEnd type="none" w="med" len="med"/>
+                    </a:lnL>
+                    <a:lnR w="12700" cap="flat" cmpd="sng" algn="ctr">
+                      <a:solidFill>
+                        <a:prstClr val="white"/>
+                      </a:solidFill>
+                      <a:prstDash val="solid"/>
+                      <a:round/>
+                      <a:headEnd type="none" w="med" len="med"/>
+                      <a:tailEnd type="none" w="med" len="med"/>
+                    </a:lnR>
+                    <a:lnT w="12700" cap="flat" cmpd="sng" algn="ctr">
+                      <a:solidFill>
+                        <a:prstClr val="white"/>
+                      </a:solidFill>
+                      <a:prstDash val="solid"/>
+                      <a:round/>
+                      <a:headEnd type="none" w="med" len="med"/>
+                      <a:tailEnd type="none" w="med" len="med"/>
+                    </a:lnT>
+                    <a:lnB w="12700" cap="flat" cmpd="sng" algn="ctr">
+                      <a:solidFill>
+                        <a:prstClr val="white"/>
+                      </a:solidFill>
+                      <a:prstDash val="solid"/>
+                      <a:round/>
+                      <a:headEnd type="none" w="med" len="med"/>
+                      <a:tailEnd type="none" w="med" len="med"/>
+                    </a:lnB>
+                    <a:solidFill>
+                      <a:srgbClr val="CACE74"/>
+                    </a:solidFill>
+                  </a:tcPr>
+                </a:tc>
+                <a:tc>
+                  <a:txBody>
+                    <a:bodyPr/>
+                    <a:lstStyle/>
+                    <a:p>
+                      <a:r>
+                        <a:rPr lang="es-ES" dirty="0" smtClean="0">
+                          <a:solidFill>
+                            <a:srgbClr val="FFFFFF"/>
+                          </a:solidFill>
+                        </a:rPr>
+                        <a:t>21</a:t>
+                      </a:r>
+                      <a:endParaRPr lang="es-ES" dirty="0">
+                        <a:solidFill>
+                          <a:srgbClr val="FFFFFF"/>
+                        </a:solidFill>
+                      </a:endParaRPr>
+                    </a:p>
+                  </a:txBody>
+                  <a:tcPr>
+                    <a:lnL w="12700" cap="flat" cmpd="sng" algn="ctr">
+                      <a:solidFill>
+                        <a:prstClr val="white"/>
+                      </a:solidFill>
+                      <a:prstDash val="solid"/>
+                      <a:round/>
+                      <a:headEnd type="none" w="med" len="med"/>
+                      <a:tailEnd type="none" w="med" len="med"/>
+                    </a:lnL>
+                    <a:lnR w="12700" cap="flat" cmpd="sng" algn="ctr">
+                      <a:solidFill>
+                        <a:prstClr val="white"/>
+                      </a:solidFill>
+                      <a:prstDash val="solid"/>
+                      <a:round/>
+                      <a:headEnd type="none" w="med" len="med"/>
+                      <a:tailEnd type="none" w="med" len="med"/>
+                    </a:lnR>
+                    <a:lnT w="12700" cap="flat" cmpd="sng" algn="ctr">
+                      <a:solidFill>
+                        <a:prstClr val="white"/>
+                      </a:solidFill>
+                      <a:prstDash val="solid"/>
+                      <a:round/>
+                      <a:headEnd type="none" w="med" len="med"/>
+                      <a:tailEnd type="none" w="med" len="med"/>
+                    </a:lnT>
+                    <a:lnB w="12700" cap="flat" cmpd="sng" algn="ctr">
+                      <a:solidFill>
+                        <a:prstClr val="white"/>
+                      </a:solidFill>
+                      <a:prstDash val="solid"/>
+                      <a:round/>
+                      <a:headEnd type="none" w="med" len="med"/>
+                      <a:tailEnd type="none" w="med" len="med"/>
+                    </a:lnB>
+                    <a:solidFill>
+                      <a:srgbClr val="CACE74"/>
+                    </a:solidFill>
+                  </a:tcPr>
+                </a:tc>
+                <a:tc>
+                  <a:txBody>
+                    <a:bodyPr/>
+                    <a:lstStyle/>
+                    <a:p>
+                      <a:r>
+                        <a:rPr lang="es-ES" dirty="0" smtClean="0">
+                          <a:solidFill>
+                            <a:schemeClr val="bg1"/>
+                          </a:solidFill>
+                        </a:rPr>
+                        <a:t>22</a:t>
+                      </a:r>
+                    </a:p>
+                    <a:p>
+                      <a:r>
+                        <a:rPr lang="es-ES" dirty="0" smtClean="0">
+                          <a:solidFill>
+                            <a:schemeClr val="bg1"/>
+                          </a:solidFill>
+                        </a:rPr>
+                        <a:t>Clase 4</a:t>
+                      </a:r>
+                      <a:endParaRPr lang="es-ES" dirty="0">
+                        <a:solidFill>
+                          <a:schemeClr val="bg1"/>
+                        </a:solidFill>
+                      </a:endParaRPr>
+                    </a:p>
+                  </a:txBody>
+                  <a:tcPr>
+                    <a:lnL w="12700" cap="flat" cmpd="sng" algn="ctr">
+                      <a:solidFill>
+                        <a:prstClr val="white"/>
+                      </a:solidFill>
+                      <a:prstDash val="solid"/>
+                      <a:round/>
+                      <a:headEnd type="none" w="med" len="med"/>
+                      <a:tailEnd type="none" w="med" len="med"/>
+                    </a:lnL>
+                    <a:lnR w="12700" cap="flat" cmpd="sng" algn="ctr">
+                      <a:solidFill>
+                        <a:prstClr val="white"/>
+                      </a:solidFill>
+                      <a:prstDash val="solid"/>
+                      <a:round/>
+                      <a:headEnd type="none" w="med" len="med"/>
+                      <a:tailEnd type="none" w="med" len="med"/>
+                    </a:lnR>
+                    <a:lnT w="12700" cap="flat" cmpd="sng" algn="ctr">
+                      <a:solidFill>
+                        <a:prstClr val="white"/>
+                      </a:solidFill>
+                      <a:prstDash val="solid"/>
+                      <a:round/>
+                      <a:headEnd type="none" w="med" len="med"/>
+                      <a:tailEnd type="none" w="med" len="med"/>
+                    </a:lnT>
+                    <a:lnB w="12700" cap="flat" cmpd="sng" algn="ctr">
+                      <a:solidFill>
+                        <a:prstClr val="white"/>
+                      </a:solidFill>
+                      <a:prstDash val="solid"/>
+                      <a:round/>
+                      <a:headEnd type="none" w="med" len="med"/>
+                      <a:tailEnd type="none" w="med" len="med"/>
+                    </a:lnB>
+                    <a:solidFill>
+                      <a:srgbClr val="BCCF00"/>
+                    </a:solidFill>
+                  </a:tcPr>
+                </a:tc>
+                <a:tc>
+                  <a:txBody>
+                    <a:bodyPr/>
+                    <a:lstStyle/>
+                    <a:p>
+                      <a:r>
+                        <a:rPr lang="es-ES" dirty="0" smtClean="0">
+                          <a:solidFill>
+                            <a:srgbClr val="FFFFFF"/>
+                          </a:solidFill>
+                        </a:rPr>
+                        <a:t>23</a:t>
+                      </a:r>
+                      <a:endParaRPr lang="es-ES" dirty="0">
+                        <a:solidFill>
+                          <a:srgbClr val="FFFFFF"/>
+                        </a:solidFill>
+                      </a:endParaRPr>
+                    </a:p>
+                  </a:txBody>
+                  <a:tcPr>
+                    <a:lnL w="12700" cap="flat" cmpd="sng" algn="ctr">
+                      <a:solidFill>
+                        <a:prstClr val="white"/>
+                      </a:solidFill>
+                      <a:prstDash val="solid"/>
+                      <a:round/>
+                      <a:headEnd type="none" w="med" len="med"/>
+                      <a:tailEnd type="none" w="med" len="med"/>
+                    </a:lnL>
+                    <a:lnR w="12700" cap="flat" cmpd="sng" algn="ctr">
+                      <a:solidFill>
+                        <a:prstClr val="white"/>
+                      </a:solidFill>
+                      <a:prstDash val="solid"/>
+                      <a:round/>
+                      <a:headEnd type="none" w="med" len="med"/>
+                      <a:tailEnd type="none" w="med" len="med"/>
+                    </a:lnR>
+                    <a:lnT w="12700" cap="flat" cmpd="sng" algn="ctr">
+                      <a:solidFill>
+                        <a:prstClr val="white"/>
+                      </a:solidFill>
+                      <a:prstDash val="solid"/>
+                      <a:round/>
+                      <a:headEnd type="none" w="med" len="med"/>
+                      <a:tailEnd type="none" w="med" len="med"/>
+                    </a:lnT>
+                    <a:lnB w="12700" cap="flat" cmpd="sng" algn="ctr">
+                      <a:solidFill>
+                        <a:prstClr val="white"/>
+                      </a:solidFill>
+                      <a:prstDash val="solid"/>
+                      <a:round/>
+                      <a:headEnd type="none" w="med" len="med"/>
+                      <a:tailEnd type="none" w="med" len="med"/>
+                    </a:lnB>
+                    <a:solidFill>
+                      <a:srgbClr val="CACE74"/>
+                    </a:solidFill>
+                  </a:tcPr>
+                </a:tc>
+              </a:tr>
+              <a:tr h="986934">
+                <a:tc>
+                  <a:txBody>
+                    <a:bodyPr/>
+                    <a:lstStyle/>
+                    <a:p>
+                      <a:r>
+                        <a:rPr lang="es-ES" dirty="0" smtClean="0">
+                          <a:solidFill>
+                            <a:srgbClr val="FFFFFF"/>
+                          </a:solidFill>
+                        </a:rPr>
+                        <a:t>24</a:t>
+                      </a:r>
+                      <a:endParaRPr lang="es-ES" dirty="0">
+                        <a:solidFill>
+                          <a:srgbClr val="FFFFFF"/>
+                        </a:solidFill>
+                      </a:endParaRPr>
+                    </a:p>
+                  </a:txBody>
+                  <a:tcPr>
+                    <a:lnL w="12700" cap="flat" cmpd="sng" algn="ctr">
+                      <a:solidFill>
+                        <a:prstClr val="white"/>
+                      </a:solidFill>
+                      <a:prstDash val="solid"/>
+                      <a:round/>
+                      <a:headEnd type="none" w="med" len="med"/>
+                      <a:tailEnd type="none" w="med" len="med"/>
+                    </a:lnL>
+                    <a:lnR w="12700" cap="flat" cmpd="sng" algn="ctr">
+                      <a:solidFill>
+                        <a:prstClr val="white"/>
+                      </a:solidFill>
+                      <a:prstDash val="solid"/>
+                      <a:round/>
+                      <a:headEnd type="none" w="med" len="med"/>
+                      <a:tailEnd type="none" w="med" len="med"/>
+                    </a:lnR>
+                    <a:lnT w="12700" cap="flat" cmpd="sng" algn="ctr">
+                      <a:solidFill>
+                        <a:prstClr val="white"/>
+                      </a:solidFill>
+                      <a:prstDash val="solid"/>
+                      <a:round/>
+                      <a:headEnd type="none" w="med" len="med"/>
+                      <a:tailEnd type="none" w="med" len="med"/>
+                    </a:lnT>
+                    <a:lnB w="12700" cap="flat" cmpd="sng" algn="ctr">
+                      <a:solidFill>
+                        <a:prstClr val="white"/>
+                      </a:solidFill>
+                      <a:prstDash val="solid"/>
+                      <a:round/>
+                      <a:headEnd type="none" w="med" len="med"/>
+                      <a:tailEnd type="none" w="med" len="med"/>
+                    </a:lnB>
+                    <a:solidFill>
+                      <a:srgbClr val="CACE74"/>
+                    </a:solidFill>
+                  </a:tcPr>
+                </a:tc>
+                <a:tc>
+                  <a:txBody>
+                    <a:bodyPr/>
+                    <a:lstStyle/>
+                    <a:p>
+                      <a:r>
+                        <a:rPr lang="es-ES" dirty="0" smtClean="0">
+                          <a:solidFill>
+                            <a:srgbClr val="FFFFFF"/>
+                          </a:solidFill>
+                        </a:rPr>
+                        <a:t>25</a:t>
+                      </a:r>
+                      <a:endParaRPr lang="es-ES" dirty="0">
+                        <a:solidFill>
+                          <a:srgbClr val="FFFFFF"/>
+                        </a:solidFill>
+                      </a:endParaRPr>
+                    </a:p>
+                  </a:txBody>
+                  <a:tcPr>
+                    <a:lnL w="12700" cap="flat" cmpd="sng" algn="ctr">
+                      <a:solidFill>
+                        <a:prstClr val="white"/>
+                      </a:solidFill>
+                      <a:prstDash val="solid"/>
+                      <a:round/>
+                      <a:headEnd type="none" w="med" len="med"/>
+                      <a:tailEnd type="none" w="med" len="med"/>
+                    </a:lnL>
+                    <a:lnR w="12700" cap="flat" cmpd="sng" algn="ctr">
+                      <a:solidFill>
+                        <a:prstClr val="white"/>
+                      </a:solidFill>
+                      <a:prstDash val="solid"/>
+                      <a:round/>
+                      <a:headEnd type="none" w="med" len="med"/>
+                      <a:tailEnd type="none" w="med" len="med"/>
+                    </a:lnR>
+                    <a:lnT w="12700" cap="flat" cmpd="sng" algn="ctr">
+                      <a:solidFill>
+                        <a:prstClr val="white"/>
+                      </a:solidFill>
+                      <a:prstDash val="solid"/>
+                      <a:round/>
+                      <a:headEnd type="none" w="med" len="med"/>
+                      <a:tailEnd type="none" w="med" len="med"/>
+                    </a:lnT>
+                    <a:lnB w="12700" cap="flat" cmpd="sng" algn="ctr">
+                      <a:solidFill>
+                        <a:prstClr val="white"/>
+                      </a:solidFill>
+                      <a:prstDash val="solid"/>
+                      <a:round/>
+                      <a:headEnd type="none" w="med" len="med"/>
+                      <a:tailEnd type="none" w="med" len="med"/>
+                    </a:lnB>
+                    <a:solidFill>
+                      <a:srgbClr val="CACE74"/>
+                    </a:solidFill>
+                  </a:tcPr>
+                </a:tc>
+                <a:tc>
+                  <a:txBody>
+                    <a:bodyPr/>
+                    <a:lstStyle/>
+                    <a:p>
+                      <a:r>
+                        <a:rPr lang="es-ES" dirty="0" smtClean="0">
+                          <a:solidFill>
+                            <a:srgbClr val="FFFFFF"/>
+                          </a:solidFill>
+                        </a:rPr>
+                        <a:t>26</a:t>
+                      </a:r>
+                      <a:endParaRPr lang="es-ES" dirty="0">
+                        <a:solidFill>
+                          <a:srgbClr val="FFFFFF"/>
+                        </a:solidFill>
+                      </a:endParaRPr>
+                    </a:p>
+                  </a:txBody>
+                  <a:tcPr>
+                    <a:lnL w="12700" cap="flat" cmpd="sng" algn="ctr">
+                      <a:solidFill>
+                        <a:prstClr val="white"/>
+                      </a:solidFill>
+                      <a:prstDash val="solid"/>
+                      <a:round/>
+                      <a:headEnd type="none" w="med" len="med"/>
+                      <a:tailEnd type="none" w="med" len="med"/>
+                    </a:lnL>
+                    <a:lnR w="12700" cap="flat" cmpd="sng" algn="ctr">
+                      <a:solidFill>
+                        <a:prstClr val="white"/>
+                      </a:solidFill>
+                      <a:prstDash val="solid"/>
+                      <a:round/>
+                      <a:headEnd type="none" w="med" len="med"/>
+                      <a:tailEnd type="none" w="med" len="med"/>
+                    </a:lnR>
+                    <a:lnT w="12700" cap="flat" cmpd="sng" algn="ctr">
+                      <a:solidFill>
+                        <a:prstClr val="white"/>
+                      </a:solidFill>
+                      <a:prstDash val="solid"/>
+                      <a:round/>
+                      <a:headEnd type="none" w="med" len="med"/>
+                      <a:tailEnd type="none" w="med" len="med"/>
+                    </a:lnT>
+                    <a:lnB w="12700" cap="flat" cmpd="sng" algn="ctr">
+                      <a:solidFill>
+                        <a:prstClr val="white"/>
+                      </a:solidFill>
+                      <a:prstDash val="solid"/>
+                      <a:round/>
+                      <a:headEnd type="none" w="med" len="med"/>
+                      <a:tailEnd type="none" w="med" len="med"/>
+                    </a:lnB>
+                    <a:solidFill>
+                      <a:srgbClr val="CACE74"/>
+                    </a:solidFill>
+                  </a:tcPr>
+                </a:tc>
+                <a:tc>
+                  <a:txBody>
+                    <a:bodyPr/>
+                    <a:lstStyle/>
+                    <a:p>
+                      <a:r>
+                        <a:rPr lang="es-ES" dirty="0" smtClean="0">
+                          <a:solidFill>
+                            <a:srgbClr val="FFFFFF"/>
+                          </a:solidFill>
+                        </a:rPr>
+                        <a:t>27</a:t>
+                      </a:r>
+                      <a:endParaRPr lang="es-ES" dirty="0">
+                        <a:solidFill>
+                          <a:srgbClr val="FFFFFF"/>
+                        </a:solidFill>
+                      </a:endParaRPr>
+                    </a:p>
+                  </a:txBody>
+                  <a:tcPr>
+                    <a:lnL w="12700" cap="flat" cmpd="sng" algn="ctr">
+                      <a:solidFill>
+                        <a:prstClr val="white"/>
+                      </a:solidFill>
+                      <a:prstDash val="solid"/>
+                      <a:round/>
+                      <a:headEnd type="none" w="med" len="med"/>
+                      <a:tailEnd type="none" w="med" len="med"/>
+                    </a:lnL>
+                    <a:lnR w="12700" cap="flat" cmpd="sng" algn="ctr">
+                      <a:solidFill>
+                        <a:prstClr val="white"/>
+                      </a:solidFill>
+                      <a:prstDash val="solid"/>
+                      <a:round/>
+                      <a:headEnd type="none" w="med" len="med"/>
+                      <a:tailEnd type="none" w="med" len="med"/>
+                    </a:lnR>
+                    <a:lnT w="12700" cap="flat" cmpd="sng" algn="ctr">
+                      <a:solidFill>
+                        <a:prstClr val="white"/>
+                      </a:solidFill>
+                      <a:prstDash val="solid"/>
+                      <a:round/>
+                      <a:headEnd type="none" w="med" len="med"/>
+                      <a:tailEnd type="none" w="med" len="med"/>
+                    </a:lnT>
+                    <a:lnB w="12700" cap="flat" cmpd="sng" algn="ctr">
+                      <a:solidFill>
+                        <a:prstClr val="white"/>
+                      </a:solidFill>
+                      <a:prstDash val="solid"/>
+                      <a:round/>
+                      <a:headEnd type="none" w="med" len="med"/>
+                      <a:tailEnd type="none" w="med" len="med"/>
+                    </a:lnB>
+                    <a:solidFill>
+                      <a:srgbClr val="CACE74"/>
+                    </a:solidFill>
+                  </a:tcPr>
+                </a:tc>
+                <a:tc>
+                  <a:txBody>
+                    <a:bodyPr/>
+                    <a:lstStyle/>
+                    <a:p>
+                      <a:r>
+                        <a:rPr lang="es-ES" dirty="0" smtClean="0">
+                          <a:solidFill>
+                            <a:srgbClr val="FFFFFF"/>
+                          </a:solidFill>
+                        </a:rPr>
+                        <a:t>28</a:t>
+                      </a:r>
+                      <a:endParaRPr lang="es-ES" dirty="0">
+                        <a:solidFill>
+                          <a:srgbClr val="FFFFFF"/>
+                        </a:solidFill>
+                      </a:endParaRPr>
+                    </a:p>
+                  </a:txBody>
+                  <a:tcPr>
+                    <a:lnL w="12700" cap="flat" cmpd="sng" algn="ctr">
+                      <a:solidFill>
+                        <a:prstClr val="white"/>
+                      </a:solidFill>
+                      <a:prstDash val="solid"/>
+                      <a:round/>
+                      <a:headEnd type="none" w="med" len="med"/>
+                      <a:tailEnd type="none" w="med" len="med"/>
+                    </a:lnL>
+                    <a:lnR w="12700" cap="flat" cmpd="sng" algn="ctr">
+                      <a:solidFill>
+                        <a:prstClr val="white"/>
+                      </a:solidFill>
+                      <a:prstDash val="solid"/>
+                      <a:round/>
+                      <a:headEnd type="none" w="med" len="med"/>
+                      <a:tailEnd type="none" w="med" len="med"/>
+                    </a:lnR>
+                    <a:lnT w="12700" cap="flat" cmpd="sng" algn="ctr">
+                      <a:solidFill>
+                        <a:prstClr val="white"/>
+                      </a:solidFill>
+                      <a:prstDash val="solid"/>
+                      <a:round/>
+                      <a:headEnd type="none" w="med" len="med"/>
+                      <a:tailEnd type="none" w="med" len="med"/>
+                    </a:lnT>
+                    <a:lnB w="12700" cap="flat" cmpd="sng" algn="ctr">
+                      <a:solidFill>
+                        <a:prstClr val="white"/>
+                      </a:solidFill>
+                      <a:prstDash val="solid"/>
+                      <a:round/>
+                      <a:headEnd type="none" w="med" len="med"/>
+                      <a:tailEnd type="none" w="med" len="med"/>
+                    </a:lnB>
+                    <a:solidFill>
+                      <a:srgbClr val="CACE74"/>
+                    </a:solidFill>
+                  </a:tcPr>
+                </a:tc>
+                <a:tc>
+                  <a:txBody>
+                    <a:bodyPr/>
+                    <a:lstStyle/>
+                    <a:p>
+                      <a:r>
+                        <a:rPr lang="es-ES" dirty="0" smtClean="0">
+                          <a:solidFill>
+                            <a:schemeClr val="bg1"/>
+                          </a:solidFill>
+                        </a:rPr>
+                        <a:t>29 </a:t>
+                      </a:r>
+                    </a:p>
+                    <a:p>
+                      <a:endParaRPr lang="es-ES" dirty="0">
+                        <a:solidFill>
+                          <a:schemeClr val="bg1"/>
+                        </a:solidFill>
+                      </a:endParaRPr>
+                    </a:p>
+                  </a:txBody>
+                  <a:tcPr>
+                    <a:lnL w="12700" cap="flat" cmpd="sng" algn="ctr">
+                      <a:solidFill>
+                        <a:prstClr val="white"/>
+                      </a:solidFill>
+                      <a:prstDash val="solid"/>
+                      <a:round/>
+                      <a:headEnd type="none" w="med" len="med"/>
+                      <a:tailEnd type="none" w="med" len="med"/>
+                    </a:lnL>
+                    <a:lnR w="12700" cap="flat" cmpd="sng" algn="ctr">
+                      <a:solidFill>
+                        <a:prstClr val="white"/>
+                      </a:solidFill>
+                      <a:prstDash val="solid"/>
+                      <a:round/>
+                      <a:headEnd type="none" w="med" len="med"/>
+                      <a:tailEnd type="none" w="med" len="med"/>
+                    </a:lnR>
+                    <a:lnT w="12700" cap="flat" cmpd="sng" algn="ctr">
+                      <a:solidFill>
+                        <a:prstClr val="white"/>
+                      </a:solidFill>
+                      <a:prstDash val="solid"/>
+                      <a:round/>
+                      <a:headEnd type="none" w="med" len="med"/>
+                      <a:tailEnd type="none" w="med" len="med"/>
+                    </a:lnT>
+                    <a:lnB w="12700" cap="flat" cmpd="sng" algn="ctr">
+                      <a:solidFill>
+                        <a:prstClr val="white"/>
+                      </a:solidFill>
+                      <a:prstDash val="solid"/>
+                      <a:round/>
+                      <a:headEnd type="none" w="med" len="med"/>
+                      <a:tailEnd type="none" w="med" len="med"/>
+                    </a:lnB>
+                    <a:solidFill>
+                      <a:srgbClr val="CACE74"/>
+                    </a:solidFill>
+                  </a:tcPr>
+                </a:tc>
+                <a:tc>
+                  <a:txBody>
+                    <a:bodyPr/>
+                    <a:lstStyle/>
+                    <a:p>
+                      <a:r>
+                        <a:rPr lang="es-ES" dirty="0" smtClean="0">
+                          <a:solidFill>
+                            <a:srgbClr val="FFFFFF"/>
+                          </a:solidFill>
+                        </a:rPr>
+                        <a:t>30</a:t>
+                      </a:r>
+                      <a:endParaRPr lang="es-ES" dirty="0">
+                        <a:solidFill>
+                          <a:srgbClr val="FFFFFF"/>
+                        </a:solidFill>
+                      </a:endParaRPr>
+                    </a:p>
+                  </a:txBody>
+                  <a:tcPr>
+                    <a:lnL w="12700" cap="flat" cmpd="sng" algn="ctr">
+                      <a:solidFill>
+                        <a:prstClr val="white"/>
+                      </a:solidFill>
+                      <a:prstDash val="solid"/>
+                      <a:round/>
+                      <a:headEnd type="none" w="med" len="med"/>
+                      <a:tailEnd type="none" w="med" len="med"/>
+                    </a:lnL>
+                    <a:lnR w="12700" cap="flat" cmpd="sng" algn="ctr">
+                      <a:solidFill>
+                        <a:prstClr val="white"/>
+                      </a:solidFill>
+                      <a:prstDash val="solid"/>
+                      <a:round/>
+                      <a:headEnd type="none" w="med" len="med"/>
+                      <a:tailEnd type="none" w="med" len="med"/>
+                    </a:lnR>
+                    <a:lnT w="12700" cap="flat" cmpd="sng" algn="ctr">
+                      <a:solidFill>
+                        <a:prstClr val="white"/>
+                      </a:solidFill>
+                      <a:prstDash val="solid"/>
+                      <a:round/>
+                      <a:headEnd type="none" w="med" len="med"/>
+                      <a:tailEnd type="none" w="med" len="med"/>
+                    </a:lnT>
+                    <a:lnB w="12700" cap="flat" cmpd="sng" algn="ctr">
+                      <a:solidFill>
+                        <a:prstClr val="white"/>
+                      </a:solidFill>
+                      <a:prstDash val="solid"/>
+                      <a:round/>
+                      <a:headEnd type="none" w="med" len="med"/>
+                      <a:tailEnd type="none" w="med" len="med"/>
+                    </a:lnB>
+                    <a:solidFill>
+                      <a:srgbClr val="CACE74"/>
+                    </a:solidFill>
+                  </a:tcPr>
+                </a:tc>
+              </a:tr>
+            </a:tbl>
+          </a:graphicData>
+        </a:graphic>
+      </p:graphicFrame>
+      <p:sp>
+        <p:nvSpPr>
+          <p:cNvPr id="9" name="CuadroTexto 8"/>
+          <p:cNvSpPr txBox="1"/>
+          <p:nvPr/>
+        </p:nvSpPr>
+        <p:spPr>
+          <a:xfrm>
+            <a:off x="3745533" y="242570"/>
+            <a:ext cx="1399241" cy="646331"/>
+          </a:xfrm>
+          <a:prstGeom prst="rect">
+            <a:avLst/>
+          </a:prstGeom>
+          <a:noFill/>
+        </p:spPr>
+        <p:txBody>
+          <a:bodyPr wrap="none" rtlCol="0">
+            <a:spAutoFit/>
+          </a:bodyPr>
+          <a:lstStyle/>
+          <a:p>
+            <a:r>
+              <a:rPr lang="es-ES" sz="3600" dirty="0" smtClean="0">
+                <a:solidFill>
+                  <a:srgbClr val="BCCF00"/>
+                </a:solidFill>
+                <a:latin typeface="Black Metal Sans"/>
+                <a:cs typeface="Black Metal Sans"/>
+              </a:rPr>
+              <a:t>Abril</a:t>
+            </a:r>
+            <a:endParaRPr lang="es-ES" sz="3600" dirty="0">
+              <a:solidFill>
+                <a:srgbClr val="BCCF00"/>
+              </a:solidFill>
+              <a:latin typeface="Black Metal Sans"/>
+              <a:cs typeface="Black Metal Sans"/>
+            </a:endParaRPr>
+          </a:p>
+        </p:txBody>
+      </p:sp>
+    </p:spTree>
+    <p:extLst>
+      <p:ext uri="{BB962C8B-B14F-4D97-AF65-F5344CB8AC3E}">
+        <p14:creationId xmlns:p14="http://schemas.microsoft.com/office/powerpoint/2010/main" val="3022440399"/>
+      </p:ext>
+    </p:extLst>
+  </p:cSld>
+  <p:clrMapOvr>
+    <a:masterClrMapping/>
+  </p:clrMapOvr>
+  <p:timing>
+    <p:tnLst>
+      <p:par>
+        <p:cTn xmlns:p14="http://schemas.microsoft.com/office/powerpoint/2010/main" id="1" dur="indefinite" restart="never" nodeType="tmRoot"/>
+      </p:par>
+    </p:tnLst>
+  </p:timing>
+</p:sld>
+</file>
+
+<file path=ppt/slides/slide3.xml><?xml version="1.0" encoding="utf-8"?>
+<p:sld xmlns:a="http://schemas.openxmlformats.org/drawingml/2006/main" xmlns:r="http://schemas.openxmlformats.org/officeDocument/2006/relationships" xmlns:p="http://schemas.openxmlformats.org/presentationml/2006/main">
+  <p:cSld>
+    <p:spTree>
+      <p:nvGrpSpPr>
+        <p:cNvPr id="1" name=""/>
+        <p:cNvGrpSpPr/>
+        <p:nvPr/>
+      </p:nvGrpSpPr>
+      <p:grpSpPr>
+        <a:xfrm>
+          <a:off x="0" y="0"/>
+          <a:ext cx="0" cy="0"/>
+          <a:chOff x="0" y="0"/>
+          <a:chExt cx="0" cy="0"/>
+        </a:xfrm>
+      </p:grpSpPr>
+      <p:graphicFrame>
+        <p:nvGraphicFramePr>
+          <p:cNvPr id="8" name="Tabla 7"/>
+          <p:cNvGraphicFramePr>
+            <a:graphicFrameLocks noGrp="1"/>
+          </p:cNvGraphicFramePr>
+          <p:nvPr>
+            <p:extLst>
+              <p:ext uri="{D42A27DB-BD31-4B8C-83A1-F6EECF244321}">
+                <p14:modId xmlns:p14="http://schemas.microsoft.com/office/powerpoint/2010/main" val="1574690236"/>
+              </p:ext>
+            </p:extLst>
+          </p:nvPr>
+        </p:nvGraphicFramePr>
+        <p:xfrm>
+          <a:off x="285413" y="1025700"/>
+          <a:ext cx="8576736" cy="5348471"/>
+        </p:xfrm>
+        <a:graphic>
+          <a:graphicData uri="http://schemas.openxmlformats.org/drawingml/2006/table">
+            <a:tbl>
+              <a:tblPr bandRow="1">
+                <a:tableStyleId>{5940675A-B579-460E-94D1-54222C63F5DA}</a:tableStyleId>
+              </a:tblPr>
+              <a:tblGrid>
+                <a:gridCol w="1225248"/>
+                <a:gridCol w="1225248"/>
+                <a:gridCol w="1225248"/>
+                <a:gridCol w="1225248"/>
+                <a:gridCol w="1225248"/>
+                <a:gridCol w="1225248"/>
+                <a:gridCol w="1225248"/>
+              </a:tblGrid>
+              <a:tr h="413801">
+                <a:tc>
+                  <a:txBody>
+                    <a:bodyPr/>
+                    <a:lstStyle/>
+                    <a:p>
+                      <a:r>
+                        <a:rPr lang="es-ES" dirty="0" smtClean="0">
+                          <a:solidFill>
+                            <a:srgbClr val="FFFFFF"/>
+                          </a:solidFill>
+                        </a:rPr>
+                        <a:t>Lunes</a:t>
+                      </a:r>
+                      <a:endParaRPr lang="es-ES" dirty="0">
+                        <a:solidFill>
+                          <a:srgbClr val="FFFFFF"/>
+                        </a:solidFill>
+                      </a:endParaRPr>
+                    </a:p>
+                  </a:txBody>
+                  <a:tcPr>
+                    <a:lnL w="12700" cap="flat" cmpd="sng" algn="ctr">
+                      <a:solidFill>
+                        <a:prstClr val="white"/>
+                      </a:solidFill>
+                      <a:prstDash val="solid"/>
+                      <a:round/>
+                      <a:headEnd type="none" w="med" len="med"/>
+                      <a:tailEnd type="none" w="med" len="med"/>
+                    </a:lnL>
+                    <a:lnR w="12700" cap="flat" cmpd="sng" algn="ctr">
+                      <a:solidFill>
+                        <a:prstClr val="white"/>
+                      </a:solidFill>
+                      <a:prstDash val="solid"/>
+                      <a:round/>
+                      <a:headEnd type="none" w="med" len="med"/>
+                      <a:tailEnd type="none" w="med" len="med"/>
+                    </a:lnR>
+                    <a:lnT w="12700" cap="flat" cmpd="sng" algn="ctr">
+                      <a:solidFill>
+                        <a:prstClr val="white"/>
+                      </a:solidFill>
+                      <a:prstDash val="solid"/>
+                      <a:round/>
+                      <a:headEnd type="none" w="med" len="med"/>
+                      <a:tailEnd type="none" w="med" len="med"/>
+                    </a:lnT>
+                    <a:lnB w="12700" cap="flat" cmpd="sng" algn="ctr">
+                      <a:solidFill>
+                        <a:prstClr val="white"/>
+                      </a:solidFill>
+                      <a:prstDash val="solid"/>
+                      <a:round/>
+                      <a:headEnd type="none" w="med" len="med"/>
+                      <a:tailEnd type="none" w="med" len="med"/>
+                    </a:lnB>
+                    <a:solidFill>
+                      <a:srgbClr val="007AAF"/>
+                    </a:solidFill>
+                  </a:tcPr>
+                </a:tc>
+                <a:tc>
+                  <a:txBody>
+                    <a:bodyPr/>
+                    <a:lstStyle/>
+                    <a:p>
+                      <a:r>
+                        <a:rPr lang="es-ES" dirty="0" smtClean="0">
+                          <a:solidFill>
+                            <a:srgbClr val="FFFFFF"/>
+                          </a:solidFill>
+                        </a:rPr>
+                        <a:t>Martes</a:t>
+                      </a:r>
+                      <a:endParaRPr lang="es-ES" dirty="0">
+                        <a:solidFill>
+                          <a:srgbClr val="FFFFFF"/>
+                        </a:solidFill>
+                      </a:endParaRPr>
+                    </a:p>
+                  </a:txBody>
+                  <a:tcPr>
+                    <a:lnL w="12700" cap="flat" cmpd="sng" algn="ctr">
+                      <a:solidFill>
+                        <a:prstClr val="white"/>
+                      </a:solidFill>
+                      <a:prstDash val="solid"/>
+                      <a:round/>
+                      <a:headEnd type="none" w="med" len="med"/>
+                      <a:tailEnd type="none" w="med" len="med"/>
+                    </a:lnL>
+                    <a:lnR w="12700" cap="flat" cmpd="sng" algn="ctr">
+                      <a:solidFill>
+                        <a:prstClr val="white"/>
+                      </a:solidFill>
+                      <a:prstDash val="solid"/>
+                      <a:round/>
+                      <a:headEnd type="none" w="med" len="med"/>
+                      <a:tailEnd type="none" w="med" len="med"/>
+                    </a:lnR>
+                    <a:lnT w="12700" cap="flat" cmpd="sng" algn="ctr">
+                      <a:solidFill>
+                        <a:prstClr val="white"/>
+                      </a:solidFill>
+                      <a:prstDash val="solid"/>
+                      <a:round/>
+                      <a:headEnd type="none" w="med" len="med"/>
+                      <a:tailEnd type="none" w="med" len="med"/>
+                    </a:lnT>
+                    <a:lnB w="12700" cap="flat" cmpd="sng" algn="ctr">
+                      <a:solidFill>
+                        <a:prstClr val="white"/>
+                      </a:solidFill>
+                      <a:prstDash val="solid"/>
+                      <a:round/>
+                      <a:headEnd type="none" w="med" len="med"/>
+                      <a:tailEnd type="none" w="med" len="med"/>
+                    </a:lnB>
+                    <a:solidFill>
+                      <a:srgbClr val="007AAF"/>
+                    </a:solidFill>
+                  </a:tcPr>
+                </a:tc>
+                <a:tc>
+                  <a:txBody>
+                    <a:bodyPr/>
+                    <a:lstStyle/>
+                    <a:p>
+                      <a:r>
+                        <a:rPr lang="es-ES" dirty="0" smtClean="0">
+                          <a:solidFill>
+                            <a:srgbClr val="FFFFFF"/>
+                          </a:solidFill>
+                        </a:rPr>
+                        <a:t>Mi</a:t>
+                      </a:r>
+                      <a:r>
+                        <a:rPr lang="es-ES" dirty="0" smtClean="0">
+                          <a:solidFill>
+                            <a:srgbClr val="FFFFFF"/>
+                          </a:solidFill>
+                        </a:rPr>
+                        <a:t>ércoles</a:t>
+                      </a:r>
+                      <a:endParaRPr lang="es-ES" dirty="0">
+                        <a:solidFill>
+                          <a:srgbClr val="FFFFFF"/>
+                        </a:solidFill>
+                      </a:endParaRPr>
+                    </a:p>
+                  </a:txBody>
+                  <a:tcPr>
+                    <a:lnL w="12700" cap="flat" cmpd="sng" algn="ctr">
+                      <a:solidFill>
+                        <a:prstClr val="white"/>
+                      </a:solidFill>
+                      <a:prstDash val="solid"/>
+                      <a:round/>
+                      <a:headEnd type="none" w="med" len="med"/>
+                      <a:tailEnd type="none" w="med" len="med"/>
+                    </a:lnL>
+                    <a:lnR w="12700" cap="flat" cmpd="sng" algn="ctr">
+                      <a:solidFill>
+                        <a:prstClr val="white"/>
+                      </a:solidFill>
+                      <a:prstDash val="solid"/>
+                      <a:round/>
+                      <a:headEnd type="none" w="med" len="med"/>
+                      <a:tailEnd type="none" w="med" len="med"/>
+                    </a:lnR>
+                    <a:lnT w="12700" cap="flat" cmpd="sng" algn="ctr">
+                      <a:solidFill>
+                        <a:prstClr val="white"/>
+                      </a:solidFill>
+                      <a:prstDash val="solid"/>
+                      <a:round/>
+                      <a:headEnd type="none" w="med" len="med"/>
+                      <a:tailEnd type="none" w="med" len="med"/>
+                    </a:lnT>
+                    <a:lnB w="12700" cap="flat" cmpd="sng" algn="ctr">
+                      <a:solidFill>
+                        <a:prstClr val="white"/>
+                      </a:solidFill>
+                      <a:prstDash val="solid"/>
+                      <a:round/>
+                      <a:headEnd type="none" w="med" len="med"/>
+                      <a:tailEnd type="none" w="med" len="med"/>
+                    </a:lnB>
+                    <a:solidFill>
+                      <a:srgbClr val="007AAF"/>
+                    </a:solidFill>
+                  </a:tcPr>
+                </a:tc>
+                <a:tc>
+                  <a:txBody>
+                    <a:bodyPr/>
+                    <a:lstStyle/>
+                    <a:p>
+                      <a:r>
+                        <a:rPr lang="es-ES" dirty="0" smtClean="0">
+                          <a:solidFill>
+                            <a:srgbClr val="FFFFFF"/>
+                          </a:solidFill>
+                        </a:rPr>
+                        <a:t>Jueves</a:t>
+                      </a:r>
+                      <a:endParaRPr lang="es-ES" dirty="0">
+                        <a:solidFill>
+                          <a:srgbClr val="FFFFFF"/>
+                        </a:solidFill>
+                      </a:endParaRPr>
+                    </a:p>
+                  </a:txBody>
+                  <a:tcPr>
+                    <a:lnL w="12700" cap="flat" cmpd="sng" algn="ctr">
+                      <a:solidFill>
+                        <a:prstClr val="white"/>
+                      </a:solidFill>
+                      <a:prstDash val="solid"/>
+                      <a:round/>
+                      <a:headEnd type="none" w="med" len="med"/>
+                      <a:tailEnd type="none" w="med" len="med"/>
+                    </a:lnL>
+                    <a:lnR w="12700" cap="flat" cmpd="sng" algn="ctr">
+                      <a:solidFill>
+                        <a:prstClr val="white"/>
+                      </a:solidFill>
+                      <a:prstDash val="solid"/>
+                      <a:round/>
+                      <a:headEnd type="none" w="med" len="med"/>
+                      <a:tailEnd type="none" w="med" len="med"/>
+                    </a:lnR>
+                    <a:lnT w="12700" cap="flat" cmpd="sng" algn="ctr">
+                      <a:solidFill>
+                        <a:prstClr val="white"/>
+                      </a:solidFill>
+                      <a:prstDash val="solid"/>
+                      <a:round/>
+                      <a:headEnd type="none" w="med" len="med"/>
+                      <a:tailEnd type="none" w="med" len="med"/>
+                    </a:lnT>
+                    <a:lnB w="12700" cap="flat" cmpd="sng" algn="ctr">
+                      <a:solidFill>
+                        <a:prstClr val="white"/>
+                      </a:solidFill>
+                      <a:prstDash val="solid"/>
+                      <a:round/>
+                      <a:headEnd type="none" w="med" len="med"/>
+                      <a:tailEnd type="none" w="med" len="med"/>
+                    </a:lnB>
+                    <a:solidFill>
+                      <a:srgbClr val="007AAF"/>
+                    </a:solidFill>
+                  </a:tcPr>
+                </a:tc>
+                <a:tc>
+                  <a:txBody>
+                    <a:bodyPr/>
+                    <a:lstStyle/>
+                    <a:p>
+                      <a:r>
+                        <a:rPr lang="es-ES" dirty="0" smtClean="0">
+                          <a:solidFill>
+                            <a:srgbClr val="FFFFFF"/>
+                          </a:solidFill>
+                        </a:rPr>
+                        <a:t>Viernes</a:t>
+                      </a:r>
+                      <a:endParaRPr lang="es-ES" dirty="0">
+                        <a:solidFill>
+                          <a:srgbClr val="FFFFFF"/>
+                        </a:solidFill>
+                      </a:endParaRPr>
+                    </a:p>
+                  </a:txBody>
+                  <a:tcPr>
+                    <a:lnL w="12700" cap="flat" cmpd="sng" algn="ctr">
+                      <a:solidFill>
+                        <a:prstClr val="white"/>
+                      </a:solidFill>
+                      <a:prstDash val="solid"/>
+                      <a:round/>
+                      <a:headEnd type="none" w="med" len="med"/>
+                      <a:tailEnd type="none" w="med" len="med"/>
+                    </a:lnL>
+                    <a:lnR w="12700" cap="flat" cmpd="sng" algn="ctr">
+                      <a:solidFill>
+                        <a:prstClr val="white"/>
+                      </a:solidFill>
+                      <a:prstDash val="solid"/>
+                      <a:round/>
+                      <a:headEnd type="none" w="med" len="med"/>
+                      <a:tailEnd type="none" w="med" len="med"/>
+                    </a:lnR>
+                    <a:lnT w="12700" cap="flat" cmpd="sng" algn="ctr">
+                      <a:solidFill>
+                        <a:prstClr val="white"/>
+                      </a:solidFill>
+                      <a:prstDash val="solid"/>
+                      <a:round/>
+                      <a:headEnd type="none" w="med" len="med"/>
+                      <a:tailEnd type="none" w="med" len="med"/>
+                    </a:lnT>
+                    <a:lnB w="12700" cap="flat" cmpd="sng" algn="ctr">
+                      <a:solidFill>
+                        <a:prstClr val="white"/>
+                      </a:solidFill>
+                      <a:prstDash val="solid"/>
+                      <a:round/>
+                      <a:headEnd type="none" w="med" len="med"/>
+                      <a:tailEnd type="none" w="med" len="med"/>
+                    </a:lnB>
+                    <a:solidFill>
+                      <a:srgbClr val="007AAF"/>
+                    </a:solidFill>
+                  </a:tcPr>
+                </a:tc>
+                <a:tc>
+                  <a:txBody>
+                    <a:bodyPr/>
+                    <a:lstStyle/>
+                    <a:p>
+                      <a:r>
+                        <a:rPr lang="es-ES" dirty="0" smtClean="0">
+                          <a:solidFill>
+                            <a:schemeClr val="bg1"/>
+                          </a:solidFill>
+                        </a:rPr>
+                        <a:t>S</a:t>
+                      </a:r>
+                      <a:r>
+                        <a:rPr lang="es-ES" dirty="0" smtClean="0">
+                          <a:solidFill>
+                            <a:schemeClr val="bg1"/>
+                          </a:solidFill>
+                        </a:rPr>
+                        <a:t>ábado</a:t>
+                      </a:r>
+                      <a:endParaRPr lang="es-ES" dirty="0">
+                        <a:solidFill>
+                          <a:schemeClr val="bg1"/>
+                        </a:solidFill>
+                      </a:endParaRPr>
+                    </a:p>
+                  </a:txBody>
+                  <a:tcPr>
+                    <a:lnL w="12700" cap="flat" cmpd="sng" algn="ctr">
+                      <a:solidFill>
+                        <a:prstClr val="white"/>
+                      </a:solidFill>
+                      <a:prstDash val="solid"/>
+                      <a:round/>
+                      <a:headEnd type="none" w="med" len="med"/>
+                      <a:tailEnd type="none" w="med" len="med"/>
+                    </a:lnL>
+                    <a:lnR w="12700" cap="flat" cmpd="sng" algn="ctr">
+                      <a:solidFill>
+                        <a:prstClr val="white"/>
+                      </a:solidFill>
+                      <a:prstDash val="solid"/>
+                      <a:round/>
+                      <a:headEnd type="none" w="med" len="med"/>
+                      <a:tailEnd type="none" w="med" len="med"/>
+                    </a:lnR>
+                    <a:lnT w="12700" cap="flat" cmpd="sng" algn="ctr">
+                      <a:solidFill>
+                        <a:prstClr val="white"/>
+                      </a:solidFill>
+                      <a:prstDash val="solid"/>
+                      <a:round/>
+                      <a:headEnd type="none" w="med" len="med"/>
+                      <a:tailEnd type="none" w="med" len="med"/>
+                    </a:lnT>
+                    <a:lnB w="12700" cap="flat" cmpd="sng" algn="ctr">
+                      <a:solidFill>
+                        <a:prstClr val="white"/>
+                      </a:solidFill>
+                      <a:prstDash val="solid"/>
+                      <a:round/>
+                      <a:headEnd type="none" w="med" len="med"/>
+                      <a:tailEnd type="none" w="med" len="med"/>
+                    </a:lnB>
+                    <a:solidFill>
+                      <a:srgbClr val="007AAF"/>
+                    </a:solidFill>
+                  </a:tcPr>
+                </a:tc>
+                <a:tc>
+                  <a:txBody>
+                    <a:bodyPr/>
+                    <a:lstStyle/>
+                    <a:p>
+                      <a:r>
+                        <a:rPr lang="es-ES" dirty="0" smtClean="0">
+                          <a:solidFill>
+                            <a:srgbClr val="FFFFFF"/>
+                          </a:solidFill>
+                        </a:rPr>
+                        <a:t>Domingo</a:t>
+                      </a:r>
+                      <a:endParaRPr lang="es-ES" dirty="0">
+                        <a:solidFill>
+                          <a:srgbClr val="FFFFFF"/>
+                        </a:solidFill>
+                      </a:endParaRPr>
+                    </a:p>
+                  </a:txBody>
+                  <a:tcPr>
+                    <a:lnL w="12700" cap="flat" cmpd="sng" algn="ctr">
+                      <a:solidFill>
+                        <a:prstClr val="white"/>
+                      </a:solidFill>
+                      <a:prstDash val="solid"/>
+                      <a:round/>
+                      <a:headEnd type="none" w="med" len="med"/>
+                      <a:tailEnd type="none" w="med" len="med"/>
+                    </a:lnL>
+                    <a:lnR w="12700" cap="flat" cmpd="sng" algn="ctr">
+                      <a:solidFill>
+                        <a:prstClr val="white"/>
+                      </a:solidFill>
+                      <a:prstDash val="solid"/>
+                      <a:round/>
+                      <a:headEnd type="none" w="med" len="med"/>
+                      <a:tailEnd type="none" w="med" len="med"/>
+                    </a:lnR>
+                    <a:lnT w="12700" cap="flat" cmpd="sng" algn="ctr">
+                      <a:solidFill>
+                        <a:prstClr val="white"/>
+                      </a:solidFill>
+                      <a:prstDash val="solid"/>
+                      <a:round/>
+                      <a:headEnd type="none" w="med" len="med"/>
+                      <a:tailEnd type="none" w="med" len="med"/>
+                    </a:lnT>
+                    <a:lnB w="12700" cap="flat" cmpd="sng" algn="ctr">
+                      <a:solidFill>
+                        <a:prstClr val="white"/>
+                      </a:solidFill>
+                      <a:prstDash val="solid"/>
+                      <a:round/>
+                      <a:headEnd type="none" w="med" len="med"/>
+                      <a:tailEnd type="none" w="med" len="med"/>
+                    </a:lnB>
+                    <a:solidFill>
+                      <a:srgbClr val="007AAF"/>
+                    </a:solidFill>
+                  </a:tcPr>
+                </a:tc>
+              </a:tr>
+              <a:tr h="986934">
+                <a:tc>
+                  <a:txBody>
+                    <a:bodyPr/>
+                    <a:lstStyle/>
+                    <a:p>
+                      <a:r>
+                        <a:rPr lang="es-ES" dirty="0" smtClean="0">
+                          <a:solidFill>
+                            <a:srgbClr val="FFFFFF"/>
+                          </a:solidFill>
+                        </a:rPr>
+                        <a:t>1</a:t>
+                      </a:r>
+                    </a:p>
+                    <a:p>
+                      <a:r>
+                        <a:rPr lang="es-ES" dirty="0" smtClean="0">
+                          <a:solidFill>
+                            <a:srgbClr val="FFFFFF"/>
+                          </a:solidFill>
+                        </a:rPr>
+                        <a:t>D</a:t>
+                      </a:r>
+                      <a:r>
+                        <a:rPr lang="es-ES" dirty="0" smtClean="0">
+                          <a:solidFill>
+                            <a:srgbClr val="FFFFFF"/>
+                          </a:solidFill>
+                        </a:rPr>
+                        <a:t>í</a:t>
+                      </a:r>
+                      <a:r>
+                        <a:rPr lang="es-ES" dirty="0" smtClean="0">
+                          <a:solidFill>
+                            <a:srgbClr val="FFFFFF"/>
+                          </a:solidFill>
+                        </a:rPr>
+                        <a:t>a del trabajador</a:t>
+                      </a:r>
+                      <a:endParaRPr lang="es-ES" dirty="0">
+                        <a:solidFill>
+                          <a:srgbClr val="FFFFFF"/>
+                        </a:solidFill>
+                      </a:endParaRPr>
+                    </a:p>
+                  </a:txBody>
+                  <a:tcPr>
+                    <a:lnL w="12700" cap="flat" cmpd="sng" algn="ctr">
+                      <a:solidFill>
+                        <a:prstClr val="white"/>
+                      </a:solidFill>
+                      <a:prstDash val="solid"/>
+                      <a:round/>
+                      <a:headEnd type="none" w="med" len="med"/>
+                      <a:tailEnd type="none" w="med" len="med"/>
+                    </a:lnL>
+                    <a:lnR w="12700" cap="flat" cmpd="sng" algn="ctr">
+                      <a:solidFill>
+                        <a:prstClr val="white"/>
+                      </a:solidFill>
+                      <a:prstDash val="solid"/>
+                      <a:round/>
+                      <a:headEnd type="none" w="med" len="med"/>
+                      <a:tailEnd type="none" w="med" len="med"/>
+                    </a:lnR>
+                    <a:lnT w="12700" cap="flat" cmpd="sng" algn="ctr">
+                      <a:solidFill>
+                        <a:prstClr val="white"/>
+                      </a:solidFill>
+                      <a:prstDash val="solid"/>
+                      <a:round/>
+                      <a:headEnd type="none" w="med" len="med"/>
+                      <a:tailEnd type="none" w="med" len="med"/>
+                    </a:lnT>
+                    <a:lnB w="12700" cap="flat" cmpd="sng" algn="ctr">
+                      <a:solidFill>
+                        <a:prstClr val="white"/>
+                      </a:solidFill>
+                      <a:prstDash val="solid"/>
+                      <a:round/>
+                      <a:headEnd type="none" w="med" len="med"/>
+                      <a:tailEnd type="none" w="med" len="med"/>
+                    </a:lnB>
+                    <a:solidFill>
+                      <a:srgbClr val="264751"/>
+                    </a:solidFill>
+                  </a:tcPr>
+                </a:tc>
+                <a:tc>
+                  <a:txBody>
+                    <a:bodyPr/>
+                    <a:lstStyle/>
+                    <a:p>
+                      <a:r>
+                        <a:rPr lang="es-ES" dirty="0" smtClean="0">
+                          <a:solidFill>
+                            <a:srgbClr val="FFFFFF"/>
+                          </a:solidFill>
+                        </a:rPr>
+                        <a:t>2</a:t>
+                      </a:r>
+                      <a:endParaRPr lang="es-ES" dirty="0">
+                        <a:solidFill>
+                          <a:srgbClr val="FFFFFF"/>
+                        </a:solidFill>
+                      </a:endParaRPr>
+                    </a:p>
+                  </a:txBody>
+                  <a:tcPr>
+                    <a:lnL w="12700" cap="flat" cmpd="sng" algn="ctr">
+                      <a:solidFill>
+                        <a:prstClr val="white"/>
+                      </a:solidFill>
+                      <a:prstDash val="solid"/>
+                      <a:round/>
+                      <a:headEnd type="none" w="med" len="med"/>
+                      <a:tailEnd type="none" w="med" len="med"/>
+                    </a:lnL>
+                    <a:lnR w="12700" cap="flat" cmpd="sng" algn="ctr">
+                      <a:solidFill>
+                        <a:prstClr val="white"/>
+                      </a:solidFill>
+                      <a:prstDash val="solid"/>
+                      <a:round/>
+                      <a:headEnd type="none" w="med" len="med"/>
+                      <a:tailEnd type="none" w="med" len="med"/>
+                    </a:lnR>
+                    <a:lnT w="12700" cap="flat" cmpd="sng" algn="ctr">
+                      <a:solidFill>
+                        <a:prstClr val="white"/>
+                      </a:solidFill>
+                      <a:prstDash val="solid"/>
+                      <a:round/>
+                      <a:headEnd type="none" w="med" len="med"/>
+                      <a:tailEnd type="none" w="med" len="med"/>
+                    </a:lnT>
+                    <a:lnB w="12700" cap="flat" cmpd="sng" algn="ctr">
+                      <a:solidFill>
+                        <a:prstClr val="white"/>
+                      </a:solidFill>
+                      <a:prstDash val="solid"/>
+                      <a:round/>
+                      <a:headEnd type="none" w="med" len="med"/>
+                      <a:tailEnd type="none" w="med" len="med"/>
+                    </a:lnB>
+                    <a:solidFill>
+                      <a:srgbClr val="50CDD9"/>
+                    </a:solidFill>
+                  </a:tcPr>
+                </a:tc>
+                <a:tc>
+                  <a:txBody>
+                    <a:bodyPr/>
+                    <a:lstStyle/>
+                    <a:p>
+                      <a:r>
+                        <a:rPr lang="es-ES" dirty="0" smtClean="0">
+                          <a:solidFill>
+                            <a:srgbClr val="FFFFFF"/>
+                          </a:solidFill>
+                        </a:rPr>
+                        <a:t>3</a:t>
+                      </a:r>
+                      <a:endParaRPr lang="es-ES" dirty="0">
+                        <a:solidFill>
+                          <a:srgbClr val="FFFFFF"/>
+                        </a:solidFill>
+                      </a:endParaRPr>
+                    </a:p>
+                  </a:txBody>
+                  <a:tcPr>
+                    <a:lnL w="12700" cap="flat" cmpd="sng" algn="ctr">
+                      <a:solidFill>
+                        <a:prstClr val="white"/>
+                      </a:solidFill>
+                      <a:prstDash val="solid"/>
+                      <a:round/>
+                      <a:headEnd type="none" w="med" len="med"/>
+                      <a:tailEnd type="none" w="med" len="med"/>
+                    </a:lnL>
+                    <a:lnR w="12700" cap="flat" cmpd="sng" algn="ctr">
+                      <a:solidFill>
+                        <a:prstClr val="white"/>
+                      </a:solidFill>
+                      <a:prstDash val="solid"/>
+                      <a:round/>
+                      <a:headEnd type="none" w="med" len="med"/>
+                      <a:tailEnd type="none" w="med" len="med"/>
+                    </a:lnR>
+                    <a:lnT w="12700" cap="flat" cmpd="sng" algn="ctr">
+                      <a:solidFill>
+                        <a:prstClr val="white"/>
+                      </a:solidFill>
+                      <a:prstDash val="solid"/>
+                      <a:round/>
+                      <a:headEnd type="none" w="med" len="med"/>
+                      <a:tailEnd type="none" w="med" len="med"/>
+                    </a:lnT>
+                    <a:lnB w="12700" cap="flat" cmpd="sng" algn="ctr">
+                      <a:solidFill>
+                        <a:prstClr val="white"/>
+                      </a:solidFill>
+                      <a:prstDash val="solid"/>
+                      <a:round/>
+                      <a:headEnd type="none" w="med" len="med"/>
+                      <a:tailEnd type="none" w="med" len="med"/>
+                    </a:lnB>
+                    <a:solidFill>
+                      <a:srgbClr val="50CDD9"/>
+                    </a:solidFill>
+                  </a:tcPr>
+                </a:tc>
+                <a:tc>
+                  <a:txBody>
+                    <a:bodyPr/>
+                    <a:lstStyle/>
+                    <a:p>
+                      <a:r>
+                        <a:rPr lang="es-ES" dirty="0" smtClean="0">
+                          <a:solidFill>
+                            <a:srgbClr val="FFFFFF"/>
+                          </a:solidFill>
+                        </a:rPr>
+                        <a:t>4</a:t>
+                      </a:r>
+                      <a:endParaRPr lang="es-ES" dirty="0">
+                        <a:solidFill>
+                          <a:srgbClr val="FFFFFF"/>
+                        </a:solidFill>
+                      </a:endParaRPr>
+                    </a:p>
+                  </a:txBody>
+                  <a:tcPr>
+                    <a:lnL w="12700" cap="flat" cmpd="sng" algn="ctr">
+                      <a:solidFill>
+                        <a:prstClr val="white"/>
+                      </a:solidFill>
+                      <a:prstDash val="solid"/>
+                      <a:round/>
+                      <a:headEnd type="none" w="med" len="med"/>
+                      <a:tailEnd type="none" w="med" len="med"/>
+                    </a:lnL>
+                    <a:lnR w="12700" cap="flat" cmpd="sng" algn="ctr">
+                      <a:solidFill>
+                        <a:prstClr val="white"/>
+                      </a:solidFill>
+                      <a:prstDash val="solid"/>
+                      <a:round/>
+                      <a:headEnd type="none" w="med" len="med"/>
+                      <a:tailEnd type="none" w="med" len="med"/>
+                    </a:lnR>
+                    <a:lnT w="12700" cap="flat" cmpd="sng" algn="ctr">
+                      <a:solidFill>
+                        <a:prstClr val="white"/>
+                      </a:solidFill>
+                      <a:prstDash val="solid"/>
+                      <a:round/>
+                      <a:headEnd type="none" w="med" len="med"/>
+                      <a:tailEnd type="none" w="med" len="med"/>
+                    </a:lnT>
+                    <a:lnB w="12700" cap="flat" cmpd="sng" algn="ctr">
+                      <a:solidFill>
+                        <a:prstClr val="white"/>
+                      </a:solidFill>
+                      <a:prstDash val="solid"/>
+                      <a:round/>
+                      <a:headEnd type="none" w="med" len="med"/>
+                      <a:tailEnd type="none" w="med" len="med"/>
+                    </a:lnB>
+                    <a:solidFill>
+                      <a:srgbClr val="50CDD9"/>
+                    </a:solidFill>
+                  </a:tcPr>
+                </a:tc>
+                <a:tc>
+                  <a:txBody>
+                    <a:bodyPr/>
+                    <a:lstStyle/>
+                    <a:p>
+                      <a:r>
+                        <a:rPr lang="es-ES" dirty="0" smtClean="0">
+                          <a:solidFill>
+                            <a:srgbClr val="FFFFFF"/>
+                          </a:solidFill>
+                        </a:rPr>
+                        <a:t>5</a:t>
+                      </a:r>
+                      <a:endParaRPr lang="es-ES" dirty="0">
+                        <a:solidFill>
+                          <a:srgbClr val="FFFFFF"/>
+                        </a:solidFill>
+                      </a:endParaRPr>
+                    </a:p>
+                  </a:txBody>
+                  <a:tcPr>
+                    <a:lnL w="12700" cap="flat" cmpd="sng" algn="ctr">
+                      <a:solidFill>
+                        <a:prstClr val="white"/>
+                      </a:solidFill>
+                      <a:prstDash val="solid"/>
+                      <a:round/>
+                      <a:headEnd type="none" w="med" len="med"/>
+                      <a:tailEnd type="none" w="med" len="med"/>
+                    </a:lnL>
+                    <a:lnR w="12700" cap="flat" cmpd="sng" algn="ctr">
+                      <a:solidFill>
+                        <a:prstClr val="white"/>
+                      </a:solidFill>
+                      <a:prstDash val="solid"/>
+                      <a:round/>
+                      <a:headEnd type="none" w="med" len="med"/>
+                      <a:tailEnd type="none" w="med" len="med"/>
+                    </a:lnR>
+                    <a:lnT w="12700" cap="flat" cmpd="sng" algn="ctr">
+                      <a:solidFill>
+                        <a:prstClr val="white"/>
+                      </a:solidFill>
+                      <a:prstDash val="solid"/>
+                      <a:round/>
+                      <a:headEnd type="none" w="med" len="med"/>
+                      <a:tailEnd type="none" w="med" len="med"/>
+                    </a:lnT>
+                    <a:lnB w="12700" cap="flat" cmpd="sng" algn="ctr">
+                      <a:solidFill>
+                        <a:prstClr val="white"/>
+                      </a:solidFill>
+                      <a:prstDash val="solid"/>
+                      <a:round/>
+                      <a:headEnd type="none" w="med" len="med"/>
+                      <a:tailEnd type="none" w="med" len="med"/>
+                    </a:lnB>
+                    <a:solidFill>
+                      <a:srgbClr val="50CDD9"/>
+                    </a:solidFill>
+                  </a:tcPr>
+                </a:tc>
+                <a:tc>
+                  <a:txBody>
+                    <a:bodyPr/>
+                    <a:lstStyle/>
+                    <a:p>
+                      <a:r>
+                        <a:rPr lang="es-ES" dirty="0" smtClean="0">
+                          <a:solidFill>
+                            <a:schemeClr val="bg1"/>
+                          </a:solidFill>
+                        </a:rPr>
+                        <a:t>6</a:t>
+                      </a:r>
+                    </a:p>
+                    <a:p>
+                      <a:r>
+                        <a:rPr lang="es-ES" dirty="0" smtClean="0">
+                          <a:solidFill>
+                            <a:schemeClr val="bg1"/>
+                          </a:solidFill>
+                        </a:rPr>
+                        <a:t>Clase 5</a:t>
+                      </a:r>
+                      <a:endParaRPr lang="es-ES" dirty="0">
+                        <a:solidFill>
+                          <a:schemeClr val="bg1"/>
+                        </a:solidFill>
+                      </a:endParaRPr>
+                    </a:p>
+                  </a:txBody>
+                  <a:tcPr>
+                    <a:lnL w="12700" cap="flat" cmpd="sng" algn="ctr">
+                      <a:solidFill>
+                        <a:prstClr val="white"/>
+                      </a:solidFill>
+                      <a:prstDash val="solid"/>
+                      <a:round/>
+                      <a:headEnd type="none" w="med" len="med"/>
+                      <a:tailEnd type="none" w="med" len="med"/>
+                    </a:lnL>
+                    <a:lnR w="12700" cap="flat" cmpd="sng" algn="ctr">
+                      <a:solidFill>
+                        <a:prstClr val="white"/>
+                      </a:solidFill>
+                      <a:prstDash val="solid"/>
+                      <a:round/>
+                      <a:headEnd type="none" w="med" len="med"/>
+                      <a:tailEnd type="none" w="med" len="med"/>
+                    </a:lnR>
+                    <a:lnT w="12700" cap="flat" cmpd="sng" algn="ctr">
+                      <a:solidFill>
+                        <a:prstClr val="white"/>
+                      </a:solidFill>
+                      <a:prstDash val="solid"/>
+                      <a:round/>
+                      <a:headEnd type="none" w="med" len="med"/>
+                      <a:tailEnd type="none" w="med" len="med"/>
+                    </a:lnT>
+                    <a:lnB w="12700" cap="flat" cmpd="sng" algn="ctr">
+                      <a:solidFill>
+                        <a:prstClr val="white"/>
+                      </a:solidFill>
+                      <a:prstDash val="solid"/>
+                      <a:round/>
+                      <a:headEnd type="none" w="med" len="med"/>
+                      <a:tailEnd type="none" w="med" len="med"/>
+                    </a:lnB>
+                    <a:solidFill>
+                      <a:srgbClr val="009FE3"/>
+                    </a:solidFill>
+                  </a:tcPr>
+                </a:tc>
+                <a:tc>
+                  <a:txBody>
+                    <a:bodyPr/>
+                    <a:lstStyle/>
+                    <a:p>
+                      <a:r>
+                        <a:rPr lang="es-ES" dirty="0" smtClean="0">
+                          <a:solidFill>
+                            <a:srgbClr val="FFFFFF"/>
+                          </a:solidFill>
+                        </a:rPr>
+                        <a:t>7</a:t>
+                      </a:r>
+                      <a:endParaRPr lang="es-ES" dirty="0">
+                        <a:solidFill>
+                          <a:srgbClr val="FFFFFF"/>
+                        </a:solidFill>
+                      </a:endParaRPr>
+                    </a:p>
+                  </a:txBody>
+                  <a:tcPr>
+                    <a:lnL w="12700" cap="flat" cmpd="sng" algn="ctr">
+                      <a:solidFill>
+                        <a:prstClr val="white"/>
+                      </a:solidFill>
+                      <a:prstDash val="solid"/>
+                      <a:round/>
+                      <a:headEnd type="none" w="med" len="med"/>
+                      <a:tailEnd type="none" w="med" len="med"/>
+                    </a:lnL>
+                    <a:lnR w="12700" cap="flat" cmpd="sng" algn="ctr">
+                      <a:solidFill>
+                        <a:prstClr val="white"/>
+                      </a:solidFill>
+                      <a:prstDash val="solid"/>
+                      <a:round/>
+                      <a:headEnd type="none" w="med" len="med"/>
+                      <a:tailEnd type="none" w="med" len="med"/>
+                    </a:lnR>
+                    <a:lnT w="12700" cap="flat" cmpd="sng" algn="ctr">
+                      <a:solidFill>
+                        <a:prstClr val="white"/>
+                      </a:solidFill>
+                      <a:prstDash val="solid"/>
+                      <a:round/>
+                      <a:headEnd type="none" w="med" len="med"/>
+                      <a:tailEnd type="none" w="med" len="med"/>
+                    </a:lnT>
+                    <a:lnB w="12700" cap="flat" cmpd="sng" algn="ctr">
+                      <a:solidFill>
+                        <a:prstClr val="white"/>
+                      </a:solidFill>
+                      <a:prstDash val="solid"/>
+                      <a:round/>
+                      <a:headEnd type="none" w="med" len="med"/>
+                      <a:tailEnd type="none" w="med" len="med"/>
+                    </a:lnB>
+                    <a:solidFill>
+                      <a:srgbClr val="50CDD9"/>
+                    </a:solidFill>
+                  </a:tcPr>
+                </a:tc>
+              </a:tr>
+              <a:tr h="986934">
+                <a:tc>
+                  <a:txBody>
+                    <a:bodyPr/>
+                    <a:lstStyle/>
+                    <a:p>
+                      <a:r>
+                        <a:rPr lang="es-ES" dirty="0" smtClean="0">
+                          <a:solidFill>
+                            <a:srgbClr val="FFFFFF"/>
+                          </a:solidFill>
+                        </a:rPr>
+                        <a:t>8</a:t>
+                      </a:r>
+                      <a:endParaRPr lang="es-ES" dirty="0">
+                        <a:solidFill>
+                          <a:srgbClr val="FFFFFF"/>
+                        </a:solidFill>
+                      </a:endParaRPr>
+                    </a:p>
+                  </a:txBody>
+                  <a:tcPr>
+                    <a:lnL w="12700" cap="flat" cmpd="sng" algn="ctr">
+                      <a:solidFill>
+                        <a:prstClr val="white"/>
+                      </a:solidFill>
+                      <a:prstDash val="solid"/>
+                      <a:round/>
+                      <a:headEnd type="none" w="med" len="med"/>
+                      <a:tailEnd type="none" w="med" len="med"/>
+                    </a:lnL>
+                    <a:lnR w="12700" cap="flat" cmpd="sng" algn="ctr">
+                      <a:solidFill>
+                        <a:prstClr val="white"/>
+                      </a:solidFill>
+                      <a:prstDash val="solid"/>
+                      <a:round/>
+                      <a:headEnd type="none" w="med" len="med"/>
+                      <a:tailEnd type="none" w="med" len="med"/>
+                    </a:lnR>
+                    <a:lnT w="12700" cap="flat" cmpd="sng" algn="ctr">
+                      <a:solidFill>
+                        <a:prstClr val="white"/>
+                      </a:solidFill>
+                      <a:prstDash val="solid"/>
+                      <a:round/>
+                      <a:headEnd type="none" w="med" len="med"/>
+                      <a:tailEnd type="none" w="med" len="med"/>
+                    </a:lnT>
+                    <a:lnB w="12700" cap="flat" cmpd="sng" algn="ctr">
+                      <a:solidFill>
+                        <a:prstClr val="white"/>
+                      </a:solidFill>
+                      <a:prstDash val="solid"/>
+                      <a:round/>
+                      <a:headEnd type="none" w="med" len="med"/>
+                      <a:tailEnd type="none" w="med" len="med"/>
+                    </a:lnB>
+                    <a:solidFill>
+                      <a:srgbClr val="50CDD9"/>
+                    </a:solidFill>
+                  </a:tcPr>
+                </a:tc>
+                <a:tc>
+                  <a:txBody>
+                    <a:bodyPr/>
+                    <a:lstStyle/>
+                    <a:p>
+                      <a:r>
+                        <a:rPr lang="es-ES" dirty="0" smtClean="0">
+                          <a:solidFill>
+                            <a:srgbClr val="FFFFFF"/>
+                          </a:solidFill>
+                        </a:rPr>
+                        <a:t>9</a:t>
+                      </a:r>
+                      <a:endParaRPr lang="es-ES" dirty="0">
+                        <a:solidFill>
+                          <a:srgbClr val="FFFFFF"/>
+                        </a:solidFill>
+                      </a:endParaRPr>
+                    </a:p>
+                  </a:txBody>
+                  <a:tcPr>
+                    <a:lnL w="12700" cap="flat" cmpd="sng" algn="ctr">
+                      <a:solidFill>
+                        <a:prstClr val="white"/>
+                      </a:solidFill>
+                      <a:prstDash val="solid"/>
+                      <a:round/>
+                      <a:headEnd type="none" w="med" len="med"/>
+                      <a:tailEnd type="none" w="med" len="med"/>
+                    </a:lnL>
+                    <a:lnR w="12700" cap="flat" cmpd="sng" algn="ctr">
+                      <a:solidFill>
+                        <a:prstClr val="white"/>
+                      </a:solidFill>
+                      <a:prstDash val="solid"/>
+                      <a:round/>
+                      <a:headEnd type="none" w="med" len="med"/>
+                      <a:tailEnd type="none" w="med" len="med"/>
+                    </a:lnR>
+                    <a:lnT w="12700" cap="flat" cmpd="sng" algn="ctr">
+                      <a:solidFill>
+                        <a:prstClr val="white"/>
+                      </a:solidFill>
+                      <a:prstDash val="solid"/>
+                      <a:round/>
+                      <a:headEnd type="none" w="med" len="med"/>
+                      <a:tailEnd type="none" w="med" len="med"/>
+                    </a:lnT>
+                    <a:lnB w="12700" cap="flat" cmpd="sng" algn="ctr">
+                      <a:solidFill>
+                        <a:prstClr val="white"/>
+                      </a:solidFill>
+                      <a:prstDash val="solid"/>
+                      <a:round/>
+                      <a:headEnd type="none" w="med" len="med"/>
+                      <a:tailEnd type="none" w="med" len="med"/>
+                    </a:lnB>
+                    <a:solidFill>
+                      <a:srgbClr val="50CDD9"/>
+                    </a:solidFill>
+                  </a:tcPr>
+                </a:tc>
+                <a:tc>
+                  <a:txBody>
+                    <a:bodyPr/>
+                    <a:lstStyle/>
+                    <a:p>
+                      <a:r>
+                        <a:rPr lang="es-ES" dirty="0" smtClean="0">
+                          <a:solidFill>
+                            <a:srgbClr val="FFFFFF"/>
+                          </a:solidFill>
+                        </a:rPr>
+                        <a:t>10</a:t>
+                      </a:r>
+                      <a:endParaRPr lang="es-ES" dirty="0">
+                        <a:solidFill>
+                          <a:srgbClr val="FFFFFF"/>
+                        </a:solidFill>
+                      </a:endParaRPr>
+                    </a:p>
+                  </a:txBody>
+                  <a:tcPr>
+                    <a:lnL w="12700" cap="flat" cmpd="sng" algn="ctr">
+                      <a:solidFill>
+                        <a:prstClr val="white"/>
+                      </a:solidFill>
+                      <a:prstDash val="solid"/>
+                      <a:round/>
+                      <a:headEnd type="none" w="med" len="med"/>
+                      <a:tailEnd type="none" w="med" len="med"/>
+                    </a:lnL>
+                    <a:lnR w="12700" cap="flat" cmpd="sng" algn="ctr">
+                      <a:solidFill>
+                        <a:prstClr val="white"/>
+                      </a:solidFill>
+                      <a:prstDash val="solid"/>
+                      <a:round/>
+                      <a:headEnd type="none" w="med" len="med"/>
+                      <a:tailEnd type="none" w="med" len="med"/>
+                    </a:lnR>
+                    <a:lnT w="12700" cap="flat" cmpd="sng" algn="ctr">
+                      <a:solidFill>
+                        <a:prstClr val="white"/>
+                      </a:solidFill>
+                      <a:prstDash val="solid"/>
+                      <a:round/>
+                      <a:headEnd type="none" w="med" len="med"/>
+                      <a:tailEnd type="none" w="med" len="med"/>
+                    </a:lnT>
+                    <a:lnB w="12700" cap="flat" cmpd="sng" algn="ctr">
+                      <a:solidFill>
+                        <a:prstClr val="white"/>
+                      </a:solidFill>
+                      <a:prstDash val="solid"/>
+                      <a:round/>
+                      <a:headEnd type="none" w="med" len="med"/>
+                      <a:tailEnd type="none" w="med" len="med"/>
+                    </a:lnB>
+                    <a:solidFill>
+                      <a:srgbClr val="50CDD9"/>
+                    </a:solidFill>
+                  </a:tcPr>
+                </a:tc>
+                <a:tc>
+                  <a:txBody>
+                    <a:bodyPr/>
+                    <a:lstStyle/>
+                    <a:p>
+                      <a:r>
+                        <a:rPr lang="es-ES" dirty="0" smtClean="0">
+                          <a:solidFill>
+                            <a:srgbClr val="FFFFFF"/>
+                          </a:solidFill>
+                        </a:rPr>
+                        <a:t>11</a:t>
+                      </a:r>
+                      <a:endParaRPr lang="es-ES" dirty="0">
+                        <a:solidFill>
+                          <a:srgbClr val="FFFFFF"/>
+                        </a:solidFill>
+                      </a:endParaRPr>
+                    </a:p>
+                  </a:txBody>
+                  <a:tcPr>
+                    <a:lnL w="12700" cap="flat" cmpd="sng" algn="ctr">
+                      <a:solidFill>
+                        <a:prstClr val="white"/>
+                      </a:solidFill>
+                      <a:prstDash val="solid"/>
+                      <a:round/>
+                      <a:headEnd type="none" w="med" len="med"/>
+                      <a:tailEnd type="none" w="med" len="med"/>
+                    </a:lnL>
+                    <a:lnR w="12700" cap="flat" cmpd="sng" algn="ctr">
+                      <a:solidFill>
+                        <a:prstClr val="white"/>
+                      </a:solidFill>
+                      <a:prstDash val="solid"/>
+                      <a:round/>
+                      <a:headEnd type="none" w="med" len="med"/>
+                      <a:tailEnd type="none" w="med" len="med"/>
+                    </a:lnR>
+                    <a:lnT w="12700" cap="flat" cmpd="sng" algn="ctr">
+                      <a:solidFill>
+                        <a:prstClr val="white"/>
+                      </a:solidFill>
+                      <a:prstDash val="solid"/>
+                      <a:round/>
+                      <a:headEnd type="none" w="med" len="med"/>
+                      <a:tailEnd type="none" w="med" len="med"/>
+                    </a:lnT>
+                    <a:lnB w="12700" cap="flat" cmpd="sng" algn="ctr">
+                      <a:solidFill>
+                        <a:prstClr val="white"/>
+                      </a:solidFill>
+                      <a:prstDash val="solid"/>
+                      <a:round/>
+                      <a:headEnd type="none" w="med" len="med"/>
+                      <a:tailEnd type="none" w="med" len="med"/>
+                    </a:lnB>
+                    <a:solidFill>
+                      <a:srgbClr val="50CDD9"/>
+                    </a:solidFill>
+                  </a:tcPr>
+                </a:tc>
+                <a:tc>
+                  <a:txBody>
+                    <a:bodyPr/>
+                    <a:lstStyle/>
+                    <a:p>
+                      <a:r>
+                        <a:rPr lang="es-ES" dirty="0" smtClean="0">
+                          <a:solidFill>
+                            <a:srgbClr val="FFFFFF"/>
+                          </a:solidFill>
+                        </a:rPr>
+                        <a:t>12</a:t>
+                      </a:r>
+                      <a:endParaRPr lang="es-ES" dirty="0">
+                        <a:solidFill>
+                          <a:srgbClr val="FFFFFF"/>
+                        </a:solidFill>
+                      </a:endParaRPr>
+                    </a:p>
+                  </a:txBody>
+                  <a:tcPr>
+                    <a:lnL w="12700" cap="flat" cmpd="sng" algn="ctr">
+                      <a:solidFill>
+                        <a:prstClr val="white"/>
+                      </a:solidFill>
+                      <a:prstDash val="solid"/>
+                      <a:round/>
+                      <a:headEnd type="none" w="med" len="med"/>
+                      <a:tailEnd type="none" w="med" len="med"/>
+                    </a:lnL>
+                    <a:lnR w="12700" cap="flat" cmpd="sng" algn="ctr">
+                      <a:solidFill>
+                        <a:prstClr val="white"/>
+                      </a:solidFill>
+                      <a:prstDash val="solid"/>
+                      <a:round/>
+                      <a:headEnd type="none" w="med" len="med"/>
+                      <a:tailEnd type="none" w="med" len="med"/>
+                    </a:lnR>
+                    <a:lnT w="12700" cap="flat" cmpd="sng" algn="ctr">
+                      <a:solidFill>
+                        <a:prstClr val="white"/>
+                      </a:solidFill>
+                      <a:prstDash val="solid"/>
+                      <a:round/>
+                      <a:headEnd type="none" w="med" len="med"/>
+                      <a:tailEnd type="none" w="med" len="med"/>
+                    </a:lnT>
+                    <a:lnB w="12700" cap="flat" cmpd="sng" algn="ctr">
+                      <a:solidFill>
+                        <a:prstClr val="white"/>
+                      </a:solidFill>
+                      <a:prstDash val="solid"/>
+                      <a:round/>
+                      <a:headEnd type="none" w="med" len="med"/>
+                      <a:tailEnd type="none" w="med" len="med"/>
+                    </a:lnB>
+                    <a:solidFill>
+                      <a:srgbClr val="50CDD9"/>
+                    </a:solidFill>
+                  </a:tcPr>
+                </a:tc>
+                <a:tc>
+                  <a:txBody>
+                    <a:bodyPr/>
+                    <a:lstStyle/>
+                    <a:p>
+                      <a:r>
+                        <a:rPr lang="es-ES" dirty="0" smtClean="0">
+                          <a:solidFill>
+                            <a:schemeClr val="bg1"/>
+                          </a:solidFill>
+                        </a:rPr>
+                        <a:t>13</a:t>
+                      </a:r>
+                    </a:p>
+                    <a:p>
+                      <a:r>
+                        <a:rPr lang="es-ES" dirty="0" smtClean="0">
+                          <a:solidFill>
+                            <a:schemeClr val="bg1"/>
+                          </a:solidFill>
+                        </a:rPr>
+                        <a:t>Clase</a:t>
+                      </a:r>
+                      <a:r>
+                        <a:rPr lang="es-ES" baseline="0" dirty="0" smtClean="0">
+                          <a:solidFill>
+                            <a:schemeClr val="bg1"/>
+                          </a:solidFill>
+                        </a:rPr>
+                        <a:t> 6</a:t>
+                      </a:r>
+                      <a:endParaRPr lang="es-ES" dirty="0" smtClean="0">
+                        <a:solidFill>
+                          <a:schemeClr val="bg1"/>
+                        </a:solidFill>
+                      </a:endParaRPr>
+                    </a:p>
+                    <a:p>
+                      <a:endParaRPr lang="es-ES" dirty="0">
+                        <a:solidFill>
+                          <a:schemeClr val="bg1"/>
+                        </a:solidFill>
+                      </a:endParaRPr>
+                    </a:p>
+                  </a:txBody>
+                  <a:tcPr>
+                    <a:lnL w="12700" cap="flat" cmpd="sng" algn="ctr">
+                      <a:solidFill>
+                        <a:prstClr val="white"/>
+                      </a:solidFill>
+                      <a:prstDash val="solid"/>
+                      <a:round/>
+                      <a:headEnd type="none" w="med" len="med"/>
+                      <a:tailEnd type="none" w="med" len="med"/>
+                    </a:lnL>
+                    <a:lnR w="12700" cap="flat" cmpd="sng" algn="ctr">
+                      <a:solidFill>
+                        <a:prstClr val="white"/>
+                      </a:solidFill>
+                      <a:prstDash val="solid"/>
+                      <a:round/>
+                      <a:headEnd type="none" w="med" len="med"/>
+                      <a:tailEnd type="none" w="med" len="med"/>
+                    </a:lnR>
+                    <a:lnT w="12700" cap="flat" cmpd="sng" algn="ctr">
+                      <a:solidFill>
+                        <a:prstClr val="white"/>
+                      </a:solidFill>
+                      <a:prstDash val="solid"/>
+                      <a:round/>
+                      <a:headEnd type="none" w="med" len="med"/>
+                      <a:tailEnd type="none" w="med" len="med"/>
+                    </a:lnT>
+                    <a:lnB w="12700" cap="flat" cmpd="sng" algn="ctr">
+                      <a:solidFill>
+                        <a:prstClr val="white"/>
+                      </a:solidFill>
+                      <a:prstDash val="solid"/>
+                      <a:round/>
+                      <a:headEnd type="none" w="med" len="med"/>
+                      <a:tailEnd type="none" w="med" len="med"/>
+                    </a:lnB>
+                    <a:solidFill>
+                      <a:srgbClr val="009FE3"/>
+                    </a:solidFill>
+                  </a:tcPr>
+                </a:tc>
+                <a:tc>
+                  <a:txBody>
+                    <a:bodyPr/>
+                    <a:lstStyle/>
+                    <a:p>
+                      <a:r>
+                        <a:rPr lang="es-ES" dirty="0" smtClean="0">
+                          <a:solidFill>
+                            <a:srgbClr val="FFFFFF"/>
+                          </a:solidFill>
+                        </a:rPr>
+                        <a:t>14</a:t>
+                      </a:r>
+                      <a:endParaRPr lang="es-ES" dirty="0">
+                        <a:solidFill>
+                          <a:srgbClr val="FFFFFF"/>
+                        </a:solidFill>
+                      </a:endParaRPr>
+                    </a:p>
+                  </a:txBody>
+                  <a:tcPr>
+                    <a:lnL w="12700" cap="flat" cmpd="sng" algn="ctr">
+                      <a:solidFill>
+                        <a:prstClr val="white"/>
+                      </a:solidFill>
+                      <a:prstDash val="solid"/>
+                      <a:round/>
+                      <a:headEnd type="none" w="med" len="med"/>
+                      <a:tailEnd type="none" w="med" len="med"/>
+                    </a:lnL>
+                    <a:lnR w="12700" cap="flat" cmpd="sng" algn="ctr">
+                      <a:solidFill>
+                        <a:prstClr val="white"/>
+                      </a:solidFill>
+                      <a:prstDash val="solid"/>
+                      <a:round/>
+                      <a:headEnd type="none" w="med" len="med"/>
+                      <a:tailEnd type="none" w="med" len="med"/>
+                    </a:lnR>
+                    <a:lnT w="12700" cap="flat" cmpd="sng" algn="ctr">
+                      <a:solidFill>
+                        <a:prstClr val="white"/>
+                      </a:solidFill>
+                      <a:prstDash val="solid"/>
+                      <a:round/>
+                      <a:headEnd type="none" w="med" len="med"/>
+                      <a:tailEnd type="none" w="med" len="med"/>
+                    </a:lnT>
+                    <a:lnB w="12700" cap="flat" cmpd="sng" algn="ctr">
+                      <a:solidFill>
+                        <a:prstClr val="white"/>
+                      </a:solidFill>
+                      <a:prstDash val="solid"/>
+                      <a:round/>
+                      <a:headEnd type="none" w="med" len="med"/>
+                      <a:tailEnd type="none" w="med" len="med"/>
+                    </a:lnB>
+                    <a:solidFill>
+                      <a:srgbClr val="50CDD9"/>
+                    </a:solidFill>
+                  </a:tcPr>
+                </a:tc>
+              </a:tr>
+              <a:tr h="986934">
+                <a:tc>
+                  <a:txBody>
+                    <a:bodyPr/>
+                    <a:lstStyle/>
+                    <a:p>
+                      <a:r>
+                        <a:rPr lang="es-ES" dirty="0" smtClean="0">
+                          <a:solidFill>
+                            <a:srgbClr val="FFFFFF"/>
+                          </a:solidFill>
+                        </a:rPr>
+                        <a:t>15</a:t>
+                      </a:r>
+                      <a:endParaRPr lang="es-ES" dirty="0">
+                        <a:solidFill>
+                          <a:srgbClr val="FFFFFF"/>
+                        </a:solidFill>
+                      </a:endParaRPr>
+                    </a:p>
+                  </a:txBody>
+                  <a:tcPr>
+                    <a:lnL w="12700" cap="flat" cmpd="sng" algn="ctr">
+                      <a:solidFill>
+                        <a:prstClr val="white"/>
+                      </a:solidFill>
+                      <a:prstDash val="solid"/>
+                      <a:round/>
+                      <a:headEnd type="none" w="med" len="med"/>
+                      <a:tailEnd type="none" w="med" len="med"/>
+                    </a:lnL>
+                    <a:lnR w="12700" cap="flat" cmpd="sng" algn="ctr">
+                      <a:solidFill>
+                        <a:prstClr val="white"/>
+                      </a:solidFill>
+                      <a:prstDash val="solid"/>
+                      <a:round/>
+                      <a:headEnd type="none" w="med" len="med"/>
+                      <a:tailEnd type="none" w="med" len="med"/>
+                    </a:lnR>
+                    <a:lnT w="12700" cap="flat" cmpd="sng" algn="ctr">
+                      <a:solidFill>
+                        <a:prstClr val="white"/>
+                      </a:solidFill>
+                      <a:prstDash val="solid"/>
+                      <a:round/>
+                      <a:headEnd type="none" w="med" len="med"/>
+                      <a:tailEnd type="none" w="med" len="med"/>
+                    </a:lnT>
+                    <a:lnB w="12700" cap="flat" cmpd="sng" algn="ctr">
+                      <a:solidFill>
+                        <a:prstClr val="white"/>
+                      </a:solidFill>
+                      <a:prstDash val="solid"/>
+                      <a:round/>
+                      <a:headEnd type="none" w="med" len="med"/>
+                      <a:tailEnd type="none" w="med" len="med"/>
+                    </a:lnB>
+                    <a:solidFill>
+                      <a:srgbClr val="50CDD9"/>
+                    </a:solidFill>
+                  </a:tcPr>
+                </a:tc>
+                <a:tc>
+                  <a:txBody>
+                    <a:bodyPr/>
+                    <a:lstStyle/>
+                    <a:p>
+                      <a:r>
+                        <a:rPr lang="es-ES" dirty="0" smtClean="0">
+                          <a:solidFill>
+                            <a:srgbClr val="FFFFFF"/>
+                          </a:solidFill>
+                        </a:rPr>
+                        <a:t>16</a:t>
+                      </a:r>
+                      <a:endParaRPr lang="es-ES" dirty="0">
+                        <a:solidFill>
+                          <a:srgbClr val="FFFFFF"/>
+                        </a:solidFill>
+                      </a:endParaRPr>
+                    </a:p>
+                  </a:txBody>
+                  <a:tcPr>
+                    <a:lnL w="12700" cap="flat" cmpd="sng" algn="ctr">
+                      <a:solidFill>
+                        <a:prstClr val="white"/>
+                      </a:solidFill>
+                      <a:prstDash val="solid"/>
+                      <a:round/>
+                      <a:headEnd type="none" w="med" len="med"/>
+                      <a:tailEnd type="none" w="med" len="med"/>
+                    </a:lnL>
+                    <a:lnR w="12700" cap="flat" cmpd="sng" algn="ctr">
+                      <a:solidFill>
+                        <a:prstClr val="white"/>
+                      </a:solidFill>
+                      <a:prstDash val="solid"/>
+                      <a:round/>
+                      <a:headEnd type="none" w="med" len="med"/>
+                      <a:tailEnd type="none" w="med" len="med"/>
+                    </a:lnR>
+                    <a:lnT w="12700" cap="flat" cmpd="sng" algn="ctr">
+                      <a:solidFill>
+                        <a:prstClr val="white"/>
+                      </a:solidFill>
+                      <a:prstDash val="solid"/>
+                      <a:round/>
+                      <a:headEnd type="none" w="med" len="med"/>
+                      <a:tailEnd type="none" w="med" len="med"/>
+                    </a:lnT>
+                    <a:lnB w="12700" cap="flat" cmpd="sng" algn="ctr">
+                      <a:solidFill>
+                        <a:prstClr val="white"/>
+                      </a:solidFill>
+                      <a:prstDash val="solid"/>
+                      <a:round/>
+                      <a:headEnd type="none" w="med" len="med"/>
+                      <a:tailEnd type="none" w="med" len="med"/>
+                    </a:lnB>
+                    <a:solidFill>
+                      <a:srgbClr val="50CDD9"/>
+                    </a:solidFill>
+                  </a:tcPr>
+                </a:tc>
+                <a:tc>
+                  <a:txBody>
+                    <a:bodyPr/>
+                    <a:lstStyle/>
+                    <a:p>
+                      <a:r>
+                        <a:rPr lang="es-ES" dirty="0" smtClean="0">
+                          <a:solidFill>
+                            <a:srgbClr val="FFFFFF"/>
+                          </a:solidFill>
+                        </a:rPr>
+                        <a:t>17</a:t>
+                      </a:r>
+                      <a:endParaRPr lang="es-ES" dirty="0">
+                        <a:solidFill>
+                          <a:srgbClr val="FFFFFF"/>
+                        </a:solidFill>
+                      </a:endParaRPr>
+                    </a:p>
+                  </a:txBody>
+                  <a:tcPr>
+                    <a:lnL w="12700" cap="flat" cmpd="sng" algn="ctr">
+                      <a:solidFill>
+                        <a:prstClr val="white"/>
+                      </a:solidFill>
+                      <a:prstDash val="solid"/>
+                      <a:round/>
+                      <a:headEnd type="none" w="med" len="med"/>
+                      <a:tailEnd type="none" w="med" len="med"/>
+                    </a:lnL>
+                    <a:lnR w="12700" cap="flat" cmpd="sng" algn="ctr">
+                      <a:solidFill>
+                        <a:prstClr val="white"/>
+                      </a:solidFill>
+                      <a:prstDash val="solid"/>
+                      <a:round/>
+                      <a:headEnd type="none" w="med" len="med"/>
+                      <a:tailEnd type="none" w="med" len="med"/>
+                    </a:lnR>
+                    <a:lnT w="12700" cap="flat" cmpd="sng" algn="ctr">
+                      <a:solidFill>
+                        <a:prstClr val="white"/>
+                      </a:solidFill>
+                      <a:prstDash val="solid"/>
+                      <a:round/>
+                      <a:headEnd type="none" w="med" len="med"/>
+                      <a:tailEnd type="none" w="med" len="med"/>
+                    </a:lnT>
+                    <a:lnB w="12700" cap="flat" cmpd="sng" algn="ctr">
+                      <a:solidFill>
+                        <a:prstClr val="white"/>
+                      </a:solidFill>
+                      <a:prstDash val="solid"/>
+                      <a:round/>
+                      <a:headEnd type="none" w="med" len="med"/>
+                      <a:tailEnd type="none" w="med" len="med"/>
+                    </a:lnB>
+                    <a:solidFill>
+                      <a:srgbClr val="50CDD9"/>
+                    </a:solidFill>
+                  </a:tcPr>
+                </a:tc>
+                <a:tc>
+                  <a:txBody>
+                    <a:bodyPr/>
+                    <a:lstStyle/>
+                    <a:p>
+                      <a:r>
+                        <a:rPr lang="es-ES" dirty="0" smtClean="0">
+                          <a:solidFill>
+                            <a:srgbClr val="FFFFFF"/>
+                          </a:solidFill>
+                        </a:rPr>
+                        <a:t>18</a:t>
+                      </a:r>
+                      <a:endParaRPr lang="es-ES" dirty="0">
+                        <a:solidFill>
+                          <a:srgbClr val="FFFFFF"/>
+                        </a:solidFill>
+                      </a:endParaRPr>
+                    </a:p>
+                  </a:txBody>
+                  <a:tcPr>
+                    <a:lnL w="12700" cap="flat" cmpd="sng" algn="ctr">
+                      <a:solidFill>
+                        <a:prstClr val="white"/>
+                      </a:solidFill>
+                      <a:prstDash val="solid"/>
+                      <a:round/>
+                      <a:headEnd type="none" w="med" len="med"/>
+                      <a:tailEnd type="none" w="med" len="med"/>
+                    </a:lnL>
+                    <a:lnR w="12700" cap="flat" cmpd="sng" algn="ctr">
+                      <a:solidFill>
+                        <a:prstClr val="white"/>
+                      </a:solidFill>
+                      <a:prstDash val="solid"/>
+                      <a:round/>
+                      <a:headEnd type="none" w="med" len="med"/>
+                      <a:tailEnd type="none" w="med" len="med"/>
+                    </a:lnR>
+                    <a:lnT w="12700" cap="flat" cmpd="sng" algn="ctr">
+                      <a:solidFill>
+                        <a:prstClr val="white"/>
+                      </a:solidFill>
+                      <a:prstDash val="solid"/>
+                      <a:round/>
+                      <a:headEnd type="none" w="med" len="med"/>
+                      <a:tailEnd type="none" w="med" len="med"/>
+                    </a:lnT>
+                    <a:lnB w="12700" cap="flat" cmpd="sng" algn="ctr">
+                      <a:solidFill>
+                        <a:prstClr val="white"/>
+                      </a:solidFill>
+                      <a:prstDash val="solid"/>
+                      <a:round/>
+                      <a:headEnd type="none" w="med" len="med"/>
+                      <a:tailEnd type="none" w="med" len="med"/>
+                    </a:lnB>
+                    <a:solidFill>
+                      <a:srgbClr val="50CDD9"/>
+                    </a:solidFill>
+                  </a:tcPr>
+                </a:tc>
+                <a:tc>
+                  <a:txBody>
+                    <a:bodyPr/>
+                    <a:lstStyle/>
+                    <a:p>
+                      <a:r>
+                        <a:rPr lang="es-ES" dirty="0" smtClean="0">
+                          <a:solidFill>
+                            <a:srgbClr val="FFFFFF"/>
+                          </a:solidFill>
+                        </a:rPr>
+                        <a:t>19</a:t>
+                      </a:r>
+                      <a:endParaRPr lang="es-ES" dirty="0">
+                        <a:solidFill>
+                          <a:srgbClr val="FFFFFF"/>
+                        </a:solidFill>
+                      </a:endParaRPr>
+                    </a:p>
+                  </a:txBody>
+                  <a:tcPr>
+                    <a:lnL w="12700" cap="flat" cmpd="sng" algn="ctr">
+                      <a:solidFill>
+                        <a:prstClr val="white"/>
+                      </a:solidFill>
+                      <a:prstDash val="solid"/>
+                      <a:round/>
+                      <a:headEnd type="none" w="med" len="med"/>
+                      <a:tailEnd type="none" w="med" len="med"/>
+                    </a:lnL>
+                    <a:lnR w="12700" cap="flat" cmpd="sng" algn="ctr">
+                      <a:solidFill>
+                        <a:prstClr val="white"/>
+                      </a:solidFill>
+                      <a:prstDash val="solid"/>
+                      <a:round/>
+                      <a:headEnd type="none" w="med" len="med"/>
+                      <a:tailEnd type="none" w="med" len="med"/>
+                    </a:lnR>
+                    <a:lnT w="12700" cap="flat" cmpd="sng" algn="ctr">
+                      <a:solidFill>
+                        <a:prstClr val="white"/>
+                      </a:solidFill>
+                      <a:prstDash val="solid"/>
+                      <a:round/>
+                      <a:headEnd type="none" w="med" len="med"/>
+                      <a:tailEnd type="none" w="med" len="med"/>
+                    </a:lnT>
+                    <a:lnB w="12700" cap="flat" cmpd="sng" algn="ctr">
+                      <a:solidFill>
+                        <a:prstClr val="white"/>
+                      </a:solidFill>
+                      <a:prstDash val="solid"/>
+                      <a:round/>
+                      <a:headEnd type="none" w="med" len="med"/>
+                      <a:tailEnd type="none" w="med" len="med"/>
+                    </a:lnB>
+                    <a:solidFill>
+                      <a:srgbClr val="50CDD9"/>
+                    </a:solidFill>
+                  </a:tcPr>
+                </a:tc>
+                <a:tc>
+                  <a:txBody>
+                    <a:bodyPr/>
+                    <a:lstStyle/>
+                    <a:p>
+                      <a:r>
+                        <a:rPr lang="es-ES" dirty="0" smtClean="0">
+                          <a:solidFill>
+                            <a:schemeClr val="bg1"/>
+                          </a:solidFill>
+                        </a:rPr>
+                        <a:t>20</a:t>
+                      </a:r>
+                    </a:p>
+                    <a:p>
+                      <a:r>
+                        <a:rPr lang="es-ES" dirty="0" smtClean="0">
+                          <a:solidFill>
+                            <a:schemeClr val="bg1"/>
+                          </a:solidFill>
+                        </a:rPr>
+                        <a:t>Clase 7</a:t>
+                      </a:r>
+                      <a:endParaRPr lang="es-ES" dirty="0">
+                        <a:solidFill>
+                          <a:schemeClr val="bg1"/>
+                        </a:solidFill>
+                      </a:endParaRPr>
+                    </a:p>
+                  </a:txBody>
+                  <a:tcPr>
+                    <a:lnL w="12700" cap="flat" cmpd="sng" algn="ctr">
+                      <a:solidFill>
+                        <a:prstClr val="white"/>
+                      </a:solidFill>
+                      <a:prstDash val="solid"/>
+                      <a:round/>
+                      <a:headEnd type="none" w="med" len="med"/>
+                      <a:tailEnd type="none" w="med" len="med"/>
+                    </a:lnL>
+                    <a:lnR w="12700" cap="flat" cmpd="sng" algn="ctr">
+                      <a:solidFill>
+                        <a:prstClr val="white"/>
+                      </a:solidFill>
+                      <a:prstDash val="solid"/>
+                      <a:round/>
+                      <a:headEnd type="none" w="med" len="med"/>
+                      <a:tailEnd type="none" w="med" len="med"/>
+                    </a:lnR>
+                    <a:lnT w="12700" cap="flat" cmpd="sng" algn="ctr">
+                      <a:solidFill>
+                        <a:prstClr val="white"/>
+                      </a:solidFill>
+                      <a:prstDash val="solid"/>
+                      <a:round/>
+                      <a:headEnd type="none" w="med" len="med"/>
+                      <a:tailEnd type="none" w="med" len="med"/>
+                    </a:lnT>
+                    <a:lnB w="12700" cap="flat" cmpd="sng" algn="ctr">
+                      <a:solidFill>
+                        <a:prstClr val="white"/>
+                      </a:solidFill>
+                      <a:prstDash val="solid"/>
+                      <a:round/>
+                      <a:headEnd type="none" w="med" len="med"/>
+                      <a:tailEnd type="none" w="med" len="med"/>
+                    </a:lnB>
+                    <a:solidFill>
+                      <a:srgbClr val="009FE3"/>
+                    </a:solidFill>
+                  </a:tcPr>
+                </a:tc>
+                <a:tc>
+                  <a:txBody>
+                    <a:bodyPr/>
+                    <a:lstStyle/>
+                    <a:p>
+                      <a:r>
+                        <a:rPr lang="es-ES" dirty="0" smtClean="0">
+                          <a:solidFill>
+                            <a:srgbClr val="FFFFFF"/>
+                          </a:solidFill>
+                        </a:rPr>
+                        <a:t>21</a:t>
+                      </a:r>
+                    </a:p>
+                    <a:p>
+                      <a:r>
+                        <a:rPr lang="es-ES" dirty="0" smtClean="0">
+                          <a:solidFill>
+                            <a:srgbClr val="FFFFFF"/>
+                          </a:solidFill>
+                        </a:rPr>
+                        <a:t>Glorias navales</a:t>
+                      </a:r>
+                      <a:endParaRPr lang="es-ES" dirty="0">
+                        <a:solidFill>
+                          <a:srgbClr val="FFFFFF"/>
+                        </a:solidFill>
+                      </a:endParaRPr>
+                    </a:p>
+                  </a:txBody>
+                  <a:tcPr>
+                    <a:lnL w="12700" cap="flat" cmpd="sng" algn="ctr">
+                      <a:solidFill>
+                        <a:prstClr val="white"/>
+                      </a:solidFill>
+                      <a:prstDash val="solid"/>
+                      <a:round/>
+                      <a:headEnd type="none" w="med" len="med"/>
+                      <a:tailEnd type="none" w="med" len="med"/>
+                    </a:lnL>
+                    <a:lnR w="12700" cap="flat" cmpd="sng" algn="ctr">
+                      <a:solidFill>
+                        <a:prstClr val="white"/>
+                      </a:solidFill>
+                      <a:prstDash val="solid"/>
+                      <a:round/>
+                      <a:headEnd type="none" w="med" len="med"/>
+                      <a:tailEnd type="none" w="med" len="med"/>
+                    </a:lnR>
+                    <a:lnT w="12700" cap="flat" cmpd="sng" algn="ctr">
+                      <a:solidFill>
+                        <a:prstClr val="white"/>
+                      </a:solidFill>
+                      <a:prstDash val="solid"/>
+                      <a:round/>
+                      <a:headEnd type="none" w="med" len="med"/>
+                      <a:tailEnd type="none" w="med" len="med"/>
+                    </a:lnT>
+                    <a:lnB w="12700" cap="flat" cmpd="sng" algn="ctr">
+                      <a:solidFill>
+                        <a:prstClr val="white"/>
+                      </a:solidFill>
+                      <a:prstDash val="solid"/>
+                      <a:round/>
+                      <a:headEnd type="none" w="med" len="med"/>
+                      <a:tailEnd type="none" w="med" len="med"/>
+                    </a:lnB>
+                    <a:solidFill>
+                      <a:srgbClr val="50CDD9"/>
+                    </a:solidFill>
+                  </a:tcPr>
+                </a:tc>
+              </a:tr>
+              <a:tr h="986934">
+                <a:tc>
+                  <a:txBody>
+                    <a:bodyPr/>
+                    <a:lstStyle/>
+                    <a:p>
+                      <a:r>
+                        <a:rPr lang="es-ES" dirty="0" smtClean="0">
+                          <a:solidFill>
+                            <a:srgbClr val="FFFFFF"/>
+                          </a:solidFill>
+                        </a:rPr>
+                        <a:t>22</a:t>
+                      </a:r>
+                      <a:endParaRPr lang="es-ES" dirty="0">
+                        <a:solidFill>
+                          <a:srgbClr val="FFFFFF"/>
+                        </a:solidFill>
+                      </a:endParaRPr>
+                    </a:p>
+                  </a:txBody>
+                  <a:tcPr>
+                    <a:lnL w="12700" cap="flat" cmpd="sng" algn="ctr">
+                      <a:solidFill>
+                        <a:prstClr val="white"/>
+                      </a:solidFill>
+                      <a:prstDash val="solid"/>
+                      <a:round/>
+                      <a:headEnd type="none" w="med" len="med"/>
+                      <a:tailEnd type="none" w="med" len="med"/>
+                    </a:lnL>
+                    <a:lnR w="12700" cap="flat" cmpd="sng" algn="ctr">
+                      <a:solidFill>
+                        <a:prstClr val="white"/>
+                      </a:solidFill>
+                      <a:prstDash val="solid"/>
+                      <a:round/>
+                      <a:headEnd type="none" w="med" len="med"/>
+                      <a:tailEnd type="none" w="med" len="med"/>
+                    </a:lnR>
+                    <a:lnT w="12700" cap="flat" cmpd="sng" algn="ctr">
+                      <a:solidFill>
+                        <a:prstClr val="white"/>
+                      </a:solidFill>
+                      <a:prstDash val="solid"/>
+                      <a:round/>
+                      <a:headEnd type="none" w="med" len="med"/>
+                      <a:tailEnd type="none" w="med" len="med"/>
+                    </a:lnT>
+                    <a:lnB w="12700" cap="flat" cmpd="sng" algn="ctr">
+                      <a:solidFill>
+                        <a:prstClr val="white"/>
+                      </a:solidFill>
+                      <a:prstDash val="solid"/>
+                      <a:round/>
+                      <a:headEnd type="none" w="med" len="med"/>
+                      <a:tailEnd type="none" w="med" len="med"/>
+                    </a:lnB>
+                    <a:solidFill>
+                      <a:srgbClr val="50CDD9"/>
+                    </a:solidFill>
+                  </a:tcPr>
+                </a:tc>
+                <a:tc>
+                  <a:txBody>
+                    <a:bodyPr/>
+                    <a:lstStyle/>
+                    <a:p>
+                      <a:r>
+                        <a:rPr lang="es-ES" dirty="0" smtClean="0">
+                          <a:solidFill>
+                            <a:srgbClr val="FFFFFF"/>
+                          </a:solidFill>
+                        </a:rPr>
+                        <a:t>23</a:t>
+                      </a:r>
+                      <a:endParaRPr lang="es-ES" dirty="0">
+                        <a:solidFill>
+                          <a:srgbClr val="FFFFFF"/>
+                        </a:solidFill>
+                      </a:endParaRPr>
+                    </a:p>
+                  </a:txBody>
+                  <a:tcPr>
+                    <a:lnL w="12700" cap="flat" cmpd="sng" algn="ctr">
+                      <a:solidFill>
+                        <a:prstClr val="white"/>
+                      </a:solidFill>
+                      <a:prstDash val="solid"/>
+                      <a:round/>
+                      <a:headEnd type="none" w="med" len="med"/>
+                      <a:tailEnd type="none" w="med" len="med"/>
+                    </a:lnL>
+                    <a:lnR w="12700" cap="flat" cmpd="sng" algn="ctr">
+                      <a:solidFill>
+                        <a:prstClr val="white"/>
+                      </a:solidFill>
+                      <a:prstDash val="solid"/>
+                      <a:round/>
+                      <a:headEnd type="none" w="med" len="med"/>
+                      <a:tailEnd type="none" w="med" len="med"/>
+                    </a:lnR>
+                    <a:lnT w="12700" cap="flat" cmpd="sng" algn="ctr">
+                      <a:solidFill>
+                        <a:prstClr val="white"/>
+                      </a:solidFill>
+                      <a:prstDash val="solid"/>
+                      <a:round/>
+                      <a:headEnd type="none" w="med" len="med"/>
+                      <a:tailEnd type="none" w="med" len="med"/>
+                    </a:lnT>
+                    <a:lnB w="12700" cap="flat" cmpd="sng" algn="ctr">
+                      <a:solidFill>
+                        <a:prstClr val="white"/>
+                      </a:solidFill>
+                      <a:prstDash val="solid"/>
+                      <a:round/>
+                      <a:headEnd type="none" w="med" len="med"/>
+                      <a:tailEnd type="none" w="med" len="med"/>
+                    </a:lnB>
+                    <a:solidFill>
+                      <a:srgbClr val="50CDD9"/>
+                    </a:solidFill>
+                  </a:tcPr>
+                </a:tc>
+                <a:tc>
+                  <a:txBody>
+                    <a:bodyPr/>
+                    <a:lstStyle/>
+                    <a:p>
+                      <a:r>
+                        <a:rPr lang="es-ES" dirty="0" smtClean="0">
+                          <a:solidFill>
+                            <a:srgbClr val="FFFFFF"/>
+                          </a:solidFill>
+                        </a:rPr>
+                        <a:t>24</a:t>
+                      </a:r>
+                      <a:endParaRPr lang="es-ES" dirty="0">
+                        <a:solidFill>
+                          <a:srgbClr val="FFFFFF"/>
+                        </a:solidFill>
+                      </a:endParaRPr>
+                    </a:p>
+                  </a:txBody>
+                  <a:tcPr>
+                    <a:lnL w="12700" cap="flat" cmpd="sng" algn="ctr">
+                      <a:solidFill>
+                        <a:prstClr val="white"/>
+                      </a:solidFill>
+                      <a:prstDash val="solid"/>
+                      <a:round/>
+                      <a:headEnd type="none" w="med" len="med"/>
+                      <a:tailEnd type="none" w="med" len="med"/>
+                    </a:lnL>
+                    <a:lnR w="12700" cap="flat" cmpd="sng" algn="ctr">
+                      <a:solidFill>
+                        <a:prstClr val="white"/>
+                      </a:solidFill>
+                      <a:prstDash val="solid"/>
+                      <a:round/>
+                      <a:headEnd type="none" w="med" len="med"/>
+                      <a:tailEnd type="none" w="med" len="med"/>
+                    </a:lnR>
+                    <a:lnT w="12700" cap="flat" cmpd="sng" algn="ctr">
+                      <a:solidFill>
+                        <a:prstClr val="white"/>
+                      </a:solidFill>
+                      <a:prstDash val="solid"/>
+                      <a:round/>
+                      <a:headEnd type="none" w="med" len="med"/>
+                      <a:tailEnd type="none" w="med" len="med"/>
+                    </a:lnT>
+                    <a:lnB w="12700" cap="flat" cmpd="sng" algn="ctr">
+                      <a:solidFill>
+                        <a:prstClr val="white"/>
+                      </a:solidFill>
+                      <a:prstDash val="solid"/>
+                      <a:round/>
+                      <a:headEnd type="none" w="med" len="med"/>
+                      <a:tailEnd type="none" w="med" len="med"/>
+                    </a:lnB>
+                    <a:solidFill>
+                      <a:srgbClr val="50CDD9"/>
+                    </a:solidFill>
+                  </a:tcPr>
+                </a:tc>
+                <a:tc>
+                  <a:txBody>
+                    <a:bodyPr/>
+                    <a:lstStyle/>
+                    <a:p>
+                      <a:r>
+                        <a:rPr lang="es-ES" dirty="0" smtClean="0">
+                          <a:solidFill>
+                            <a:srgbClr val="FFFFFF"/>
+                          </a:solidFill>
+                        </a:rPr>
+                        <a:t>25</a:t>
+                      </a:r>
+                      <a:endParaRPr lang="es-ES" dirty="0">
+                        <a:solidFill>
+                          <a:srgbClr val="FFFFFF"/>
+                        </a:solidFill>
+                      </a:endParaRPr>
+                    </a:p>
+                  </a:txBody>
+                  <a:tcPr>
+                    <a:lnL w="12700" cap="flat" cmpd="sng" algn="ctr">
+                      <a:solidFill>
+                        <a:prstClr val="white"/>
+                      </a:solidFill>
+                      <a:prstDash val="solid"/>
+                      <a:round/>
+                      <a:headEnd type="none" w="med" len="med"/>
+                      <a:tailEnd type="none" w="med" len="med"/>
+                    </a:lnL>
+                    <a:lnR w="12700" cap="flat" cmpd="sng" algn="ctr">
+                      <a:solidFill>
+                        <a:prstClr val="white"/>
+                      </a:solidFill>
+                      <a:prstDash val="solid"/>
+                      <a:round/>
+                      <a:headEnd type="none" w="med" len="med"/>
+                      <a:tailEnd type="none" w="med" len="med"/>
+                    </a:lnR>
+                    <a:lnT w="12700" cap="flat" cmpd="sng" algn="ctr">
+                      <a:solidFill>
+                        <a:prstClr val="white"/>
+                      </a:solidFill>
+                      <a:prstDash val="solid"/>
+                      <a:round/>
+                      <a:headEnd type="none" w="med" len="med"/>
+                      <a:tailEnd type="none" w="med" len="med"/>
+                    </a:lnT>
+                    <a:lnB w="12700" cap="flat" cmpd="sng" algn="ctr">
+                      <a:solidFill>
+                        <a:prstClr val="white"/>
+                      </a:solidFill>
+                      <a:prstDash val="solid"/>
+                      <a:round/>
+                      <a:headEnd type="none" w="med" len="med"/>
+                      <a:tailEnd type="none" w="med" len="med"/>
+                    </a:lnB>
+                    <a:solidFill>
+                      <a:srgbClr val="50CDD9"/>
+                    </a:solidFill>
+                  </a:tcPr>
+                </a:tc>
+                <a:tc>
+                  <a:txBody>
+                    <a:bodyPr/>
+                    <a:lstStyle/>
+                    <a:p>
+                      <a:r>
+                        <a:rPr lang="es-ES" dirty="0" smtClean="0">
+                          <a:solidFill>
+                            <a:srgbClr val="FFFFFF"/>
+                          </a:solidFill>
+                        </a:rPr>
+                        <a:t>26</a:t>
+                      </a:r>
+                      <a:endParaRPr lang="es-ES" dirty="0">
+                        <a:solidFill>
+                          <a:srgbClr val="FFFFFF"/>
+                        </a:solidFill>
+                      </a:endParaRPr>
+                    </a:p>
+                  </a:txBody>
+                  <a:tcPr>
+                    <a:lnL w="12700" cap="flat" cmpd="sng" algn="ctr">
+                      <a:solidFill>
+                        <a:prstClr val="white"/>
+                      </a:solidFill>
+                      <a:prstDash val="solid"/>
+                      <a:round/>
+                      <a:headEnd type="none" w="med" len="med"/>
+                      <a:tailEnd type="none" w="med" len="med"/>
+                    </a:lnL>
+                    <a:lnR w="12700" cap="flat" cmpd="sng" algn="ctr">
+                      <a:solidFill>
+                        <a:prstClr val="white"/>
+                      </a:solidFill>
+                      <a:prstDash val="solid"/>
+                      <a:round/>
+                      <a:headEnd type="none" w="med" len="med"/>
+                      <a:tailEnd type="none" w="med" len="med"/>
+                    </a:lnR>
+                    <a:lnT w="12700" cap="flat" cmpd="sng" algn="ctr">
+                      <a:solidFill>
+                        <a:prstClr val="white"/>
+                      </a:solidFill>
+                      <a:prstDash val="solid"/>
+                      <a:round/>
+                      <a:headEnd type="none" w="med" len="med"/>
+                      <a:tailEnd type="none" w="med" len="med"/>
+                    </a:lnT>
+                    <a:lnB w="12700" cap="flat" cmpd="sng" algn="ctr">
+                      <a:solidFill>
+                        <a:prstClr val="white"/>
+                      </a:solidFill>
+                      <a:prstDash val="solid"/>
+                      <a:round/>
+                      <a:headEnd type="none" w="med" len="med"/>
+                      <a:tailEnd type="none" w="med" len="med"/>
+                    </a:lnB>
+                    <a:solidFill>
+                      <a:srgbClr val="50CDD9"/>
+                    </a:solidFill>
+                  </a:tcPr>
+                </a:tc>
+                <a:tc>
+                  <a:txBody>
+                    <a:bodyPr/>
+                    <a:lstStyle/>
+                    <a:p>
+                      <a:r>
+                        <a:rPr lang="es-ES" dirty="0" smtClean="0">
+                          <a:solidFill>
+                            <a:schemeClr val="bg1"/>
+                          </a:solidFill>
+                        </a:rPr>
+                        <a:t>27</a:t>
+                      </a:r>
+                    </a:p>
+                    <a:p>
+                      <a:r>
+                        <a:rPr lang="es-ES" dirty="0" smtClean="0">
+                          <a:solidFill>
+                            <a:schemeClr val="bg1"/>
+                          </a:solidFill>
+                        </a:rPr>
+                        <a:t>Clase 8</a:t>
+                      </a:r>
+                      <a:endParaRPr lang="es-ES" dirty="0">
+                        <a:solidFill>
+                          <a:schemeClr val="bg1"/>
+                        </a:solidFill>
+                      </a:endParaRPr>
+                    </a:p>
+                  </a:txBody>
+                  <a:tcPr>
+                    <a:lnL w="12700" cap="flat" cmpd="sng" algn="ctr">
+                      <a:solidFill>
+                        <a:prstClr val="white"/>
+                      </a:solidFill>
+                      <a:prstDash val="solid"/>
+                      <a:round/>
+                      <a:headEnd type="none" w="med" len="med"/>
+                      <a:tailEnd type="none" w="med" len="med"/>
+                    </a:lnL>
+                    <a:lnR w="12700" cap="flat" cmpd="sng" algn="ctr">
+                      <a:solidFill>
+                        <a:prstClr val="white"/>
+                      </a:solidFill>
+                      <a:prstDash val="solid"/>
+                      <a:round/>
+                      <a:headEnd type="none" w="med" len="med"/>
+                      <a:tailEnd type="none" w="med" len="med"/>
+                    </a:lnR>
+                    <a:lnT w="12700" cap="flat" cmpd="sng" algn="ctr">
+                      <a:solidFill>
+                        <a:prstClr val="white"/>
+                      </a:solidFill>
+                      <a:prstDash val="solid"/>
+                      <a:round/>
+                      <a:headEnd type="none" w="med" len="med"/>
+                      <a:tailEnd type="none" w="med" len="med"/>
+                    </a:lnT>
+                    <a:lnB w="12700" cap="flat" cmpd="sng" algn="ctr">
+                      <a:solidFill>
+                        <a:prstClr val="white"/>
+                      </a:solidFill>
+                      <a:prstDash val="solid"/>
+                      <a:round/>
+                      <a:headEnd type="none" w="med" len="med"/>
+                      <a:tailEnd type="none" w="med" len="med"/>
+                    </a:lnB>
+                    <a:solidFill>
+                      <a:srgbClr val="009FE3"/>
+                    </a:solidFill>
+                  </a:tcPr>
+                </a:tc>
+                <a:tc>
+                  <a:txBody>
+                    <a:bodyPr/>
+                    <a:lstStyle/>
+                    <a:p>
+                      <a:r>
+                        <a:rPr lang="es-ES" dirty="0" smtClean="0">
+                          <a:solidFill>
+                            <a:srgbClr val="FFFFFF"/>
+                          </a:solidFill>
+                        </a:rPr>
+                        <a:t>28</a:t>
+                      </a:r>
+                      <a:endParaRPr lang="es-ES" dirty="0">
+                        <a:solidFill>
+                          <a:srgbClr val="FFFFFF"/>
+                        </a:solidFill>
+                      </a:endParaRPr>
+                    </a:p>
+                  </a:txBody>
+                  <a:tcPr>
+                    <a:lnL w="12700" cap="flat" cmpd="sng" algn="ctr">
+                      <a:solidFill>
+                        <a:prstClr val="white"/>
+                      </a:solidFill>
+                      <a:prstDash val="solid"/>
+                      <a:round/>
+                      <a:headEnd type="none" w="med" len="med"/>
+                      <a:tailEnd type="none" w="med" len="med"/>
+                    </a:lnL>
+                    <a:lnR w="12700" cap="flat" cmpd="sng" algn="ctr">
+                      <a:solidFill>
+                        <a:prstClr val="white"/>
+                      </a:solidFill>
+                      <a:prstDash val="solid"/>
+                      <a:round/>
+                      <a:headEnd type="none" w="med" len="med"/>
+                      <a:tailEnd type="none" w="med" len="med"/>
+                    </a:lnR>
+                    <a:lnT w="12700" cap="flat" cmpd="sng" algn="ctr">
+                      <a:solidFill>
+                        <a:prstClr val="white"/>
+                      </a:solidFill>
+                      <a:prstDash val="solid"/>
+                      <a:round/>
+                      <a:headEnd type="none" w="med" len="med"/>
+                      <a:tailEnd type="none" w="med" len="med"/>
+                    </a:lnT>
+                    <a:lnB w="12700" cap="flat" cmpd="sng" algn="ctr">
+                      <a:solidFill>
+                        <a:prstClr val="white"/>
+                      </a:solidFill>
+                      <a:prstDash val="solid"/>
+                      <a:round/>
+                      <a:headEnd type="none" w="med" len="med"/>
+                      <a:tailEnd type="none" w="med" len="med"/>
+                    </a:lnB>
+                    <a:solidFill>
+                      <a:srgbClr val="50CDD9"/>
+                    </a:solidFill>
+                  </a:tcPr>
+                </a:tc>
+              </a:tr>
+              <a:tr h="986934">
+                <a:tc>
+                  <a:txBody>
+                    <a:bodyPr/>
+                    <a:lstStyle/>
+                    <a:p>
+                      <a:r>
+                        <a:rPr lang="es-ES" dirty="0" smtClean="0">
+                          <a:solidFill>
+                            <a:srgbClr val="FFFFFF"/>
+                          </a:solidFill>
+                        </a:rPr>
+                        <a:t>29</a:t>
+                      </a:r>
+                      <a:endParaRPr lang="es-ES" dirty="0">
+                        <a:solidFill>
+                          <a:srgbClr val="FFFFFF"/>
+                        </a:solidFill>
+                      </a:endParaRPr>
+                    </a:p>
+                  </a:txBody>
+                  <a:tcPr>
+                    <a:lnL w="12700" cap="flat" cmpd="sng" algn="ctr">
+                      <a:solidFill>
+                        <a:prstClr val="white"/>
+                      </a:solidFill>
+                      <a:prstDash val="solid"/>
+                      <a:round/>
+                      <a:headEnd type="none" w="med" len="med"/>
+                      <a:tailEnd type="none" w="med" len="med"/>
+                    </a:lnL>
+                    <a:lnR w="12700" cap="flat" cmpd="sng" algn="ctr">
+                      <a:solidFill>
+                        <a:prstClr val="white"/>
+                      </a:solidFill>
+                      <a:prstDash val="solid"/>
+                      <a:round/>
+                      <a:headEnd type="none" w="med" len="med"/>
+                      <a:tailEnd type="none" w="med" len="med"/>
+                    </a:lnR>
+                    <a:lnT w="12700" cap="flat" cmpd="sng" algn="ctr">
+                      <a:solidFill>
+                        <a:prstClr val="white"/>
+                      </a:solidFill>
+                      <a:prstDash val="solid"/>
+                      <a:round/>
+                      <a:headEnd type="none" w="med" len="med"/>
+                      <a:tailEnd type="none" w="med" len="med"/>
+                    </a:lnT>
+                    <a:lnB w="12700" cap="flat" cmpd="sng" algn="ctr">
+                      <a:solidFill>
+                        <a:prstClr val="white"/>
+                      </a:solidFill>
+                      <a:prstDash val="solid"/>
+                      <a:round/>
+                      <a:headEnd type="none" w="med" len="med"/>
+                      <a:tailEnd type="none" w="med" len="med"/>
+                    </a:lnB>
+                    <a:solidFill>
+                      <a:srgbClr val="50CDD9"/>
+                    </a:solidFill>
+                  </a:tcPr>
+                </a:tc>
+                <a:tc>
+                  <a:txBody>
+                    <a:bodyPr/>
+                    <a:lstStyle/>
+                    <a:p>
+                      <a:r>
+                        <a:rPr lang="es-ES" dirty="0" smtClean="0">
+                          <a:solidFill>
+                            <a:srgbClr val="FFFFFF"/>
+                          </a:solidFill>
+                        </a:rPr>
+                        <a:t>30</a:t>
+                      </a:r>
+                      <a:endParaRPr lang="es-ES" dirty="0">
+                        <a:solidFill>
+                          <a:srgbClr val="FFFFFF"/>
+                        </a:solidFill>
+                      </a:endParaRPr>
+                    </a:p>
+                  </a:txBody>
+                  <a:tcPr>
+                    <a:lnL w="12700" cap="flat" cmpd="sng" algn="ctr">
+                      <a:solidFill>
+                        <a:prstClr val="white"/>
+                      </a:solidFill>
+                      <a:prstDash val="solid"/>
+                      <a:round/>
+                      <a:headEnd type="none" w="med" len="med"/>
+                      <a:tailEnd type="none" w="med" len="med"/>
+                    </a:lnL>
+                    <a:lnR w="12700" cap="flat" cmpd="sng" algn="ctr">
+                      <a:solidFill>
+                        <a:prstClr val="white"/>
+                      </a:solidFill>
+                      <a:prstDash val="solid"/>
+                      <a:round/>
+                      <a:headEnd type="none" w="med" len="med"/>
+                      <a:tailEnd type="none" w="med" len="med"/>
+                    </a:lnR>
+                    <a:lnT w="12700" cap="flat" cmpd="sng" algn="ctr">
+                      <a:solidFill>
+                        <a:prstClr val="white"/>
+                      </a:solidFill>
+                      <a:prstDash val="solid"/>
+                      <a:round/>
+                      <a:headEnd type="none" w="med" len="med"/>
+                      <a:tailEnd type="none" w="med" len="med"/>
+                    </a:lnT>
+                    <a:lnB w="12700" cap="flat" cmpd="sng" algn="ctr">
+                      <a:solidFill>
+                        <a:prstClr val="white"/>
+                      </a:solidFill>
+                      <a:prstDash val="solid"/>
+                      <a:round/>
+                      <a:headEnd type="none" w="med" len="med"/>
+                      <a:tailEnd type="none" w="med" len="med"/>
+                    </a:lnB>
+                    <a:solidFill>
+                      <a:srgbClr val="50CDD9"/>
+                    </a:solidFill>
+                  </a:tcPr>
+                </a:tc>
+                <a:tc>
+                  <a:txBody>
+                    <a:bodyPr/>
+                    <a:lstStyle/>
+                    <a:p>
+                      <a:r>
+                        <a:rPr lang="es-ES" dirty="0" smtClean="0">
+                          <a:solidFill>
+                            <a:srgbClr val="FFFFFF"/>
+                          </a:solidFill>
+                        </a:rPr>
+                        <a:t>31</a:t>
+                      </a:r>
+                      <a:endParaRPr lang="es-ES" dirty="0">
+                        <a:solidFill>
+                          <a:srgbClr val="FFFFFF"/>
+                        </a:solidFill>
+                      </a:endParaRPr>
+                    </a:p>
+                  </a:txBody>
+                  <a:tcPr>
+                    <a:lnL w="12700" cap="flat" cmpd="sng" algn="ctr">
+                      <a:solidFill>
+                        <a:prstClr val="white"/>
+                      </a:solidFill>
+                      <a:prstDash val="solid"/>
+                      <a:round/>
+                      <a:headEnd type="none" w="med" len="med"/>
+                      <a:tailEnd type="none" w="med" len="med"/>
+                    </a:lnL>
+                    <a:lnR w="12700" cap="flat" cmpd="sng" algn="ctr">
+                      <a:solidFill>
+                        <a:prstClr val="white"/>
+                      </a:solidFill>
+                      <a:prstDash val="solid"/>
+                      <a:round/>
+                      <a:headEnd type="none" w="med" len="med"/>
+                      <a:tailEnd type="none" w="med" len="med"/>
+                    </a:lnR>
+                    <a:lnT w="12700" cap="flat" cmpd="sng" algn="ctr">
+                      <a:solidFill>
+                        <a:prstClr val="white"/>
+                      </a:solidFill>
+                      <a:prstDash val="solid"/>
+                      <a:round/>
+                      <a:headEnd type="none" w="med" len="med"/>
+                      <a:tailEnd type="none" w="med" len="med"/>
+                    </a:lnT>
+                    <a:lnB w="12700" cap="flat" cmpd="sng" algn="ctr">
+                      <a:solidFill>
+                        <a:prstClr val="white"/>
+                      </a:solidFill>
+                      <a:prstDash val="solid"/>
+                      <a:round/>
+                      <a:headEnd type="none" w="med" len="med"/>
+                      <a:tailEnd type="none" w="med" len="med"/>
+                    </a:lnB>
+                    <a:solidFill>
+                      <a:srgbClr val="50CDD9"/>
+                    </a:solidFill>
+                  </a:tcPr>
+                </a:tc>
+                <a:tc>
+                  <a:txBody>
+                    <a:bodyPr/>
+                    <a:lstStyle/>
+                    <a:p>
+                      <a:endParaRPr lang="es-ES" dirty="0">
+                        <a:solidFill>
+                          <a:srgbClr val="FFFFFF"/>
+                        </a:solidFill>
+                      </a:endParaRPr>
+                    </a:p>
+                  </a:txBody>
+                  <a:tcPr>
+                    <a:lnL w="12700" cap="flat" cmpd="sng" algn="ctr">
+                      <a:solidFill>
+                        <a:prstClr val="white"/>
+                      </a:solidFill>
+                      <a:prstDash val="solid"/>
+                      <a:round/>
+                      <a:headEnd type="none" w="med" len="med"/>
+                      <a:tailEnd type="none" w="med" len="med"/>
+                    </a:lnL>
+                    <a:lnR w="12700" cap="flat" cmpd="sng" algn="ctr">
+                      <a:solidFill>
+                        <a:prstClr val="white"/>
+                      </a:solidFill>
+                      <a:prstDash val="solid"/>
+                      <a:round/>
+                      <a:headEnd type="none" w="med" len="med"/>
+                      <a:tailEnd type="none" w="med" len="med"/>
+                    </a:lnR>
+                    <a:lnT w="12700" cap="flat" cmpd="sng" algn="ctr">
+                      <a:solidFill>
+                        <a:prstClr val="white"/>
+                      </a:solidFill>
+                      <a:prstDash val="solid"/>
+                      <a:round/>
+                      <a:headEnd type="none" w="med" len="med"/>
+                      <a:tailEnd type="none" w="med" len="med"/>
+                    </a:lnT>
+                    <a:lnB w="12700" cap="flat" cmpd="sng" algn="ctr">
+                      <a:solidFill>
+                        <a:prstClr val="white"/>
+                      </a:solidFill>
+                      <a:prstDash val="solid"/>
+                      <a:round/>
+                      <a:headEnd type="none" w="med" len="med"/>
+                      <a:tailEnd type="none" w="med" len="med"/>
+                    </a:lnB>
+                    <a:solidFill>
+                      <a:schemeClr val="bg1">
+                        <a:lumMod val="85000"/>
+                      </a:schemeClr>
+                    </a:solidFill>
+                  </a:tcPr>
+                </a:tc>
+                <a:tc>
+                  <a:txBody>
+                    <a:bodyPr/>
+                    <a:lstStyle/>
+                    <a:p>
+                      <a:endParaRPr lang="es-ES" dirty="0">
+                        <a:solidFill>
+                          <a:srgbClr val="FFFFFF"/>
+                        </a:solidFill>
+                      </a:endParaRPr>
+                    </a:p>
+                  </a:txBody>
+                  <a:tcPr>
+                    <a:lnL w="12700" cap="flat" cmpd="sng" algn="ctr">
+                      <a:solidFill>
+                        <a:prstClr val="white"/>
+                      </a:solidFill>
+                      <a:prstDash val="solid"/>
+                      <a:round/>
+                      <a:headEnd type="none" w="med" len="med"/>
+                      <a:tailEnd type="none" w="med" len="med"/>
+                    </a:lnL>
+                    <a:lnR w="12700" cap="flat" cmpd="sng" algn="ctr">
+                      <a:solidFill>
+                        <a:prstClr val="white"/>
+                      </a:solidFill>
+                      <a:prstDash val="solid"/>
+                      <a:round/>
+                      <a:headEnd type="none" w="med" len="med"/>
+                      <a:tailEnd type="none" w="med" len="med"/>
+                    </a:lnR>
+                    <a:lnT w="12700" cap="flat" cmpd="sng" algn="ctr">
+                      <a:solidFill>
+                        <a:prstClr val="white"/>
+                      </a:solidFill>
+                      <a:prstDash val="solid"/>
+                      <a:round/>
+                      <a:headEnd type="none" w="med" len="med"/>
+                      <a:tailEnd type="none" w="med" len="med"/>
+                    </a:lnT>
+                    <a:lnB w="12700" cap="flat" cmpd="sng" algn="ctr">
+                      <a:solidFill>
+                        <a:prstClr val="white"/>
+                      </a:solidFill>
+                      <a:prstDash val="solid"/>
+                      <a:round/>
+                      <a:headEnd type="none" w="med" len="med"/>
+                      <a:tailEnd type="none" w="med" len="med"/>
+                    </a:lnB>
+                    <a:solidFill>
+                      <a:schemeClr val="bg1">
+                        <a:lumMod val="85000"/>
+                      </a:schemeClr>
+                    </a:solidFill>
+                  </a:tcPr>
+                </a:tc>
+                <a:tc>
+                  <a:txBody>
+                    <a:bodyPr/>
+                    <a:lstStyle/>
+                    <a:p>
+                      <a:endParaRPr lang="es-ES" dirty="0">
+                        <a:solidFill>
+                          <a:schemeClr val="bg1"/>
+                        </a:solidFill>
+                      </a:endParaRPr>
+                    </a:p>
+                  </a:txBody>
+                  <a:tcPr>
+                    <a:lnL w="12700" cap="flat" cmpd="sng" algn="ctr">
+                      <a:solidFill>
+                        <a:prstClr val="white"/>
+                      </a:solidFill>
+                      <a:prstDash val="solid"/>
+                      <a:round/>
+                      <a:headEnd type="none" w="med" len="med"/>
+                      <a:tailEnd type="none" w="med" len="med"/>
+                    </a:lnL>
+                    <a:lnR w="12700" cap="flat" cmpd="sng" algn="ctr">
+                      <a:solidFill>
+                        <a:prstClr val="white"/>
+                      </a:solidFill>
+                      <a:prstDash val="solid"/>
+                      <a:round/>
+                      <a:headEnd type="none" w="med" len="med"/>
+                      <a:tailEnd type="none" w="med" len="med"/>
+                    </a:lnR>
+                    <a:lnT w="12700" cap="flat" cmpd="sng" algn="ctr">
+                      <a:solidFill>
+                        <a:prstClr val="white"/>
+                      </a:solidFill>
+                      <a:prstDash val="solid"/>
+                      <a:round/>
+                      <a:headEnd type="none" w="med" len="med"/>
+                      <a:tailEnd type="none" w="med" len="med"/>
+                    </a:lnT>
+                    <a:lnB w="12700" cap="flat" cmpd="sng" algn="ctr">
+                      <a:solidFill>
+                        <a:prstClr val="white"/>
+                      </a:solidFill>
+                      <a:prstDash val="solid"/>
+                      <a:round/>
+                      <a:headEnd type="none" w="med" len="med"/>
+                      <a:tailEnd type="none" w="med" len="med"/>
+                    </a:lnB>
+                    <a:solidFill>
+                      <a:schemeClr val="bg1">
+                        <a:lumMod val="85000"/>
+                      </a:schemeClr>
+                    </a:solidFill>
+                  </a:tcPr>
+                </a:tc>
+                <a:tc>
+                  <a:txBody>
+                    <a:bodyPr/>
+                    <a:lstStyle/>
+                    <a:p>
+                      <a:endParaRPr lang="es-ES" dirty="0">
+                        <a:solidFill>
+                          <a:srgbClr val="FFFFFF"/>
+                        </a:solidFill>
+                      </a:endParaRPr>
+                    </a:p>
+                  </a:txBody>
+                  <a:tcPr>
+                    <a:lnL w="12700" cap="flat" cmpd="sng" algn="ctr">
+                      <a:solidFill>
+                        <a:prstClr val="white"/>
+                      </a:solidFill>
+                      <a:prstDash val="solid"/>
+                      <a:round/>
+                      <a:headEnd type="none" w="med" len="med"/>
+                      <a:tailEnd type="none" w="med" len="med"/>
+                    </a:lnL>
+                    <a:lnR w="12700" cap="flat" cmpd="sng" algn="ctr">
+                      <a:solidFill>
+                        <a:prstClr val="white"/>
+                      </a:solidFill>
+                      <a:prstDash val="solid"/>
+                      <a:round/>
+                      <a:headEnd type="none" w="med" len="med"/>
+                      <a:tailEnd type="none" w="med" len="med"/>
+                    </a:lnR>
+                    <a:lnT w="12700" cap="flat" cmpd="sng" algn="ctr">
+                      <a:solidFill>
+                        <a:prstClr val="white"/>
+                      </a:solidFill>
+                      <a:prstDash val="solid"/>
+                      <a:round/>
+                      <a:headEnd type="none" w="med" len="med"/>
+                      <a:tailEnd type="none" w="med" len="med"/>
+                    </a:lnT>
+                    <a:lnB w="12700" cap="flat" cmpd="sng" algn="ctr">
+                      <a:solidFill>
+                        <a:prstClr val="white"/>
+                      </a:solidFill>
+                      <a:prstDash val="solid"/>
+                      <a:round/>
+                      <a:headEnd type="none" w="med" len="med"/>
+                      <a:tailEnd type="none" w="med" len="med"/>
+                    </a:lnB>
+                    <a:solidFill>
+                      <a:schemeClr val="bg1">
+                        <a:lumMod val="85000"/>
+                      </a:schemeClr>
+                    </a:solidFill>
+                  </a:tcPr>
+                </a:tc>
+              </a:tr>
+            </a:tbl>
+          </a:graphicData>
+        </a:graphic>
+      </p:graphicFrame>
+      <p:sp>
+        <p:nvSpPr>
+          <p:cNvPr id="9" name="CuadroTexto 8"/>
+          <p:cNvSpPr txBox="1"/>
+          <p:nvPr/>
+        </p:nvSpPr>
+        <p:spPr>
+          <a:xfrm>
+            <a:off x="3745533" y="242570"/>
+            <a:ext cx="1375572" cy="646331"/>
+          </a:xfrm>
+          <a:prstGeom prst="rect">
+            <a:avLst/>
+          </a:prstGeom>
+          <a:noFill/>
+        </p:spPr>
+        <p:txBody>
+          <a:bodyPr wrap="none" rtlCol="0">
+            <a:spAutoFit/>
+          </a:bodyPr>
+          <a:lstStyle/>
+          <a:p>
+            <a:r>
+              <a:rPr lang="es-ES" sz="3600" dirty="0" smtClean="0">
+                <a:solidFill>
+                  <a:srgbClr val="009FE3"/>
+                </a:solidFill>
+                <a:latin typeface="Black Metal Sans"/>
+                <a:cs typeface="Black Metal Sans"/>
+              </a:rPr>
+              <a:t>Mayo</a:t>
+            </a:r>
+            <a:endParaRPr lang="es-ES" sz="3600" dirty="0">
+              <a:solidFill>
+                <a:srgbClr val="009FE3"/>
+              </a:solidFill>
+              <a:latin typeface="Black Metal Sans"/>
+              <a:cs typeface="Black Metal Sans"/>
+            </a:endParaRPr>
+          </a:p>
+        </p:txBody>
+      </p:sp>
+    </p:spTree>
+    <p:extLst>
+      <p:ext uri="{BB962C8B-B14F-4D97-AF65-F5344CB8AC3E}">
+        <p14:creationId xmlns:p14="http://schemas.microsoft.com/office/powerpoint/2010/main" val="3187725710"/>
+      </p:ext>
+    </p:extLst>
+  </p:cSld>
+  <p:clrMapOvr>
+    <a:masterClrMapping/>
+  </p:clrMapOvr>
+  <p:timing>
+    <p:tnLst>
+      <p:par>
+        <p:cTn xmlns:p14="http://schemas.microsoft.com/office/powerpoint/2010/main" id="1" dur="indefinite" restart="never" nodeType="tmRoot"/>
+      </p:par>
+    </p:tnLst>
+  </p:timing>
+</p:sld>
+</file>
+
+<file path=ppt/slides/slide4.xml><?xml version="1.0" encoding="utf-8"?>
+<p:sld xmlns:a="http://schemas.openxmlformats.org/drawingml/2006/main" xmlns:r="http://schemas.openxmlformats.org/officeDocument/2006/relationships" xmlns:p="http://schemas.openxmlformats.org/presentationml/2006/main">
+  <p:cSld>
+    <p:spTree>
+      <p:nvGrpSpPr>
+        <p:cNvPr id="1" name=""/>
+        <p:cNvGrpSpPr/>
+        <p:nvPr/>
+      </p:nvGrpSpPr>
+      <p:grpSpPr>
+        <a:xfrm>
+          <a:off x="0" y="0"/>
+          <a:ext cx="0" cy="0"/>
+          <a:chOff x="0" y="0"/>
+          <a:chExt cx="0" cy="0"/>
+        </a:xfrm>
+      </p:grpSpPr>
+      <p:graphicFrame>
+        <p:nvGraphicFramePr>
+          <p:cNvPr id="8" name="Tabla 7"/>
+          <p:cNvGraphicFramePr>
+            <a:graphicFrameLocks noGrp="1"/>
+          </p:cNvGraphicFramePr>
+          <p:nvPr>
+            <p:extLst>
+              <p:ext uri="{D42A27DB-BD31-4B8C-83A1-F6EECF244321}">
+                <p14:modId xmlns:p14="http://schemas.microsoft.com/office/powerpoint/2010/main" val="1435854490"/>
+              </p:ext>
+            </p:extLst>
+          </p:nvPr>
+        </p:nvGraphicFramePr>
+        <p:xfrm>
+          <a:off x="285413" y="1025700"/>
+          <a:ext cx="8576736" cy="5348471"/>
+        </p:xfrm>
+        <a:graphic>
+          <a:graphicData uri="http://schemas.openxmlformats.org/drawingml/2006/table">
+            <a:tbl>
+              <a:tblPr bandRow="1">
+                <a:tableStyleId>{5940675A-B579-460E-94D1-54222C63F5DA}</a:tableStyleId>
+              </a:tblPr>
+              <a:tblGrid>
+                <a:gridCol w="1225248"/>
+                <a:gridCol w="1225248"/>
+                <a:gridCol w="1225248"/>
+                <a:gridCol w="1225248"/>
+                <a:gridCol w="1225248"/>
+                <a:gridCol w="1225248"/>
+                <a:gridCol w="1225248"/>
+              </a:tblGrid>
+              <a:tr h="413801">
+                <a:tc>
+                  <a:txBody>
+                    <a:bodyPr/>
+                    <a:lstStyle/>
+                    <a:p>
+                      <a:r>
+                        <a:rPr lang="es-ES" dirty="0" smtClean="0">
+                          <a:solidFill>
+                            <a:srgbClr val="FFFFFF"/>
+                          </a:solidFill>
+                        </a:rPr>
+                        <a:t>Lunes</a:t>
+                      </a:r>
+                      <a:endParaRPr lang="es-ES" dirty="0">
+                        <a:solidFill>
+                          <a:srgbClr val="FFFFFF"/>
+                        </a:solidFill>
+                      </a:endParaRPr>
+                    </a:p>
+                  </a:txBody>
+                  <a:tcPr>
+                    <a:lnL w="12700" cap="flat" cmpd="sng" algn="ctr">
+                      <a:solidFill>
+                        <a:prstClr val="white"/>
+                      </a:solidFill>
+                      <a:prstDash val="solid"/>
+                      <a:round/>
+                      <a:headEnd type="none" w="med" len="med"/>
+                      <a:tailEnd type="none" w="med" len="med"/>
+                    </a:lnL>
+                    <a:lnR w="12700" cap="flat" cmpd="sng" algn="ctr">
+                      <a:solidFill>
+                        <a:prstClr val="white"/>
+                      </a:solidFill>
+                      <a:prstDash val="solid"/>
+                      <a:round/>
+                      <a:headEnd type="none" w="med" len="med"/>
+                      <a:tailEnd type="none" w="med" len="med"/>
+                    </a:lnR>
+                    <a:lnT w="12700" cap="flat" cmpd="sng" algn="ctr">
+                      <a:solidFill>
+                        <a:prstClr val="white"/>
+                      </a:solidFill>
+                      <a:prstDash val="solid"/>
+                      <a:round/>
+                      <a:headEnd type="none" w="med" len="med"/>
+                      <a:tailEnd type="none" w="med" len="med"/>
+                    </a:lnT>
+                    <a:lnB w="12700" cap="flat" cmpd="sng" algn="ctr">
+                      <a:solidFill>
+                        <a:prstClr val="white"/>
+                      </a:solidFill>
+                      <a:prstDash val="solid"/>
+                      <a:round/>
+                      <a:headEnd type="none" w="med" len="med"/>
+                      <a:tailEnd type="none" w="med" len="med"/>
+                    </a:lnB>
+                    <a:solidFill>
+                      <a:srgbClr val="A96702"/>
+                    </a:solidFill>
+                  </a:tcPr>
+                </a:tc>
+                <a:tc>
+                  <a:txBody>
+                    <a:bodyPr/>
+                    <a:lstStyle/>
+                    <a:p>
+                      <a:r>
+                        <a:rPr lang="es-ES" dirty="0" smtClean="0">
+                          <a:solidFill>
+                            <a:srgbClr val="FFFFFF"/>
+                          </a:solidFill>
+                        </a:rPr>
+                        <a:t>Martes</a:t>
+                      </a:r>
+                      <a:endParaRPr lang="es-ES" dirty="0">
+                        <a:solidFill>
+                          <a:srgbClr val="FFFFFF"/>
+                        </a:solidFill>
+                      </a:endParaRPr>
+                    </a:p>
+                  </a:txBody>
+                  <a:tcPr>
+                    <a:lnL w="12700" cap="flat" cmpd="sng" algn="ctr">
+                      <a:solidFill>
+                        <a:prstClr val="white"/>
+                      </a:solidFill>
+                      <a:prstDash val="solid"/>
+                      <a:round/>
+                      <a:headEnd type="none" w="med" len="med"/>
+                      <a:tailEnd type="none" w="med" len="med"/>
+                    </a:lnL>
+                    <a:lnR w="12700" cap="flat" cmpd="sng" algn="ctr">
+                      <a:solidFill>
+                        <a:prstClr val="white"/>
+                      </a:solidFill>
+                      <a:prstDash val="solid"/>
+                      <a:round/>
+                      <a:headEnd type="none" w="med" len="med"/>
+                      <a:tailEnd type="none" w="med" len="med"/>
+                    </a:lnR>
+                    <a:lnT w="12700" cap="flat" cmpd="sng" algn="ctr">
+                      <a:solidFill>
+                        <a:prstClr val="white"/>
+                      </a:solidFill>
+                      <a:prstDash val="solid"/>
+                      <a:round/>
+                      <a:headEnd type="none" w="med" len="med"/>
+                      <a:tailEnd type="none" w="med" len="med"/>
+                    </a:lnT>
+                    <a:lnB w="12700" cap="flat" cmpd="sng" algn="ctr">
+                      <a:solidFill>
+                        <a:prstClr val="white"/>
+                      </a:solidFill>
+                      <a:prstDash val="solid"/>
+                      <a:round/>
+                      <a:headEnd type="none" w="med" len="med"/>
+                      <a:tailEnd type="none" w="med" len="med"/>
+                    </a:lnB>
+                    <a:solidFill>
+                      <a:srgbClr val="A96702"/>
+                    </a:solidFill>
+                  </a:tcPr>
+                </a:tc>
+                <a:tc>
+                  <a:txBody>
+                    <a:bodyPr/>
+                    <a:lstStyle/>
+                    <a:p>
+                      <a:r>
+                        <a:rPr lang="es-ES" dirty="0" smtClean="0">
+                          <a:solidFill>
+                            <a:srgbClr val="FFFFFF"/>
+                          </a:solidFill>
+                        </a:rPr>
+                        <a:t>Mi</a:t>
+                      </a:r>
+                      <a:r>
+                        <a:rPr lang="es-ES" dirty="0" smtClean="0">
+                          <a:solidFill>
+                            <a:srgbClr val="FFFFFF"/>
+                          </a:solidFill>
+                        </a:rPr>
+                        <a:t>ércoles</a:t>
+                      </a:r>
+                      <a:endParaRPr lang="es-ES" dirty="0">
+                        <a:solidFill>
+                          <a:srgbClr val="FFFFFF"/>
+                        </a:solidFill>
+                      </a:endParaRPr>
+                    </a:p>
+                  </a:txBody>
+                  <a:tcPr>
+                    <a:lnL w="12700" cap="flat" cmpd="sng" algn="ctr">
+                      <a:solidFill>
+                        <a:prstClr val="white"/>
+                      </a:solidFill>
+                      <a:prstDash val="solid"/>
+                      <a:round/>
+                      <a:headEnd type="none" w="med" len="med"/>
+                      <a:tailEnd type="none" w="med" len="med"/>
+                    </a:lnL>
+                    <a:lnR w="12700" cap="flat" cmpd="sng" algn="ctr">
+                      <a:solidFill>
+                        <a:prstClr val="white"/>
+                      </a:solidFill>
+                      <a:prstDash val="solid"/>
+                      <a:round/>
+                      <a:headEnd type="none" w="med" len="med"/>
+                      <a:tailEnd type="none" w="med" len="med"/>
+                    </a:lnR>
+                    <a:lnT w="12700" cap="flat" cmpd="sng" algn="ctr">
+                      <a:solidFill>
+                        <a:prstClr val="white"/>
+                      </a:solidFill>
+                      <a:prstDash val="solid"/>
+                      <a:round/>
+                      <a:headEnd type="none" w="med" len="med"/>
+                      <a:tailEnd type="none" w="med" len="med"/>
+                    </a:lnT>
+                    <a:lnB w="12700" cap="flat" cmpd="sng" algn="ctr">
+                      <a:solidFill>
+                        <a:prstClr val="white"/>
+                      </a:solidFill>
+                      <a:prstDash val="solid"/>
+                      <a:round/>
+                      <a:headEnd type="none" w="med" len="med"/>
+                      <a:tailEnd type="none" w="med" len="med"/>
+                    </a:lnB>
+                    <a:solidFill>
+                      <a:srgbClr val="A96702"/>
+                    </a:solidFill>
+                  </a:tcPr>
+                </a:tc>
+                <a:tc>
+                  <a:txBody>
+                    <a:bodyPr/>
+                    <a:lstStyle/>
+                    <a:p>
+                      <a:r>
+                        <a:rPr lang="es-ES" dirty="0" smtClean="0">
+                          <a:solidFill>
+                            <a:srgbClr val="FFFFFF"/>
+                          </a:solidFill>
+                        </a:rPr>
+                        <a:t>Jueves</a:t>
+                      </a:r>
+                      <a:endParaRPr lang="es-ES" dirty="0">
+                        <a:solidFill>
+                          <a:srgbClr val="FFFFFF"/>
+                        </a:solidFill>
+                      </a:endParaRPr>
+                    </a:p>
+                  </a:txBody>
+                  <a:tcPr>
+                    <a:lnL w="12700" cap="flat" cmpd="sng" algn="ctr">
+                      <a:solidFill>
+                        <a:prstClr val="white"/>
+                      </a:solidFill>
+                      <a:prstDash val="solid"/>
+                      <a:round/>
+                      <a:headEnd type="none" w="med" len="med"/>
+                      <a:tailEnd type="none" w="med" len="med"/>
+                    </a:lnL>
+                    <a:lnR w="12700" cap="flat" cmpd="sng" algn="ctr">
+                      <a:solidFill>
+                        <a:prstClr val="white"/>
+                      </a:solidFill>
+                      <a:prstDash val="solid"/>
+                      <a:round/>
+                      <a:headEnd type="none" w="med" len="med"/>
+                      <a:tailEnd type="none" w="med" len="med"/>
+                    </a:lnR>
+                    <a:lnT w="12700" cap="flat" cmpd="sng" algn="ctr">
+                      <a:solidFill>
+                        <a:prstClr val="white"/>
+                      </a:solidFill>
+                      <a:prstDash val="solid"/>
+                      <a:round/>
+                      <a:headEnd type="none" w="med" len="med"/>
+                      <a:tailEnd type="none" w="med" len="med"/>
+                    </a:lnT>
+                    <a:lnB w="12700" cap="flat" cmpd="sng" algn="ctr">
+                      <a:solidFill>
+                        <a:prstClr val="white"/>
+                      </a:solidFill>
+                      <a:prstDash val="solid"/>
+                      <a:round/>
+                      <a:headEnd type="none" w="med" len="med"/>
+                      <a:tailEnd type="none" w="med" len="med"/>
+                    </a:lnB>
+                    <a:solidFill>
+                      <a:srgbClr val="A96702"/>
+                    </a:solidFill>
+                  </a:tcPr>
+                </a:tc>
+                <a:tc>
+                  <a:txBody>
+                    <a:bodyPr/>
+                    <a:lstStyle/>
+                    <a:p>
+                      <a:r>
+                        <a:rPr lang="es-ES" dirty="0" smtClean="0">
+                          <a:solidFill>
+                            <a:srgbClr val="FFFFFF"/>
+                          </a:solidFill>
+                        </a:rPr>
+                        <a:t>Viernes</a:t>
+                      </a:r>
+                      <a:endParaRPr lang="es-ES" dirty="0">
+                        <a:solidFill>
+                          <a:srgbClr val="FFFFFF"/>
+                        </a:solidFill>
+                      </a:endParaRPr>
+                    </a:p>
+                  </a:txBody>
+                  <a:tcPr>
+                    <a:lnL w="12700" cap="flat" cmpd="sng" algn="ctr">
+                      <a:solidFill>
+                        <a:prstClr val="white"/>
+                      </a:solidFill>
+                      <a:prstDash val="solid"/>
+                      <a:round/>
+                      <a:headEnd type="none" w="med" len="med"/>
+                      <a:tailEnd type="none" w="med" len="med"/>
+                    </a:lnL>
+                    <a:lnR w="12700" cap="flat" cmpd="sng" algn="ctr">
+                      <a:solidFill>
+                        <a:prstClr val="white"/>
+                      </a:solidFill>
+                      <a:prstDash val="solid"/>
+                      <a:round/>
+                      <a:headEnd type="none" w="med" len="med"/>
+                      <a:tailEnd type="none" w="med" len="med"/>
+                    </a:lnR>
+                    <a:lnT w="12700" cap="flat" cmpd="sng" algn="ctr">
+                      <a:solidFill>
+                        <a:prstClr val="white"/>
+                      </a:solidFill>
+                      <a:prstDash val="solid"/>
+                      <a:round/>
+                      <a:headEnd type="none" w="med" len="med"/>
+                      <a:tailEnd type="none" w="med" len="med"/>
+                    </a:lnT>
+                    <a:lnB w="12700" cap="flat" cmpd="sng" algn="ctr">
+                      <a:solidFill>
+                        <a:prstClr val="white"/>
+                      </a:solidFill>
+                      <a:prstDash val="solid"/>
+                      <a:round/>
+                      <a:headEnd type="none" w="med" len="med"/>
+                      <a:tailEnd type="none" w="med" len="med"/>
+                    </a:lnB>
+                    <a:solidFill>
+                      <a:srgbClr val="A96702"/>
+                    </a:solidFill>
+                  </a:tcPr>
+                </a:tc>
+                <a:tc>
+                  <a:txBody>
+                    <a:bodyPr/>
+                    <a:lstStyle/>
+                    <a:p>
+                      <a:r>
+                        <a:rPr lang="es-ES" dirty="0" smtClean="0">
+                          <a:solidFill>
+                            <a:schemeClr val="bg1"/>
+                          </a:solidFill>
+                        </a:rPr>
+                        <a:t>S</a:t>
+                      </a:r>
+                      <a:r>
+                        <a:rPr lang="es-ES" dirty="0" smtClean="0">
+                          <a:solidFill>
+                            <a:schemeClr val="bg1"/>
+                          </a:solidFill>
+                        </a:rPr>
+                        <a:t>ábado</a:t>
+                      </a:r>
+                      <a:endParaRPr lang="es-ES" dirty="0">
+                        <a:solidFill>
+                          <a:schemeClr val="bg1"/>
+                        </a:solidFill>
+                      </a:endParaRPr>
+                    </a:p>
+                  </a:txBody>
+                  <a:tcPr>
+                    <a:lnL w="12700" cap="flat" cmpd="sng" algn="ctr">
+                      <a:solidFill>
+                        <a:prstClr val="white"/>
+                      </a:solidFill>
+                      <a:prstDash val="solid"/>
+                      <a:round/>
+                      <a:headEnd type="none" w="med" len="med"/>
+                      <a:tailEnd type="none" w="med" len="med"/>
+                    </a:lnL>
+                    <a:lnR w="12700" cap="flat" cmpd="sng" algn="ctr">
+                      <a:solidFill>
+                        <a:prstClr val="white"/>
+                      </a:solidFill>
+                      <a:prstDash val="solid"/>
+                      <a:round/>
+                      <a:headEnd type="none" w="med" len="med"/>
+                      <a:tailEnd type="none" w="med" len="med"/>
+                    </a:lnR>
+                    <a:lnT w="12700" cap="flat" cmpd="sng" algn="ctr">
+                      <a:solidFill>
+                        <a:prstClr val="white"/>
+                      </a:solidFill>
+                      <a:prstDash val="solid"/>
+                      <a:round/>
+                      <a:headEnd type="none" w="med" len="med"/>
+                      <a:tailEnd type="none" w="med" len="med"/>
+                    </a:lnT>
+                    <a:lnB w="12700" cap="flat" cmpd="sng" algn="ctr">
+                      <a:solidFill>
+                        <a:prstClr val="white"/>
+                      </a:solidFill>
+                      <a:prstDash val="solid"/>
+                      <a:round/>
+                      <a:headEnd type="none" w="med" len="med"/>
+                      <a:tailEnd type="none" w="med" len="med"/>
+                    </a:lnB>
+                    <a:solidFill>
+                      <a:srgbClr val="A96702"/>
+                    </a:solidFill>
+                  </a:tcPr>
+                </a:tc>
+                <a:tc>
+                  <a:txBody>
+                    <a:bodyPr/>
+                    <a:lstStyle/>
+                    <a:p>
+                      <a:r>
+                        <a:rPr lang="es-ES" dirty="0" smtClean="0">
+                          <a:solidFill>
+                            <a:srgbClr val="FFFFFF"/>
+                          </a:solidFill>
+                        </a:rPr>
+                        <a:t>Domingo</a:t>
+                      </a:r>
+                      <a:endParaRPr lang="es-ES" dirty="0">
+                        <a:solidFill>
+                          <a:srgbClr val="FFFFFF"/>
+                        </a:solidFill>
+                      </a:endParaRPr>
+                    </a:p>
+                  </a:txBody>
+                  <a:tcPr>
+                    <a:lnL w="12700" cap="flat" cmpd="sng" algn="ctr">
+                      <a:solidFill>
+                        <a:prstClr val="white"/>
+                      </a:solidFill>
+                      <a:prstDash val="solid"/>
+                      <a:round/>
+                      <a:headEnd type="none" w="med" len="med"/>
+                      <a:tailEnd type="none" w="med" len="med"/>
+                    </a:lnL>
+                    <a:lnR w="12700" cap="flat" cmpd="sng" algn="ctr">
+                      <a:solidFill>
+                        <a:prstClr val="white"/>
+                      </a:solidFill>
+                      <a:prstDash val="solid"/>
+                      <a:round/>
+                      <a:headEnd type="none" w="med" len="med"/>
+                      <a:tailEnd type="none" w="med" len="med"/>
+                    </a:lnR>
+                    <a:lnT w="12700" cap="flat" cmpd="sng" algn="ctr">
+                      <a:solidFill>
+                        <a:prstClr val="white"/>
+                      </a:solidFill>
+                      <a:prstDash val="solid"/>
+                      <a:round/>
+                      <a:headEnd type="none" w="med" len="med"/>
+                      <a:tailEnd type="none" w="med" len="med"/>
+                    </a:lnT>
+                    <a:lnB w="12700" cap="flat" cmpd="sng" algn="ctr">
+                      <a:solidFill>
+                        <a:prstClr val="white"/>
+                      </a:solidFill>
+                      <a:prstDash val="solid"/>
+                      <a:round/>
+                      <a:headEnd type="none" w="med" len="med"/>
+                      <a:tailEnd type="none" w="med" len="med"/>
+                    </a:lnB>
+                    <a:solidFill>
+                      <a:srgbClr val="A96702"/>
+                    </a:solidFill>
+                  </a:tcPr>
+                </a:tc>
+              </a:tr>
+              <a:tr h="986934">
+                <a:tc>
+                  <a:txBody>
+                    <a:bodyPr/>
+                    <a:lstStyle/>
+                    <a:p>
+                      <a:endParaRPr lang="es-ES" dirty="0">
+                        <a:solidFill>
+                          <a:srgbClr val="FFFFFF"/>
+                        </a:solidFill>
+                      </a:endParaRPr>
+                    </a:p>
+                  </a:txBody>
+                  <a:tcPr>
+                    <a:lnL w="12700" cap="flat" cmpd="sng" algn="ctr">
+                      <a:solidFill>
+                        <a:prstClr val="white"/>
+                      </a:solidFill>
+                      <a:prstDash val="solid"/>
+                      <a:round/>
+                      <a:headEnd type="none" w="med" len="med"/>
+                      <a:tailEnd type="none" w="med" len="med"/>
+                    </a:lnL>
+                    <a:lnR w="12700" cap="flat" cmpd="sng" algn="ctr">
+                      <a:solidFill>
+                        <a:prstClr val="white"/>
+                      </a:solidFill>
+                      <a:prstDash val="solid"/>
+                      <a:round/>
+                      <a:headEnd type="none" w="med" len="med"/>
+                      <a:tailEnd type="none" w="med" len="med"/>
+                    </a:lnR>
+                    <a:lnT w="12700" cap="flat" cmpd="sng" algn="ctr">
+                      <a:solidFill>
+                        <a:prstClr val="white"/>
+                      </a:solidFill>
+                      <a:prstDash val="solid"/>
+                      <a:round/>
+                      <a:headEnd type="none" w="med" len="med"/>
+                      <a:tailEnd type="none" w="med" len="med"/>
+                    </a:lnT>
+                    <a:lnB w="12700" cap="flat" cmpd="sng" algn="ctr">
+                      <a:solidFill>
+                        <a:prstClr val="white"/>
+                      </a:solidFill>
+                      <a:prstDash val="solid"/>
+                      <a:round/>
+                      <a:headEnd type="none" w="med" len="med"/>
+                      <a:tailEnd type="none" w="med" len="med"/>
+                    </a:lnB>
+                    <a:solidFill>
+                      <a:srgbClr val="D9D9D9"/>
+                    </a:solidFill>
+                  </a:tcPr>
+                </a:tc>
+                <a:tc>
+                  <a:txBody>
+                    <a:bodyPr/>
+                    <a:lstStyle/>
+                    <a:p>
+                      <a:endParaRPr lang="es-ES" dirty="0">
+                        <a:solidFill>
+                          <a:srgbClr val="FFFFFF"/>
+                        </a:solidFill>
+                      </a:endParaRPr>
+                    </a:p>
+                  </a:txBody>
+                  <a:tcPr>
+                    <a:lnL w="12700" cap="flat" cmpd="sng" algn="ctr">
+                      <a:solidFill>
+                        <a:prstClr val="white"/>
+                      </a:solidFill>
+                      <a:prstDash val="solid"/>
+                      <a:round/>
+                      <a:headEnd type="none" w="med" len="med"/>
+                      <a:tailEnd type="none" w="med" len="med"/>
+                    </a:lnL>
+                    <a:lnR w="12700" cap="flat" cmpd="sng" algn="ctr">
+                      <a:solidFill>
+                        <a:prstClr val="white"/>
+                      </a:solidFill>
+                      <a:prstDash val="solid"/>
+                      <a:round/>
+                      <a:headEnd type="none" w="med" len="med"/>
+                      <a:tailEnd type="none" w="med" len="med"/>
+                    </a:lnR>
+                    <a:lnT w="12700" cap="flat" cmpd="sng" algn="ctr">
+                      <a:solidFill>
+                        <a:prstClr val="white"/>
+                      </a:solidFill>
+                      <a:prstDash val="solid"/>
+                      <a:round/>
+                      <a:headEnd type="none" w="med" len="med"/>
+                      <a:tailEnd type="none" w="med" len="med"/>
+                    </a:lnT>
+                    <a:lnB w="12700" cap="flat" cmpd="sng" algn="ctr">
+                      <a:solidFill>
+                        <a:prstClr val="white"/>
+                      </a:solidFill>
+                      <a:prstDash val="solid"/>
+                      <a:round/>
+                      <a:headEnd type="none" w="med" len="med"/>
+                      <a:tailEnd type="none" w="med" len="med"/>
+                    </a:lnB>
+                    <a:solidFill>
+                      <a:srgbClr val="D9D9D9"/>
+                    </a:solidFill>
+                  </a:tcPr>
+                </a:tc>
+                <a:tc>
+                  <a:txBody>
+                    <a:bodyPr/>
+                    <a:lstStyle/>
+                    <a:p>
+                      <a:endParaRPr lang="es-ES" dirty="0">
+                        <a:solidFill>
+                          <a:srgbClr val="FFFFFF"/>
+                        </a:solidFill>
+                      </a:endParaRPr>
+                    </a:p>
+                  </a:txBody>
+                  <a:tcPr>
+                    <a:lnL w="12700" cap="flat" cmpd="sng" algn="ctr">
+                      <a:solidFill>
+                        <a:prstClr val="white"/>
+                      </a:solidFill>
+                      <a:prstDash val="solid"/>
+                      <a:round/>
+                      <a:headEnd type="none" w="med" len="med"/>
+                      <a:tailEnd type="none" w="med" len="med"/>
+                    </a:lnL>
+                    <a:lnR w="12700" cap="flat" cmpd="sng" algn="ctr">
+                      <a:solidFill>
+                        <a:prstClr val="white"/>
+                      </a:solidFill>
+                      <a:prstDash val="solid"/>
+                      <a:round/>
+                      <a:headEnd type="none" w="med" len="med"/>
+                      <a:tailEnd type="none" w="med" len="med"/>
+                    </a:lnR>
+                    <a:lnT w="12700" cap="flat" cmpd="sng" algn="ctr">
+                      <a:solidFill>
+                        <a:prstClr val="white"/>
+                      </a:solidFill>
+                      <a:prstDash val="solid"/>
+                      <a:round/>
+                      <a:headEnd type="none" w="med" len="med"/>
+                      <a:tailEnd type="none" w="med" len="med"/>
+                    </a:lnT>
+                    <a:lnB w="12700" cap="flat" cmpd="sng" algn="ctr">
+                      <a:solidFill>
+                        <a:prstClr val="white"/>
+                      </a:solidFill>
+                      <a:prstDash val="solid"/>
+                      <a:round/>
+                      <a:headEnd type="none" w="med" len="med"/>
+                      <a:tailEnd type="none" w="med" len="med"/>
+                    </a:lnB>
+                    <a:solidFill>
+                      <a:srgbClr val="D9D9D9"/>
+                    </a:solidFill>
+                  </a:tcPr>
+                </a:tc>
+                <a:tc>
+                  <a:txBody>
+                    <a:bodyPr/>
+                    <a:lstStyle/>
+                    <a:p>
+                      <a:r>
+                        <a:rPr lang="es-ES" dirty="0" smtClean="0">
+                          <a:solidFill>
+                            <a:srgbClr val="FFFFFF"/>
+                          </a:solidFill>
+                        </a:rPr>
+                        <a:t>1</a:t>
+                      </a:r>
+                      <a:endParaRPr lang="es-ES" dirty="0">
+                        <a:solidFill>
+                          <a:srgbClr val="FFFFFF"/>
+                        </a:solidFill>
+                      </a:endParaRPr>
+                    </a:p>
+                  </a:txBody>
+                  <a:tcPr>
+                    <a:lnL w="12700" cap="flat" cmpd="sng" algn="ctr">
+                      <a:solidFill>
+                        <a:prstClr val="white"/>
+                      </a:solidFill>
+                      <a:prstDash val="solid"/>
+                      <a:round/>
+                      <a:headEnd type="none" w="med" len="med"/>
+                      <a:tailEnd type="none" w="med" len="med"/>
+                    </a:lnL>
+                    <a:lnR w="12700" cap="flat" cmpd="sng" algn="ctr">
+                      <a:solidFill>
+                        <a:prstClr val="white"/>
+                      </a:solidFill>
+                      <a:prstDash val="solid"/>
+                      <a:round/>
+                      <a:headEnd type="none" w="med" len="med"/>
+                      <a:tailEnd type="none" w="med" len="med"/>
+                    </a:lnR>
+                    <a:lnT w="12700" cap="flat" cmpd="sng" algn="ctr">
+                      <a:solidFill>
+                        <a:prstClr val="white"/>
+                      </a:solidFill>
+                      <a:prstDash val="solid"/>
+                      <a:round/>
+                      <a:headEnd type="none" w="med" len="med"/>
+                      <a:tailEnd type="none" w="med" len="med"/>
+                    </a:lnT>
+                    <a:lnB w="12700" cap="flat" cmpd="sng" algn="ctr">
+                      <a:solidFill>
+                        <a:prstClr val="white"/>
+                      </a:solidFill>
+                      <a:prstDash val="solid"/>
+                      <a:round/>
+                      <a:headEnd type="none" w="med" len="med"/>
+                      <a:tailEnd type="none" w="med" len="med"/>
+                    </a:lnB>
+                    <a:solidFill>
+                      <a:srgbClr val="F4CB87"/>
+                    </a:solidFill>
+                  </a:tcPr>
+                </a:tc>
+                <a:tc>
+                  <a:txBody>
+                    <a:bodyPr/>
+                    <a:lstStyle/>
+                    <a:p>
+                      <a:r>
+                        <a:rPr lang="es-ES" dirty="0" smtClean="0">
+                          <a:solidFill>
+                            <a:srgbClr val="FFFFFF"/>
+                          </a:solidFill>
+                        </a:rPr>
+                        <a:t>2</a:t>
+                      </a:r>
+                      <a:endParaRPr lang="es-ES" dirty="0">
+                        <a:solidFill>
+                          <a:srgbClr val="FFFFFF"/>
+                        </a:solidFill>
+                      </a:endParaRPr>
+                    </a:p>
+                  </a:txBody>
+                  <a:tcPr>
+                    <a:lnL w="12700" cap="flat" cmpd="sng" algn="ctr">
+                      <a:solidFill>
+                        <a:prstClr val="white"/>
+                      </a:solidFill>
+                      <a:prstDash val="solid"/>
+                      <a:round/>
+                      <a:headEnd type="none" w="med" len="med"/>
+                      <a:tailEnd type="none" w="med" len="med"/>
+                    </a:lnL>
+                    <a:lnR w="12700" cap="flat" cmpd="sng" algn="ctr">
+                      <a:solidFill>
+                        <a:prstClr val="white"/>
+                      </a:solidFill>
+                      <a:prstDash val="solid"/>
+                      <a:round/>
+                      <a:headEnd type="none" w="med" len="med"/>
+                      <a:tailEnd type="none" w="med" len="med"/>
+                    </a:lnR>
+                    <a:lnT w="12700" cap="flat" cmpd="sng" algn="ctr">
+                      <a:solidFill>
+                        <a:prstClr val="white"/>
+                      </a:solidFill>
+                      <a:prstDash val="solid"/>
+                      <a:round/>
+                      <a:headEnd type="none" w="med" len="med"/>
+                      <a:tailEnd type="none" w="med" len="med"/>
+                    </a:lnT>
+                    <a:lnB w="12700" cap="flat" cmpd="sng" algn="ctr">
+                      <a:solidFill>
+                        <a:prstClr val="white"/>
+                      </a:solidFill>
+                      <a:prstDash val="solid"/>
+                      <a:round/>
+                      <a:headEnd type="none" w="med" len="med"/>
+                      <a:tailEnd type="none" w="med" len="med"/>
+                    </a:lnB>
+                    <a:solidFill>
+                      <a:srgbClr val="F4CB87"/>
+                    </a:solidFill>
+                  </a:tcPr>
+                </a:tc>
+                <a:tc>
+                  <a:txBody>
+                    <a:bodyPr/>
+                    <a:lstStyle/>
+                    <a:p>
+                      <a:r>
+                        <a:rPr lang="es-ES" dirty="0" smtClean="0">
+                          <a:solidFill>
+                            <a:schemeClr val="bg1"/>
+                          </a:solidFill>
+                        </a:rPr>
+                        <a:t>3</a:t>
+                      </a:r>
+                    </a:p>
+                    <a:p>
+                      <a:r>
+                        <a:rPr lang="es-ES" dirty="0" smtClean="0">
+                          <a:solidFill>
+                            <a:schemeClr val="bg1"/>
+                          </a:solidFill>
+                        </a:rPr>
+                        <a:t>Clase 9</a:t>
+                      </a:r>
+                      <a:endParaRPr lang="es-ES" dirty="0">
+                        <a:solidFill>
+                          <a:schemeClr val="bg1"/>
+                        </a:solidFill>
+                      </a:endParaRPr>
+                    </a:p>
+                  </a:txBody>
+                  <a:tcPr>
+                    <a:lnL w="12700" cap="flat" cmpd="sng" algn="ctr">
+                      <a:solidFill>
+                        <a:prstClr val="white"/>
+                      </a:solidFill>
+                      <a:prstDash val="solid"/>
+                      <a:round/>
+                      <a:headEnd type="none" w="med" len="med"/>
+                      <a:tailEnd type="none" w="med" len="med"/>
+                    </a:lnL>
+                    <a:lnR w="12700" cap="flat" cmpd="sng" algn="ctr">
+                      <a:solidFill>
+                        <a:prstClr val="white"/>
+                      </a:solidFill>
+                      <a:prstDash val="solid"/>
+                      <a:round/>
+                      <a:headEnd type="none" w="med" len="med"/>
+                      <a:tailEnd type="none" w="med" len="med"/>
+                    </a:lnR>
+                    <a:lnT w="12700" cap="flat" cmpd="sng" algn="ctr">
+                      <a:solidFill>
+                        <a:prstClr val="white"/>
+                      </a:solidFill>
+                      <a:prstDash val="solid"/>
+                      <a:round/>
+                      <a:headEnd type="none" w="med" len="med"/>
+                      <a:tailEnd type="none" w="med" len="med"/>
+                    </a:lnT>
+                    <a:lnB w="12700" cap="flat" cmpd="sng" algn="ctr">
+                      <a:solidFill>
+                        <a:prstClr val="white"/>
+                      </a:solidFill>
+                      <a:prstDash val="solid"/>
+                      <a:round/>
+                      <a:headEnd type="none" w="med" len="med"/>
+                      <a:tailEnd type="none" w="med" len="med"/>
+                    </a:lnB>
+                    <a:solidFill>
+                      <a:srgbClr val="F39200"/>
+                    </a:solidFill>
+                  </a:tcPr>
+                </a:tc>
+                <a:tc>
+                  <a:txBody>
+                    <a:bodyPr/>
+                    <a:lstStyle/>
+                    <a:p>
+                      <a:r>
+                        <a:rPr lang="es-ES" dirty="0" smtClean="0">
+                          <a:solidFill>
+                            <a:srgbClr val="FFFFFF"/>
+                          </a:solidFill>
+                        </a:rPr>
+                        <a:t>4</a:t>
+                      </a:r>
+                      <a:endParaRPr lang="es-ES" dirty="0">
+                        <a:solidFill>
+                          <a:srgbClr val="FFFFFF"/>
+                        </a:solidFill>
+                      </a:endParaRPr>
+                    </a:p>
+                  </a:txBody>
+                  <a:tcPr>
+                    <a:lnL w="12700" cap="flat" cmpd="sng" algn="ctr">
+                      <a:solidFill>
+                        <a:prstClr val="white"/>
+                      </a:solidFill>
+                      <a:prstDash val="solid"/>
+                      <a:round/>
+                      <a:headEnd type="none" w="med" len="med"/>
+                      <a:tailEnd type="none" w="med" len="med"/>
+                    </a:lnL>
+                    <a:lnR w="12700" cap="flat" cmpd="sng" algn="ctr">
+                      <a:solidFill>
+                        <a:prstClr val="white"/>
+                      </a:solidFill>
+                      <a:prstDash val="solid"/>
+                      <a:round/>
+                      <a:headEnd type="none" w="med" len="med"/>
+                      <a:tailEnd type="none" w="med" len="med"/>
+                    </a:lnR>
+                    <a:lnT w="12700" cap="flat" cmpd="sng" algn="ctr">
+                      <a:solidFill>
+                        <a:prstClr val="white"/>
+                      </a:solidFill>
+                      <a:prstDash val="solid"/>
+                      <a:round/>
+                      <a:headEnd type="none" w="med" len="med"/>
+                      <a:tailEnd type="none" w="med" len="med"/>
+                    </a:lnT>
+                    <a:lnB w="12700" cap="flat" cmpd="sng" algn="ctr">
+                      <a:solidFill>
+                        <a:prstClr val="white"/>
+                      </a:solidFill>
+                      <a:prstDash val="solid"/>
+                      <a:round/>
+                      <a:headEnd type="none" w="med" len="med"/>
+                      <a:tailEnd type="none" w="med" len="med"/>
+                    </a:lnB>
+                    <a:solidFill>
+                      <a:srgbClr val="F4CB87"/>
+                    </a:solidFill>
+                  </a:tcPr>
+                </a:tc>
+              </a:tr>
+              <a:tr h="986934">
+                <a:tc>
+                  <a:txBody>
+                    <a:bodyPr/>
+                    <a:lstStyle/>
+                    <a:p>
+                      <a:r>
+                        <a:rPr lang="es-ES" dirty="0" smtClean="0">
+                          <a:solidFill>
+                            <a:srgbClr val="FFFFFF"/>
+                          </a:solidFill>
+                        </a:rPr>
+                        <a:t>5</a:t>
+                      </a:r>
+                      <a:endParaRPr lang="es-ES" dirty="0">
+                        <a:solidFill>
+                          <a:srgbClr val="FFFFFF"/>
+                        </a:solidFill>
+                      </a:endParaRPr>
+                    </a:p>
+                  </a:txBody>
+                  <a:tcPr>
+                    <a:lnL w="12700" cap="flat" cmpd="sng" algn="ctr">
+                      <a:solidFill>
+                        <a:prstClr val="white"/>
+                      </a:solidFill>
+                      <a:prstDash val="solid"/>
+                      <a:round/>
+                      <a:headEnd type="none" w="med" len="med"/>
+                      <a:tailEnd type="none" w="med" len="med"/>
+                    </a:lnL>
+                    <a:lnR w="12700" cap="flat" cmpd="sng" algn="ctr">
+                      <a:solidFill>
+                        <a:prstClr val="white"/>
+                      </a:solidFill>
+                      <a:prstDash val="solid"/>
+                      <a:round/>
+                      <a:headEnd type="none" w="med" len="med"/>
+                      <a:tailEnd type="none" w="med" len="med"/>
+                    </a:lnR>
+                    <a:lnT w="12700" cap="flat" cmpd="sng" algn="ctr">
+                      <a:solidFill>
+                        <a:prstClr val="white"/>
+                      </a:solidFill>
+                      <a:prstDash val="solid"/>
+                      <a:round/>
+                      <a:headEnd type="none" w="med" len="med"/>
+                      <a:tailEnd type="none" w="med" len="med"/>
+                    </a:lnT>
+                    <a:lnB w="12700" cap="flat" cmpd="sng" algn="ctr">
+                      <a:solidFill>
+                        <a:prstClr val="white"/>
+                      </a:solidFill>
+                      <a:prstDash val="solid"/>
+                      <a:round/>
+                      <a:headEnd type="none" w="med" len="med"/>
+                      <a:tailEnd type="none" w="med" len="med"/>
+                    </a:lnB>
+                    <a:solidFill>
+                      <a:srgbClr val="F4CB87"/>
+                    </a:solidFill>
+                  </a:tcPr>
+                </a:tc>
+                <a:tc>
+                  <a:txBody>
+                    <a:bodyPr/>
+                    <a:lstStyle/>
+                    <a:p>
+                      <a:r>
+                        <a:rPr lang="es-ES" dirty="0" smtClean="0">
+                          <a:solidFill>
+                            <a:srgbClr val="FFFFFF"/>
+                          </a:solidFill>
+                        </a:rPr>
+                        <a:t>6</a:t>
+                      </a:r>
+                      <a:endParaRPr lang="es-ES" dirty="0">
+                        <a:solidFill>
+                          <a:srgbClr val="FFFFFF"/>
+                        </a:solidFill>
+                      </a:endParaRPr>
+                    </a:p>
+                  </a:txBody>
+                  <a:tcPr>
+                    <a:lnL w="12700" cap="flat" cmpd="sng" algn="ctr">
+                      <a:solidFill>
+                        <a:prstClr val="white"/>
+                      </a:solidFill>
+                      <a:prstDash val="solid"/>
+                      <a:round/>
+                      <a:headEnd type="none" w="med" len="med"/>
+                      <a:tailEnd type="none" w="med" len="med"/>
+                    </a:lnL>
+                    <a:lnR w="12700" cap="flat" cmpd="sng" algn="ctr">
+                      <a:solidFill>
+                        <a:prstClr val="white"/>
+                      </a:solidFill>
+                      <a:prstDash val="solid"/>
+                      <a:round/>
+                      <a:headEnd type="none" w="med" len="med"/>
+                      <a:tailEnd type="none" w="med" len="med"/>
+                    </a:lnR>
+                    <a:lnT w="12700" cap="flat" cmpd="sng" algn="ctr">
+                      <a:solidFill>
+                        <a:prstClr val="white"/>
+                      </a:solidFill>
+                      <a:prstDash val="solid"/>
+                      <a:round/>
+                      <a:headEnd type="none" w="med" len="med"/>
+                      <a:tailEnd type="none" w="med" len="med"/>
+                    </a:lnT>
+                    <a:lnB w="12700" cap="flat" cmpd="sng" algn="ctr">
+                      <a:solidFill>
+                        <a:prstClr val="white"/>
+                      </a:solidFill>
+                      <a:prstDash val="solid"/>
+                      <a:round/>
+                      <a:headEnd type="none" w="med" len="med"/>
+                      <a:tailEnd type="none" w="med" len="med"/>
+                    </a:lnB>
+                    <a:solidFill>
+                      <a:srgbClr val="F4CB87"/>
+                    </a:solidFill>
+                  </a:tcPr>
+                </a:tc>
+                <a:tc>
+                  <a:txBody>
+                    <a:bodyPr/>
+                    <a:lstStyle/>
+                    <a:p>
+                      <a:r>
+                        <a:rPr lang="es-ES" dirty="0" smtClean="0">
+                          <a:solidFill>
+                            <a:srgbClr val="FFFFFF"/>
+                          </a:solidFill>
+                        </a:rPr>
+                        <a:t>7</a:t>
+                      </a:r>
+                      <a:endParaRPr lang="es-ES" dirty="0">
+                        <a:solidFill>
+                          <a:srgbClr val="FFFFFF"/>
+                        </a:solidFill>
+                      </a:endParaRPr>
+                    </a:p>
+                  </a:txBody>
+                  <a:tcPr>
+                    <a:lnL w="12700" cap="flat" cmpd="sng" algn="ctr">
+                      <a:solidFill>
+                        <a:prstClr val="white"/>
+                      </a:solidFill>
+                      <a:prstDash val="solid"/>
+                      <a:round/>
+                      <a:headEnd type="none" w="med" len="med"/>
+                      <a:tailEnd type="none" w="med" len="med"/>
+                    </a:lnL>
+                    <a:lnR w="12700" cap="flat" cmpd="sng" algn="ctr">
+                      <a:solidFill>
+                        <a:prstClr val="white"/>
+                      </a:solidFill>
+                      <a:prstDash val="solid"/>
+                      <a:round/>
+                      <a:headEnd type="none" w="med" len="med"/>
+                      <a:tailEnd type="none" w="med" len="med"/>
+                    </a:lnR>
+                    <a:lnT w="12700" cap="flat" cmpd="sng" algn="ctr">
+                      <a:solidFill>
+                        <a:prstClr val="white"/>
+                      </a:solidFill>
+                      <a:prstDash val="solid"/>
+                      <a:round/>
+                      <a:headEnd type="none" w="med" len="med"/>
+                      <a:tailEnd type="none" w="med" len="med"/>
+                    </a:lnT>
+                    <a:lnB w="12700" cap="flat" cmpd="sng" algn="ctr">
+                      <a:solidFill>
+                        <a:prstClr val="white"/>
+                      </a:solidFill>
+                      <a:prstDash val="solid"/>
+                      <a:round/>
+                      <a:headEnd type="none" w="med" len="med"/>
+                      <a:tailEnd type="none" w="med" len="med"/>
+                    </a:lnB>
+                    <a:solidFill>
+                      <a:srgbClr val="F4CB87"/>
+                    </a:solidFill>
+                  </a:tcPr>
+                </a:tc>
+                <a:tc>
+                  <a:txBody>
+                    <a:bodyPr/>
+                    <a:lstStyle/>
+                    <a:p>
+                      <a:r>
+                        <a:rPr lang="es-ES" dirty="0" smtClean="0">
+                          <a:solidFill>
+                            <a:srgbClr val="FFFFFF"/>
+                          </a:solidFill>
+                        </a:rPr>
+                        <a:t>8</a:t>
+                      </a:r>
+                      <a:endParaRPr lang="es-ES" dirty="0">
+                        <a:solidFill>
+                          <a:srgbClr val="FFFFFF"/>
+                        </a:solidFill>
+                      </a:endParaRPr>
+                    </a:p>
+                  </a:txBody>
+                  <a:tcPr>
+                    <a:lnL w="12700" cap="flat" cmpd="sng" algn="ctr">
+                      <a:solidFill>
+                        <a:prstClr val="white"/>
+                      </a:solidFill>
+                      <a:prstDash val="solid"/>
+                      <a:round/>
+                      <a:headEnd type="none" w="med" len="med"/>
+                      <a:tailEnd type="none" w="med" len="med"/>
+                    </a:lnL>
+                    <a:lnR w="12700" cap="flat" cmpd="sng" algn="ctr">
+                      <a:solidFill>
+                        <a:prstClr val="white"/>
+                      </a:solidFill>
+                      <a:prstDash val="solid"/>
+                      <a:round/>
+                      <a:headEnd type="none" w="med" len="med"/>
+                      <a:tailEnd type="none" w="med" len="med"/>
+                    </a:lnR>
+                    <a:lnT w="12700" cap="flat" cmpd="sng" algn="ctr">
+                      <a:solidFill>
+                        <a:prstClr val="white"/>
+                      </a:solidFill>
+                      <a:prstDash val="solid"/>
+                      <a:round/>
+                      <a:headEnd type="none" w="med" len="med"/>
+                      <a:tailEnd type="none" w="med" len="med"/>
+                    </a:lnT>
+                    <a:lnB w="12700" cap="flat" cmpd="sng" algn="ctr">
+                      <a:solidFill>
+                        <a:prstClr val="white"/>
+                      </a:solidFill>
+                      <a:prstDash val="solid"/>
+                      <a:round/>
+                      <a:headEnd type="none" w="med" len="med"/>
+                      <a:tailEnd type="none" w="med" len="med"/>
+                    </a:lnB>
+                    <a:solidFill>
+                      <a:srgbClr val="F4CB87"/>
+                    </a:solidFill>
+                  </a:tcPr>
+                </a:tc>
+                <a:tc>
+                  <a:txBody>
+                    <a:bodyPr/>
+                    <a:lstStyle/>
+                    <a:p>
+                      <a:r>
+                        <a:rPr lang="es-ES" dirty="0" smtClean="0">
+                          <a:solidFill>
+                            <a:srgbClr val="FFFFFF"/>
+                          </a:solidFill>
+                        </a:rPr>
+                        <a:t>9</a:t>
+                      </a:r>
+                      <a:endParaRPr lang="es-ES" dirty="0">
+                        <a:solidFill>
+                          <a:srgbClr val="FFFFFF"/>
+                        </a:solidFill>
+                      </a:endParaRPr>
+                    </a:p>
+                  </a:txBody>
+                  <a:tcPr>
+                    <a:lnL w="12700" cap="flat" cmpd="sng" algn="ctr">
+                      <a:solidFill>
+                        <a:prstClr val="white"/>
+                      </a:solidFill>
+                      <a:prstDash val="solid"/>
+                      <a:round/>
+                      <a:headEnd type="none" w="med" len="med"/>
+                      <a:tailEnd type="none" w="med" len="med"/>
+                    </a:lnL>
+                    <a:lnR w="12700" cap="flat" cmpd="sng" algn="ctr">
+                      <a:solidFill>
+                        <a:prstClr val="white"/>
+                      </a:solidFill>
+                      <a:prstDash val="solid"/>
+                      <a:round/>
+                      <a:headEnd type="none" w="med" len="med"/>
+                      <a:tailEnd type="none" w="med" len="med"/>
+                    </a:lnR>
+                    <a:lnT w="12700" cap="flat" cmpd="sng" algn="ctr">
+                      <a:solidFill>
+                        <a:prstClr val="white"/>
+                      </a:solidFill>
+                      <a:prstDash val="solid"/>
+                      <a:round/>
+                      <a:headEnd type="none" w="med" len="med"/>
+                      <a:tailEnd type="none" w="med" len="med"/>
+                    </a:lnT>
+                    <a:lnB w="12700" cap="flat" cmpd="sng" algn="ctr">
+                      <a:solidFill>
+                        <a:prstClr val="white"/>
+                      </a:solidFill>
+                      <a:prstDash val="solid"/>
+                      <a:round/>
+                      <a:headEnd type="none" w="med" len="med"/>
+                      <a:tailEnd type="none" w="med" len="med"/>
+                    </a:lnB>
+                    <a:solidFill>
+                      <a:srgbClr val="F4CB87"/>
+                    </a:solidFill>
+                  </a:tcPr>
+                </a:tc>
+                <a:tc>
+                  <a:txBody>
+                    <a:bodyPr/>
+                    <a:lstStyle/>
+                    <a:p>
+                      <a:r>
+                        <a:rPr lang="es-ES" dirty="0" smtClean="0">
+                          <a:solidFill>
+                            <a:schemeClr val="bg1"/>
+                          </a:solidFill>
+                        </a:rPr>
+                        <a:t>10</a:t>
+                      </a:r>
+                    </a:p>
+                    <a:p>
+                      <a:r>
+                        <a:rPr lang="es-ES" dirty="0" smtClean="0">
+                          <a:solidFill>
+                            <a:schemeClr val="bg1"/>
+                          </a:solidFill>
+                        </a:rPr>
+                        <a:t>Clase</a:t>
+                      </a:r>
+                      <a:r>
+                        <a:rPr lang="es-ES" baseline="0" dirty="0" smtClean="0">
+                          <a:solidFill>
+                            <a:schemeClr val="bg1"/>
+                          </a:solidFill>
+                        </a:rPr>
+                        <a:t> 10</a:t>
+                      </a:r>
+                      <a:endParaRPr lang="es-ES" dirty="0" smtClean="0">
+                        <a:solidFill>
+                          <a:schemeClr val="bg1"/>
+                        </a:solidFill>
+                      </a:endParaRPr>
+                    </a:p>
+                    <a:p>
+                      <a:endParaRPr lang="es-ES" dirty="0">
+                        <a:solidFill>
+                          <a:schemeClr val="bg1"/>
+                        </a:solidFill>
+                      </a:endParaRPr>
+                    </a:p>
+                  </a:txBody>
+                  <a:tcPr>
+                    <a:lnL w="12700" cap="flat" cmpd="sng" algn="ctr">
+                      <a:solidFill>
+                        <a:prstClr val="white"/>
+                      </a:solidFill>
+                      <a:prstDash val="solid"/>
+                      <a:round/>
+                      <a:headEnd type="none" w="med" len="med"/>
+                      <a:tailEnd type="none" w="med" len="med"/>
+                    </a:lnL>
+                    <a:lnR w="12700" cap="flat" cmpd="sng" algn="ctr">
+                      <a:solidFill>
+                        <a:prstClr val="white"/>
+                      </a:solidFill>
+                      <a:prstDash val="solid"/>
+                      <a:round/>
+                      <a:headEnd type="none" w="med" len="med"/>
+                      <a:tailEnd type="none" w="med" len="med"/>
+                    </a:lnR>
+                    <a:lnT w="12700" cap="flat" cmpd="sng" algn="ctr">
+                      <a:solidFill>
+                        <a:prstClr val="white"/>
+                      </a:solidFill>
+                      <a:prstDash val="solid"/>
+                      <a:round/>
+                      <a:headEnd type="none" w="med" len="med"/>
+                      <a:tailEnd type="none" w="med" len="med"/>
+                    </a:lnT>
+                    <a:lnB w="12700" cap="flat" cmpd="sng" algn="ctr">
+                      <a:solidFill>
+                        <a:prstClr val="white"/>
+                      </a:solidFill>
+                      <a:prstDash val="solid"/>
+                      <a:round/>
+                      <a:headEnd type="none" w="med" len="med"/>
+                      <a:tailEnd type="none" w="med" len="med"/>
+                    </a:lnB>
+                    <a:solidFill>
+                      <a:srgbClr val="F39200"/>
+                    </a:solidFill>
+                  </a:tcPr>
+                </a:tc>
+                <a:tc>
+                  <a:txBody>
+                    <a:bodyPr/>
+                    <a:lstStyle/>
+                    <a:p>
+                      <a:r>
+                        <a:rPr lang="es-ES" dirty="0" smtClean="0">
+                          <a:solidFill>
+                            <a:srgbClr val="FFFFFF"/>
+                          </a:solidFill>
+                        </a:rPr>
+                        <a:t>11</a:t>
+                      </a:r>
+                      <a:endParaRPr lang="es-ES" dirty="0">
+                        <a:solidFill>
+                          <a:srgbClr val="FFFFFF"/>
+                        </a:solidFill>
+                      </a:endParaRPr>
+                    </a:p>
+                  </a:txBody>
+                  <a:tcPr>
+                    <a:lnL w="12700" cap="flat" cmpd="sng" algn="ctr">
+                      <a:solidFill>
+                        <a:prstClr val="white"/>
+                      </a:solidFill>
+                      <a:prstDash val="solid"/>
+                      <a:round/>
+                      <a:headEnd type="none" w="med" len="med"/>
+                      <a:tailEnd type="none" w="med" len="med"/>
+                    </a:lnL>
+                    <a:lnR w="12700" cap="flat" cmpd="sng" algn="ctr">
+                      <a:solidFill>
+                        <a:prstClr val="white"/>
+                      </a:solidFill>
+                      <a:prstDash val="solid"/>
+                      <a:round/>
+                      <a:headEnd type="none" w="med" len="med"/>
+                      <a:tailEnd type="none" w="med" len="med"/>
+                    </a:lnR>
+                    <a:lnT w="12700" cap="flat" cmpd="sng" algn="ctr">
+                      <a:solidFill>
+                        <a:prstClr val="white"/>
+                      </a:solidFill>
+                      <a:prstDash val="solid"/>
+                      <a:round/>
+                      <a:headEnd type="none" w="med" len="med"/>
+                      <a:tailEnd type="none" w="med" len="med"/>
+                    </a:lnT>
+                    <a:lnB w="12700" cap="flat" cmpd="sng" algn="ctr">
+                      <a:solidFill>
+                        <a:prstClr val="white"/>
+                      </a:solidFill>
+                      <a:prstDash val="solid"/>
+                      <a:round/>
+                      <a:headEnd type="none" w="med" len="med"/>
+                      <a:tailEnd type="none" w="med" len="med"/>
+                    </a:lnB>
+                    <a:solidFill>
+                      <a:srgbClr val="F4CB87"/>
+                    </a:solidFill>
+                  </a:tcPr>
+                </a:tc>
+              </a:tr>
+              <a:tr h="986934">
+                <a:tc>
+                  <a:txBody>
+                    <a:bodyPr/>
+                    <a:lstStyle/>
+                    <a:p>
+                      <a:r>
+                        <a:rPr lang="es-ES" dirty="0" smtClean="0">
+                          <a:solidFill>
+                            <a:srgbClr val="FFFFFF"/>
+                          </a:solidFill>
+                        </a:rPr>
+                        <a:t>12</a:t>
+                      </a:r>
+                      <a:endParaRPr lang="es-ES" dirty="0">
+                        <a:solidFill>
+                          <a:srgbClr val="FFFFFF"/>
+                        </a:solidFill>
+                      </a:endParaRPr>
+                    </a:p>
+                  </a:txBody>
+                  <a:tcPr>
+                    <a:lnL w="12700" cap="flat" cmpd="sng" algn="ctr">
+                      <a:solidFill>
+                        <a:prstClr val="white"/>
+                      </a:solidFill>
+                      <a:prstDash val="solid"/>
+                      <a:round/>
+                      <a:headEnd type="none" w="med" len="med"/>
+                      <a:tailEnd type="none" w="med" len="med"/>
+                    </a:lnL>
+                    <a:lnR w="12700" cap="flat" cmpd="sng" algn="ctr">
+                      <a:solidFill>
+                        <a:prstClr val="white"/>
+                      </a:solidFill>
+                      <a:prstDash val="solid"/>
+                      <a:round/>
+                      <a:headEnd type="none" w="med" len="med"/>
+                      <a:tailEnd type="none" w="med" len="med"/>
+                    </a:lnR>
+                    <a:lnT w="12700" cap="flat" cmpd="sng" algn="ctr">
+                      <a:solidFill>
+                        <a:prstClr val="white"/>
+                      </a:solidFill>
+                      <a:prstDash val="solid"/>
+                      <a:round/>
+                      <a:headEnd type="none" w="med" len="med"/>
+                      <a:tailEnd type="none" w="med" len="med"/>
+                    </a:lnT>
+                    <a:lnB w="12700" cap="flat" cmpd="sng" algn="ctr">
+                      <a:solidFill>
+                        <a:prstClr val="white"/>
+                      </a:solidFill>
+                      <a:prstDash val="solid"/>
+                      <a:round/>
+                      <a:headEnd type="none" w="med" len="med"/>
+                      <a:tailEnd type="none" w="med" len="med"/>
+                    </a:lnB>
+                    <a:solidFill>
+                      <a:srgbClr val="F4CB87"/>
+                    </a:solidFill>
+                  </a:tcPr>
+                </a:tc>
+                <a:tc>
+                  <a:txBody>
+                    <a:bodyPr/>
+                    <a:lstStyle/>
+                    <a:p>
+                      <a:r>
+                        <a:rPr lang="es-ES" dirty="0" smtClean="0">
+                          <a:solidFill>
+                            <a:srgbClr val="FFFFFF"/>
+                          </a:solidFill>
+                        </a:rPr>
+                        <a:t>13</a:t>
+                      </a:r>
+                      <a:endParaRPr lang="es-ES" dirty="0">
+                        <a:solidFill>
+                          <a:srgbClr val="FFFFFF"/>
+                        </a:solidFill>
+                      </a:endParaRPr>
+                    </a:p>
+                  </a:txBody>
+                  <a:tcPr>
+                    <a:lnL w="12700" cap="flat" cmpd="sng" algn="ctr">
+                      <a:solidFill>
+                        <a:prstClr val="white"/>
+                      </a:solidFill>
+                      <a:prstDash val="solid"/>
+                      <a:round/>
+                      <a:headEnd type="none" w="med" len="med"/>
+                      <a:tailEnd type="none" w="med" len="med"/>
+                    </a:lnL>
+                    <a:lnR w="12700" cap="flat" cmpd="sng" algn="ctr">
+                      <a:solidFill>
+                        <a:prstClr val="white"/>
+                      </a:solidFill>
+                      <a:prstDash val="solid"/>
+                      <a:round/>
+                      <a:headEnd type="none" w="med" len="med"/>
+                      <a:tailEnd type="none" w="med" len="med"/>
+                    </a:lnR>
+                    <a:lnT w="12700" cap="flat" cmpd="sng" algn="ctr">
+                      <a:solidFill>
+                        <a:prstClr val="white"/>
+                      </a:solidFill>
+                      <a:prstDash val="solid"/>
+                      <a:round/>
+                      <a:headEnd type="none" w="med" len="med"/>
+                      <a:tailEnd type="none" w="med" len="med"/>
+                    </a:lnT>
+                    <a:lnB w="12700" cap="flat" cmpd="sng" algn="ctr">
+                      <a:solidFill>
+                        <a:prstClr val="white"/>
+                      </a:solidFill>
+                      <a:prstDash val="solid"/>
+                      <a:round/>
+                      <a:headEnd type="none" w="med" len="med"/>
+                      <a:tailEnd type="none" w="med" len="med"/>
+                    </a:lnB>
+                    <a:solidFill>
+                      <a:srgbClr val="F4CB87"/>
+                    </a:solidFill>
+                  </a:tcPr>
+                </a:tc>
+                <a:tc>
+                  <a:txBody>
+                    <a:bodyPr/>
+                    <a:lstStyle/>
+                    <a:p>
+                      <a:r>
+                        <a:rPr lang="es-ES" dirty="0" smtClean="0">
+                          <a:solidFill>
+                            <a:srgbClr val="FFFFFF"/>
+                          </a:solidFill>
+                        </a:rPr>
+                        <a:t>14</a:t>
+                      </a:r>
+                      <a:endParaRPr lang="es-ES" dirty="0">
+                        <a:solidFill>
+                          <a:srgbClr val="FFFFFF"/>
+                        </a:solidFill>
+                      </a:endParaRPr>
+                    </a:p>
+                  </a:txBody>
+                  <a:tcPr>
+                    <a:lnL w="12700" cap="flat" cmpd="sng" algn="ctr">
+                      <a:solidFill>
+                        <a:prstClr val="white"/>
+                      </a:solidFill>
+                      <a:prstDash val="solid"/>
+                      <a:round/>
+                      <a:headEnd type="none" w="med" len="med"/>
+                      <a:tailEnd type="none" w="med" len="med"/>
+                    </a:lnL>
+                    <a:lnR w="12700" cap="flat" cmpd="sng" algn="ctr">
+                      <a:solidFill>
+                        <a:prstClr val="white"/>
+                      </a:solidFill>
+                      <a:prstDash val="solid"/>
+                      <a:round/>
+                      <a:headEnd type="none" w="med" len="med"/>
+                      <a:tailEnd type="none" w="med" len="med"/>
+                    </a:lnR>
+                    <a:lnT w="12700" cap="flat" cmpd="sng" algn="ctr">
+                      <a:solidFill>
+                        <a:prstClr val="white"/>
+                      </a:solidFill>
+                      <a:prstDash val="solid"/>
+                      <a:round/>
+                      <a:headEnd type="none" w="med" len="med"/>
+                      <a:tailEnd type="none" w="med" len="med"/>
+                    </a:lnT>
+                    <a:lnB w="12700" cap="flat" cmpd="sng" algn="ctr">
+                      <a:solidFill>
+                        <a:prstClr val="white"/>
+                      </a:solidFill>
+                      <a:prstDash val="solid"/>
+                      <a:round/>
+                      <a:headEnd type="none" w="med" len="med"/>
+                      <a:tailEnd type="none" w="med" len="med"/>
+                    </a:lnB>
+                    <a:solidFill>
+                      <a:srgbClr val="F4CB87"/>
+                    </a:solidFill>
+                  </a:tcPr>
+                </a:tc>
+                <a:tc>
+                  <a:txBody>
+                    <a:bodyPr/>
+                    <a:lstStyle/>
+                    <a:p>
+                      <a:r>
+                        <a:rPr lang="es-ES" dirty="0" smtClean="0">
+                          <a:solidFill>
+                            <a:srgbClr val="FFFFFF"/>
+                          </a:solidFill>
+                        </a:rPr>
+                        <a:t>15</a:t>
+                      </a:r>
+                      <a:endParaRPr lang="es-ES" dirty="0">
+                        <a:solidFill>
+                          <a:srgbClr val="FFFFFF"/>
+                        </a:solidFill>
+                      </a:endParaRPr>
+                    </a:p>
+                  </a:txBody>
+                  <a:tcPr>
+                    <a:lnL w="12700" cap="flat" cmpd="sng" algn="ctr">
+                      <a:solidFill>
+                        <a:prstClr val="white"/>
+                      </a:solidFill>
+                      <a:prstDash val="solid"/>
+                      <a:round/>
+                      <a:headEnd type="none" w="med" len="med"/>
+                      <a:tailEnd type="none" w="med" len="med"/>
+                    </a:lnL>
+                    <a:lnR w="12700" cap="flat" cmpd="sng" algn="ctr">
+                      <a:solidFill>
+                        <a:prstClr val="white"/>
+                      </a:solidFill>
+                      <a:prstDash val="solid"/>
+                      <a:round/>
+                      <a:headEnd type="none" w="med" len="med"/>
+                      <a:tailEnd type="none" w="med" len="med"/>
+                    </a:lnR>
+                    <a:lnT w="12700" cap="flat" cmpd="sng" algn="ctr">
+                      <a:solidFill>
+                        <a:prstClr val="white"/>
+                      </a:solidFill>
+                      <a:prstDash val="solid"/>
+                      <a:round/>
+                      <a:headEnd type="none" w="med" len="med"/>
+                      <a:tailEnd type="none" w="med" len="med"/>
+                    </a:lnT>
+                    <a:lnB w="12700" cap="flat" cmpd="sng" algn="ctr">
+                      <a:solidFill>
+                        <a:prstClr val="white"/>
+                      </a:solidFill>
+                      <a:prstDash val="solid"/>
+                      <a:round/>
+                      <a:headEnd type="none" w="med" len="med"/>
+                      <a:tailEnd type="none" w="med" len="med"/>
+                    </a:lnB>
+                    <a:solidFill>
+                      <a:srgbClr val="F4CB87"/>
+                    </a:solidFill>
+                  </a:tcPr>
+                </a:tc>
+                <a:tc>
+                  <a:txBody>
+                    <a:bodyPr/>
+                    <a:lstStyle/>
+                    <a:p>
+                      <a:r>
+                        <a:rPr lang="es-ES" dirty="0" smtClean="0">
+                          <a:solidFill>
+                            <a:srgbClr val="FFFFFF"/>
+                          </a:solidFill>
+                        </a:rPr>
+                        <a:t>16</a:t>
+                      </a:r>
+                      <a:endParaRPr lang="es-ES" dirty="0">
+                        <a:solidFill>
+                          <a:srgbClr val="FFFFFF"/>
+                        </a:solidFill>
+                      </a:endParaRPr>
+                    </a:p>
+                  </a:txBody>
+                  <a:tcPr>
+                    <a:lnL w="12700" cap="flat" cmpd="sng" algn="ctr">
+                      <a:solidFill>
+                        <a:prstClr val="white"/>
+                      </a:solidFill>
+                      <a:prstDash val="solid"/>
+                      <a:round/>
+                      <a:headEnd type="none" w="med" len="med"/>
+                      <a:tailEnd type="none" w="med" len="med"/>
+                    </a:lnL>
+                    <a:lnR w="12700" cap="flat" cmpd="sng" algn="ctr">
+                      <a:solidFill>
+                        <a:prstClr val="white"/>
+                      </a:solidFill>
+                      <a:prstDash val="solid"/>
+                      <a:round/>
+                      <a:headEnd type="none" w="med" len="med"/>
+                      <a:tailEnd type="none" w="med" len="med"/>
+                    </a:lnR>
+                    <a:lnT w="12700" cap="flat" cmpd="sng" algn="ctr">
+                      <a:solidFill>
+                        <a:prstClr val="white"/>
+                      </a:solidFill>
+                      <a:prstDash val="solid"/>
+                      <a:round/>
+                      <a:headEnd type="none" w="med" len="med"/>
+                      <a:tailEnd type="none" w="med" len="med"/>
+                    </a:lnT>
+                    <a:lnB w="12700" cap="flat" cmpd="sng" algn="ctr">
+                      <a:solidFill>
+                        <a:prstClr val="white"/>
+                      </a:solidFill>
+                      <a:prstDash val="solid"/>
+                      <a:round/>
+                      <a:headEnd type="none" w="med" len="med"/>
+                      <a:tailEnd type="none" w="med" len="med"/>
+                    </a:lnB>
+                    <a:solidFill>
+                      <a:srgbClr val="F4CB87"/>
+                    </a:solidFill>
+                  </a:tcPr>
+                </a:tc>
+                <a:tc>
+                  <a:txBody>
+                    <a:bodyPr/>
+                    <a:lstStyle/>
+                    <a:p>
+                      <a:r>
+                        <a:rPr lang="es-ES" dirty="0" smtClean="0">
+                          <a:solidFill>
+                            <a:schemeClr val="bg1"/>
+                          </a:solidFill>
+                        </a:rPr>
+                        <a:t>17</a:t>
+                      </a:r>
+                    </a:p>
+                    <a:p>
+                      <a:r>
+                        <a:rPr lang="es-ES" dirty="0" smtClean="0">
+                          <a:solidFill>
+                            <a:schemeClr val="bg1"/>
+                          </a:solidFill>
+                        </a:rPr>
+                        <a:t>Paseo</a:t>
+                      </a:r>
+                      <a:r>
+                        <a:rPr lang="es-ES" baseline="0" dirty="0" smtClean="0">
+                          <a:solidFill>
+                            <a:schemeClr val="bg1"/>
+                          </a:solidFill>
+                        </a:rPr>
+                        <a:t> final semestre</a:t>
+                      </a:r>
+                      <a:endParaRPr lang="es-ES" dirty="0">
+                        <a:solidFill>
+                          <a:schemeClr val="bg1"/>
+                        </a:solidFill>
+                      </a:endParaRPr>
+                    </a:p>
+                  </a:txBody>
+                  <a:tcPr>
+                    <a:lnL w="12700" cap="flat" cmpd="sng" algn="ctr">
+                      <a:solidFill>
+                        <a:prstClr val="white"/>
+                      </a:solidFill>
+                      <a:prstDash val="solid"/>
+                      <a:round/>
+                      <a:headEnd type="none" w="med" len="med"/>
+                      <a:tailEnd type="none" w="med" len="med"/>
+                    </a:lnL>
+                    <a:lnR w="12700" cap="flat" cmpd="sng" algn="ctr">
+                      <a:solidFill>
+                        <a:prstClr val="white"/>
+                      </a:solidFill>
+                      <a:prstDash val="solid"/>
+                      <a:round/>
+                      <a:headEnd type="none" w="med" len="med"/>
+                      <a:tailEnd type="none" w="med" len="med"/>
+                    </a:lnR>
+                    <a:lnT w="12700" cap="flat" cmpd="sng" algn="ctr">
+                      <a:solidFill>
+                        <a:prstClr val="white"/>
+                      </a:solidFill>
+                      <a:prstDash val="solid"/>
+                      <a:round/>
+                      <a:headEnd type="none" w="med" len="med"/>
+                      <a:tailEnd type="none" w="med" len="med"/>
+                    </a:lnT>
+                    <a:lnB w="12700" cap="flat" cmpd="sng" algn="ctr">
+                      <a:solidFill>
+                        <a:prstClr val="white"/>
+                      </a:solidFill>
+                      <a:prstDash val="solid"/>
+                      <a:round/>
+                      <a:headEnd type="none" w="med" len="med"/>
+                      <a:tailEnd type="none" w="med" len="med"/>
+                    </a:lnB>
+                    <a:solidFill>
+                      <a:srgbClr val="F39200"/>
+                    </a:solidFill>
+                  </a:tcPr>
+                </a:tc>
+                <a:tc>
+                  <a:txBody>
+                    <a:bodyPr/>
+                    <a:lstStyle/>
+                    <a:p>
+                      <a:r>
+                        <a:rPr lang="es-ES" dirty="0" smtClean="0">
+                          <a:solidFill>
+                            <a:srgbClr val="FFFFFF"/>
+                          </a:solidFill>
+                        </a:rPr>
+                        <a:t>18</a:t>
+                      </a:r>
+                      <a:endParaRPr lang="es-ES" dirty="0">
+                        <a:solidFill>
+                          <a:srgbClr val="FFFFFF"/>
+                        </a:solidFill>
+                      </a:endParaRPr>
+                    </a:p>
+                  </a:txBody>
+                  <a:tcPr>
+                    <a:lnL w="12700" cap="flat" cmpd="sng" algn="ctr">
+                      <a:solidFill>
+                        <a:prstClr val="white"/>
+                      </a:solidFill>
+                      <a:prstDash val="solid"/>
+                      <a:round/>
+                      <a:headEnd type="none" w="med" len="med"/>
+                      <a:tailEnd type="none" w="med" len="med"/>
+                    </a:lnL>
+                    <a:lnR w="12700" cap="flat" cmpd="sng" algn="ctr">
+                      <a:solidFill>
+                        <a:prstClr val="white"/>
+                      </a:solidFill>
+                      <a:prstDash val="solid"/>
+                      <a:round/>
+                      <a:headEnd type="none" w="med" len="med"/>
+                      <a:tailEnd type="none" w="med" len="med"/>
+                    </a:lnR>
+                    <a:lnT w="12700" cap="flat" cmpd="sng" algn="ctr">
+                      <a:solidFill>
+                        <a:prstClr val="white"/>
+                      </a:solidFill>
+                      <a:prstDash val="solid"/>
+                      <a:round/>
+                      <a:headEnd type="none" w="med" len="med"/>
+                      <a:tailEnd type="none" w="med" len="med"/>
+                    </a:lnT>
+                    <a:lnB w="12700" cap="flat" cmpd="sng" algn="ctr">
+                      <a:solidFill>
+                        <a:prstClr val="white"/>
+                      </a:solidFill>
+                      <a:prstDash val="solid"/>
+                      <a:round/>
+                      <a:headEnd type="none" w="med" len="med"/>
+                      <a:tailEnd type="none" w="med" len="med"/>
+                    </a:lnB>
+                    <a:solidFill>
+                      <a:srgbClr val="F4CB87"/>
+                    </a:solidFill>
+                  </a:tcPr>
+                </a:tc>
+              </a:tr>
+              <a:tr h="986934">
+                <a:tc>
+                  <a:txBody>
+                    <a:bodyPr/>
+                    <a:lstStyle/>
+                    <a:p>
+                      <a:r>
+                        <a:rPr lang="es-ES" dirty="0" smtClean="0">
+                          <a:solidFill>
+                            <a:srgbClr val="FFFFFF"/>
+                          </a:solidFill>
+                        </a:rPr>
+                        <a:t>19</a:t>
+                      </a:r>
+                      <a:endParaRPr lang="es-ES" dirty="0">
+                        <a:solidFill>
+                          <a:srgbClr val="FFFFFF"/>
+                        </a:solidFill>
+                      </a:endParaRPr>
+                    </a:p>
+                  </a:txBody>
+                  <a:tcPr>
+                    <a:lnL w="12700" cap="flat" cmpd="sng" algn="ctr">
+                      <a:solidFill>
+                        <a:prstClr val="white"/>
+                      </a:solidFill>
+                      <a:prstDash val="solid"/>
+                      <a:round/>
+                      <a:headEnd type="none" w="med" len="med"/>
+                      <a:tailEnd type="none" w="med" len="med"/>
+                    </a:lnL>
+                    <a:lnR w="12700" cap="flat" cmpd="sng" algn="ctr">
+                      <a:solidFill>
+                        <a:prstClr val="white"/>
+                      </a:solidFill>
+                      <a:prstDash val="solid"/>
+                      <a:round/>
+                      <a:headEnd type="none" w="med" len="med"/>
+                      <a:tailEnd type="none" w="med" len="med"/>
+                    </a:lnR>
+                    <a:lnT w="12700" cap="flat" cmpd="sng" algn="ctr">
+                      <a:solidFill>
+                        <a:prstClr val="white"/>
+                      </a:solidFill>
+                      <a:prstDash val="solid"/>
+                      <a:round/>
+                      <a:headEnd type="none" w="med" len="med"/>
+                      <a:tailEnd type="none" w="med" len="med"/>
+                    </a:lnT>
+                    <a:lnB w="12700" cap="flat" cmpd="sng" algn="ctr">
+                      <a:solidFill>
+                        <a:prstClr val="white"/>
+                      </a:solidFill>
+                      <a:prstDash val="solid"/>
+                      <a:round/>
+                      <a:headEnd type="none" w="med" len="med"/>
+                      <a:tailEnd type="none" w="med" len="med"/>
+                    </a:lnB>
+                    <a:solidFill>
+                      <a:srgbClr val="F4CB87"/>
+                    </a:solidFill>
+                  </a:tcPr>
+                </a:tc>
+                <a:tc>
+                  <a:txBody>
+                    <a:bodyPr/>
+                    <a:lstStyle/>
+                    <a:p>
+                      <a:r>
+                        <a:rPr lang="es-ES" dirty="0" smtClean="0">
+                          <a:solidFill>
+                            <a:srgbClr val="FFFFFF"/>
+                          </a:solidFill>
+                        </a:rPr>
+                        <a:t>20</a:t>
+                      </a:r>
+                      <a:endParaRPr lang="es-ES" dirty="0">
+                        <a:solidFill>
+                          <a:srgbClr val="FFFFFF"/>
+                        </a:solidFill>
+                      </a:endParaRPr>
+                    </a:p>
+                  </a:txBody>
+                  <a:tcPr>
+                    <a:lnL w="12700" cap="flat" cmpd="sng" algn="ctr">
+                      <a:solidFill>
+                        <a:prstClr val="white"/>
+                      </a:solidFill>
+                      <a:prstDash val="solid"/>
+                      <a:round/>
+                      <a:headEnd type="none" w="med" len="med"/>
+                      <a:tailEnd type="none" w="med" len="med"/>
+                    </a:lnL>
+                    <a:lnR w="12700" cap="flat" cmpd="sng" algn="ctr">
+                      <a:solidFill>
+                        <a:prstClr val="white"/>
+                      </a:solidFill>
+                      <a:prstDash val="solid"/>
+                      <a:round/>
+                      <a:headEnd type="none" w="med" len="med"/>
+                      <a:tailEnd type="none" w="med" len="med"/>
+                    </a:lnR>
+                    <a:lnT w="12700" cap="flat" cmpd="sng" algn="ctr">
+                      <a:solidFill>
+                        <a:prstClr val="white"/>
+                      </a:solidFill>
+                      <a:prstDash val="solid"/>
+                      <a:round/>
+                      <a:headEnd type="none" w="med" len="med"/>
+                      <a:tailEnd type="none" w="med" len="med"/>
+                    </a:lnT>
+                    <a:lnB w="12700" cap="flat" cmpd="sng" algn="ctr">
+                      <a:solidFill>
+                        <a:prstClr val="white"/>
+                      </a:solidFill>
+                      <a:prstDash val="solid"/>
+                      <a:round/>
+                      <a:headEnd type="none" w="med" len="med"/>
+                      <a:tailEnd type="none" w="med" len="med"/>
+                    </a:lnB>
+                    <a:solidFill>
+                      <a:srgbClr val="F4CB87"/>
+                    </a:solidFill>
+                  </a:tcPr>
+                </a:tc>
+                <a:tc>
+                  <a:txBody>
+                    <a:bodyPr/>
+                    <a:lstStyle/>
+                    <a:p>
+                      <a:r>
+                        <a:rPr lang="es-ES" dirty="0" smtClean="0">
+                          <a:solidFill>
+                            <a:srgbClr val="FFFFFF"/>
+                          </a:solidFill>
+                        </a:rPr>
+                        <a:t>21</a:t>
+                      </a:r>
+                      <a:endParaRPr lang="es-ES" dirty="0">
+                        <a:solidFill>
+                          <a:srgbClr val="FFFFFF"/>
+                        </a:solidFill>
+                      </a:endParaRPr>
+                    </a:p>
+                  </a:txBody>
+                  <a:tcPr>
+                    <a:lnL w="12700" cap="flat" cmpd="sng" algn="ctr">
+                      <a:solidFill>
+                        <a:prstClr val="white"/>
+                      </a:solidFill>
+                      <a:prstDash val="solid"/>
+                      <a:round/>
+                      <a:headEnd type="none" w="med" len="med"/>
+                      <a:tailEnd type="none" w="med" len="med"/>
+                    </a:lnL>
+                    <a:lnR w="12700" cap="flat" cmpd="sng" algn="ctr">
+                      <a:solidFill>
+                        <a:prstClr val="white"/>
+                      </a:solidFill>
+                      <a:prstDash val="solid"/>
+                      <a:round/>
+                      <a:headEnd type="none" w="med" len="med"/>
+                      <a:tailEnd type="none" w="med" len="med"/>
+                    </a:lnR>
+                    <a:lnT w="12700" cap="flat" cmpd="sng" algn="ctr">
+                      <a:solidFill>
+                        <a:prstClr val="white"/>
+                      </a:solidFill>
+                      <a:prstDash val="solid"/>
+                      <a:round/>
+                      <a:headEnd type="none" w="med" len="med"/>
+                      <a:tailEnd type="none" w="med" len="med"/>
+                    </a:lnT>
+                    <a:lnB w="12700" cap="flat" cmpd="sng" algn="ctr">
+                      <a:solidFill>
+                        <a:prstClr val="white"/>
+                      </a:solidFill>
+                      <a:prstDash val="solid"/>
+                      <a:round/>
+                      <a:headEnd type="none" w="med" len="med"/>
+                      <a:tailEnd type="none" w="med" len="med"/>
+                    </a:lnB>
+                    <a:solidFill>
+                      <a:srgbClr val="F4CB87"/>
+                    </a:solidFill>
+                  </a:tcPr>
+                </a:tc>
+                <a:tc>
+                  <a:txBody>
+                    <a:bodyPr/>
+                    <a:lstStyle/>
+                    <a:p>
+                      <a:r>
+                        <a:rPr lang="es-ES" dirty="0" smtClean="0">
+                          <a:solidFill>
+                            <a:srgbClr val="FFFFFF"/>
+                          </a:solidFill>
+                        </a:rPr>
+                        <a:t>22</a:t>
+                      </a:r>
+                      <a:endParaRPr lang="es-ES" dirty="0">
+                        <a:solidFill>
+                          <a:srgbClr val="FFFFFF"/>
+                        </a:solidFill>
+                      </a:endParaRPr>
+                    </a:p>
+                  </a:txBody>
+                  <a:tcPr>
+                    <a:lnL w="12700" cap="flat" cmpd="sng" algn="ctr">
+                      <a:solidFill>
+                        <a:prstClr val="white"/>
+                      </a:solidFill>
+                      <a:prstDash val="solid"/>
+                      <a:round/>
+                      <a:headEnd type="none" w="med" len="med"/>
+                      <a:tailEnd type="none" w="med" len="med"/>
+                    </a:lnL>
+                    <a:lnR w="12700" cap="flat" cmpd="sng" algn="ctr">
+                      <a:solidFill>
+                        <a:prstClr val="white"/>
+                      </a:solidFill>
+                      <a:prstDash val="solid"/>
+                      <a:round/>
+                      <a:headEnd type="none" w="med" len="med"/>
+                      <a:tailEnd type="none" w="med" len="med"/>
+                    </a:lnR>
+                    <a:lnT w="12700" cap="flat" cmpd="sng" algn="ctr">
+                      <a:solidFill>
+                        <a:prstClr val="white"/>
+                      </a:solidFill>
+                      <a:prstDash val="solid"/>
+                      <a:round/>
+                      <a:headEnd type="none" w="med" len="med"/>
+                      <a:tailEnd type="none" w="med" len="med"/>
+                    </a:lnT>
+                    <a:lnB w="12700" cap="flat" cmpd="sng" algn="ctr">
+                      <a:solidFill>
+                        <a:prstClr val="white"/>
+                      </a:solidFill>
+                      <a:prstDash val="solid"/>
+                      <a:round/>
+                      <a:headEnd type="none" w="med" len="med"/>
+                      <a:tailEnd type="none" w="med" len="med"/>
+                    </a:lnB>
+                    <a:solidFill>
+                      <a:srgbClr val="F4CB87"/>
+                    </a:solidFill>
+                  </a:tcPr>
+                </a:tc>
+                <a:tc>
+                  <a:txBody>
+                    <a:bodyPr/>
+                    <a:lstStyle/>
+                    <a:p>
+                      <a:r>
+                        <a:rPr lang="es-ES" dirty="0" smtClean="0">
+                          <a:solidFill>
+                            <a:srgbClr val="FFFFFF"/>
+                          </a:solidFill>
+                        </a:rPr>
+                        <a:t>23</a:t>
+                      </a:r>
+                      <a:endParaRPr lang="es-ES" dirty="0">
+                        <a:solidFill>
+                          <a:srgbClr val="FFFFFF"/>
+                        </a:solidFill>
+                      </a:endParaRPr>
+                    </a:p>
+                  </a:txBody>
+                  <a:tcPr>
+                    <a:lnL w="12700" cap="flat" cmpd="sng" algn="ctr">
+                      <a:solidFill>
+                        <a:prstClr val="white"/>
+                      </a:solidFill>
+                      <a:prstDash val="solid"/>
+                      <a:round/>
+                      <a:headEnd type="none" w="med" len="med"/>
+                      <a:tailEnd type="none" w="med" len="med"/>
+                    </a:lnL>
+                    <a:lnR w="12700" cap="flat" cmpd="sng" algn="ctr">
+                      <a:solidFill>
+                        <a:prstClr val="white"/>
+                      </a:solidFill>
+                      <a:prstDash val="solid"/>
+                      <a:round/>
+                      <a:headEnd type="none" w="med" len="med"/>
+                      <a:tailEnd type="none" w="med" len="med"/>
+                    </a:lnR>
+                    <a:lnT w="12700" cap="flat" cmpd="sng" algn="ctr">
+                      <a:solidFill>
+                        <a:prstClr val="white"/>
+                      </a:solidFill>
+                      <a:prstDash val="solid"/>
+                      <a:round/>
+                      <a:headEnd type="none" w="med" len="med"/>
+                      <a:tailEnd type="none" w="med" len="med"/>
+                    </a:lnT>
+                    <a:lnB w="12700" cap="flat" cmpd="sng" algn="ctr">
+                      <a:solidFill>
+                        <a:prstClr val="white"/>
+                      </a:solidFill>
+                      <a:prstDash val="solid"/>
+                      <a:round/>
+                      <a:headEnd type="none" w="med" len="med"/>
+                      <a:tailEnd type="none" w="med" len="med"/>
+                    </a:lnB>
+                    <a:solidFill>
+                      <a:srgbClr val="F4CB87"/>
+                    </a:solidFill>
+                  </a:tcPr>
+                </a:tc>
+                <a:tc>
+                  <a:txBody>
+                    <a:bodyPr/>
+                    <a:lstStyle/>
+                    <a:p>
+                      <a:r>
+                        <a:rPr lang="es-ES" dirty="0" smtClean="0">
+                          <a:solidFill>
+                            <a:schemeClr val="bg1"/>
+                          </a:solidFill>
+                        </a:rPr>
+                        <a:t>24</a:t>
+                      </a:r>
+                      <a:endParaRPr lang="es-ES" dirty="0">
+                        <a:solidFill>
+                          <a:schemeClr val="bg1"/>
+                        </a:solidFill>
+                      </a:endParaRPr>
+                    </a:p>
+                  </a:txBody>
+                  <a:tcPr>
+                    <a:lnL w="12700" cap="flat" cmpd="sng" algn="ctr">
+                      <a:solidFill>
+                        <a:prstClr val="white"/>
+                      </a:solidFill>
+                      <a:prstDash val="solid"/>
+                      <a:round/>
+                      <a:headEnd type="none" w="med" len="med"/>
+                      <a:tailEnd type="none" w="med" len="med"/>
+                    </a:lnL>
+                    <a:lnR w="12700" cap="flat" cmpd="sng" algn="ctr">
+                      <a:solidFill>
+                        <a:prstClr val="white"/>
+                      </a:solidFill>
+                      <a:prstDash val="solid"/>
+                      <a:round/>
+                      <a:headEnd type="none" w="med" len="med"/>
+                      <a:tailEnd type="none" w="med" len="med"/>
+                    </a:lnR>
+                    <a:lnT w="12700" cap="flat" cmpd="sng" algn="ctr">
+                      <a:solidFill>
+                        <a:prstClr val="white"/>
+                      </a:solidFill>
+                      <a:prstDash val="solid"/>
+                      <a:round/>
+                      <a:headEnd type="none" w="med" len="med"/>
+                      <a:tailEnd type="none" w="med" len="med"/>
+                    </a:lnT>
+                    <a:lnB w="12700" cap="flat" cmpd="sng" algn="ctr">
+                      <a:solidFill>
+                        <a:prstClr val="white"/>
+                      </a:solidFill>
+                      <a:prstDash val="solid"/>
+                      <a:round/>
+                      <a:headEnd type="none" w="med" len="med"/>
+                      <a:tailEnd type="none" w="med" len="med"/>
+                    </a:lnB>
+                    <a:solidFill>
+                      <a:srgbClr val="F4CB87"/>
+                    </a:solidFill>
+                  </a:tcPr>
+                </a:tc>
+                <a:tc>
+                  <a:txBody>
+                    <a:bodyPr/>
+                    <a:lstStyle/>
+                    <a:p>
+                      <a:r>
+                        <a:rPr lang="es-ES" dirty="0" smtClean="0">
+                          <a:solidFill>
+                            <a:srgbClr val="FFFFFF"/>
+                          </a:solidFill>
+                        </a:rPr>
+                        <a:t>25</a:t>
+                      </a:r>
+                      <a:endParaRPr lang="es-ES" dirty="0">
+                        <a:solidFill>
+                          <a:srgbClr val="FFFFFF"/>
+                        </a:solidFill>
+                      </a:endParaRPr>
+                    </a:p>
+                  </a:txBody>
+                  <a:tcPr>
+                    <a:lnL w="12700" cap="flat" cmpd="sng" algn="ctr">
+                      <a:solidFill>
+                        <a:prstClr val="white"/>
+                      </a:solidFill>
+                      <a:prstDash val="solid"/>
+                      <a:round/>
+                      <a:headEnd type="none" w="med" len="med"/>
+                      <a:tailEnd type="none" w="med" len="med"/>
+                    </a:lnL>
+                    <a:lnR w="12700" cap="flat" cmpd="sng" algn="ctr">
+                      <a:solidFill>
+                        <a:prstClr val="white"/>
+                      </a:solidFill>
+                      <a:prstDash val="solid"/>
+                      <a:round/>
+                      <a:headEnd type="none" w="med" len="med"/>
+                      <a:tailEnd type="none" w="med" len="med"/>
+                    </a:lnR>
+                    <a:lnT w="12700" cap="flat" cmpd="sng" algn="ctr">
+                      <a:solidFill>
+                        <a:prstClr val="white"/>
+                      </a:solidFill>
+                      <a:prstDash val="solid"/>
+                      <a:round/>
+                      <a:headEnd type="none" w="med" len="med"/>
+                      <a:tailEnd type="none" w="med" len="med"/>
+                    </a:lnT>
+                    <a:lnB w="12700" cap="flat" cmpd="sng" algn="ctr">
+                      <a:solidFill>
+                        <a:prstClr val="white"/>
+                      </a:solidFill>
+                      <a:prstDash val="solid"/>
+                      <a:round/>
+                      <a:headEnd type="none" w="med" len="med"/>
+                      <a:tailEnd type="none" w="med" len="med"/>
+                    </a:lnB>
+                    <a:solidFill>
+                      <a:srgbClr val="F4CB87"/>
+                    </a:solidFill>
+                  </a:tcPr>
+                </a:tc>
+              </a:tr>
+              <a:tr h="986934">
+                <a:tc>
+                  <a:txBody>
+                    <a:bodyPr/>
+                    <a:lstStyle/>
+                    <a:p>
+                      <a:r>
+                        <a:rPr lang="es-ES" dirty="0" smtClean="0">
+                          <a:solidFill>
+                            <a:srgbClr val="FFFFFF"/>
+                          </a:solidFill>
+                        </a:rPr>
+                        <a:t>26</a:t>
+                      </a:r>
+                      <a:endParaRPr lang="es-ES" dirty="0">
+                        <a:solidFill>
+                          <a:srgbClr val="FFFFFF"/>
+                        </a:solidFill>
+                      </a:endParaRPr>
+                    </a:p>
+                  </a:txBody>
+                  <a:tcPr>
+                    <a:lnL w="12700" cap="flat" cmpd="sng" algn="ctr">
+                      <a:solidFill>
+                        <a:prstClr val="white"/>
+                      </a:solidFill>
+                      <a:prstDash val="solid"/>
+                      <a:round/>
+                      <a:headEnd type="none" w="med" len="med"/>
+                      <a:tailEnd type="none" w="med" len="med"/>
+                    </a:lnL>
+                    <a:lnR w="12700" cap="flat" cmpd="sng" algn="ctr">
+                      <a:solidFill>
+                        <a:prstClr val="white"/>
+                      </a:solidFill>
+                      <a:prstDash val="solid"/>
+                      <a:round/>
+                      <a:headEnd type="none" w="med" len="med"/>
+                      <a:tailEnd type="none" w="med" len="med"/>
+                    </a:lnR>
+                    <a:lnT w="12700" cap="flat" cmpd="sng" algn="ctr">
+                      <a:solidFill>
+                        <a:prstClr val="white"/>
+                      </a:solidFill>
+                      <a:prstDash val="solid"/>
+                      <a:round/>
+                      <a:headEnd type="none" w="med" len="med"/>
+                      <a:tailEnd type="none" w="med" len="med"/>
+                    </a:lnT>
+                    <a:lnB w="12700" cap="flat" cmpd="sng" algn="ctr">
+                      <a:solidFill>
+                        <a:prstClr val="white"/>
+                      </a:solidFill>
+                      <a:prstDash val="solid"/>
+                      <a:round/>
+                      <a:headEnd type="none" w="med" len="med"/>
+                      <a:tailEnd type="none" w="med" len="med"/>
+                    </a:lnB>
+                    <a:solidFill>
+                      <a:srgbClr val="F4CB87"/>
+                    </a:solidFill>
+                  </a:tcPr>
+                </a:tc>
+                <a:tc>
+                  <a:txBody>
+                    <a:bodyPr/>
+                    <a:lstStyle/>
+                    <a:p>
+                      <a:r>
+                        <a:rPr lang="es-ES" dirty="0" smtClean="0">
+                          <a:solidFill>
+                            <a:srgbClr val="FFFFFF"/>
+                          </a:solidFill>
+                        </a:rPr>
+                        <a:t>27</a:t>
+                      </a:r>
+                      <a:endParaRPr lang="es-ES" dirty="0">
+                        <a:solidFill>
+                          <a:srgbClr val="FFFFFF"/>
+                        </a:solidFill>
+                      </a:endParaRPr>
+                    </a:p>
+                  </a:txBody>
+                  <a:tcPr>
+                    <a:lnL w="12700" cap="flat" cmpd="sng" algn="ctr">
+                      <a:solidFill>
+                        <a:prstClr val="white"/>
+                      </a:solidFill>
+                      <a:prstDash val="solid"/>
+                      <a:round/>
+                      <a:headEnd type="none" w="med" len="med"/>
+                      <a:tailEnd type="none" w="med" len="med"/>
+                    </a:lnL>
+                    <a:lnR w="12700" cap="flat" cmpd="sng" algn="ctr">
+                      <a:solidFill>
+                        <a:prstClr val="white"/>
+                      </a:solidFill>
+                      <a:prstDash val="solid"/>
+                      <a:round/>
+                      <a:headEnd type="none" w="med" len="med"/>
+                      <a:tailEnd type="none" w="med" len="med"/>
+                    </a:lnR>
+                    <a:lnT w="12700" cap="flat" cmpd="sng" algn="ctr">
+                      <a:solidFill>
+                        <a:prstClr val="white"/>
+                      </a:solidFill>
+                      <a:prstDash val="solid"/>
+                      <a:round/>
+                      <a:headEnd type="none" w="med" len="med"/>
+                      <a:tailEnd type="none" w="med" len="med"/>
+                    </a:lnT>
+                    <a:lnB w="12700" cap="flat" cmpd="sng" algn="ctr">
+                      <a:solidFill>
+                        <a:prstClr val="white"/>
+                      </a:solidFill>
+                      <a:prstDash val="solid"/>
+                      <a:round/>
+                      <a:headEnd type="none" w="med" len="med"/>
+                      <a:tailEnd type="none" w="med" len="med"/>
+                    </a:lnB>
+                    <a:solidFill>
+                      <a:srgbClr val="F4CB87"/>
+                    </a:solidFill>
+                  </a:tcPr>
+                </a:tc>
+                <a:tc>
+                  <a:txBody>
+                    <a:bodyPr/>
+                    <a:lstStyle/>
+                    <a:p>
+                      <a:r>
+                        <a:rPr lang="es-ES" dirty="0" smtClean="0">
+                          <a:solidFill>
+                            <a:srgbClr val="FFFFFF"/>
+                          </a:solidFill>
+                        </a:rPr>
+                        <a:t>28</a:t>
+                      </a:r>
+                      <a:endParaRPr lang="es-ES" dirty="0">
+                        <a:solidFill>
+                          <a:srgbClr val="FFFFFF"/>
+                        </a:solidFill>
+                      </a:endParaRPr>
+                    </a:p>
+                  </a:txBody>
+                  <a:tcPr>
+                    <a:lnL w="12700" cap="flat" cmpd="sng" algn="ctr">
+                      <a:solidFill>
+                        <a:prstClr val="white"/>
+                      </a:solidFill>
+                      <a:prstDash val="solid"/>
+                      <a:round/>
+                      <a:headEnd type="none" w="med" len="med"/>
+                      <a:tailEnd type="none" w="med" len="med"/>
+                    </a:lnL>
+                    <a:lnR w="12700" cap="flat" cmpd="sng" algn="ctr">
+                      <a:solidFill>
+                        <a:prstClr val="white"/>
+                      </a:solidFill>
+                      <a:prstDash val="solid"/>
+                      <a:round/>
+                      <a:headEnd type="none" w="med" len="med"/>
+                      <a:tailEnd type="none" w="med" len="med"/>
+                    </a:lnR>
+                    <a:lnT w="12700" cap="flat" cmpd="sng" algn="ctr">
+                      <a:solidFill>
+                        <a:prstClr val="white"/>
+                      </a:solidFill>
+                      <a:prstDash val="solid"/>
+                      <a:round/>
+                      <a:headEnd type="none" w="med" len="med"/>
+                      <a:tailEnd type="none" w="med" len="med"/>
+                    </a:lnT>
+                    <a:lnB w="12700" cap="flat" cmpd="sng" algn="ctr">
+                      <a:solidFill>
+                        <a:prstClr val="white"/>
+                      </a:solidFill>
+                      <a:prstDash val="solid"/>
+                      <a:round/>
+                      <a:headEnd type="none" w="med" len="med"/>
+                      <a:tailEnd type="none" w="med" len="med"/>
+                    </a:lnB>
+                    <a:solidFill>
+                      <a:srgbClr val="F4CB87"/>
+                    </a:solidFill>
+                  </a:tcPr>
+                </a:tc>
+                <a:tc>
+                  <a:txBody>
+                    <a:bodyPr/>
+                    <a:lstStyle/>
+                    <a:p>
+                      <a:r>
+                        <a:rPr lang="es-ES" dirty="0" smtClean="0">
+                          <a:solidFill>
+                            <a:srgbClr val="FFFFFF"/>
+                          </a:solidFill>
+                        </a:rPr>
+                        <a:t>29</a:t>
+                      </a:r>
+                      <a:endParaRPr lang="es-ES" dirty="0">
+                        <a:solidFill>
+                          <a:srgbClr val="FFFFFF"/>
+                        </a:solidFill>
+                      </a:endParaRPr>
+                    </a:p>
+                  </a:txBody>
+                  <a:tcPr>
+                    <a:lnL w="12700" cap="flat" cmpd="sng" algn="ctr">
+                      <a:solidFill>
+                        <a:prstClr val="white"/>
+                      </a:solidFill>
+                      <a:prstDash val="solid"/>
+                      <a:round/>
+                      <a:headEnd type="none" w="med" len="med"/>
+                      <a:tailEnd type="none" w="med" len="med"/>
+                    </a:lnL>
+                    <a:lnR w="12700" cap="flat" cmpd="sng" algn="ctr">
+                      <a:solidFill>
+                        <a:prstClr val="white"/>
+                      </a:solidFill>
+                      <a:prstDash val="solid"/>
+                      <a:round/>
+                      <a:headEnd type="none" w="med" len="med"/>
+                      <a:tailEnd type="none" w="med" len="med"/>
+                    </a:lnR>
+                    <a:lnT w="12700" cap="flat" cmpd="sng" algn="ctr">
+                      <a:solidFill>
+                        <a:prstClr val="white"/>
+                      </a:solidFill>
+                      <a:prstDash val="solid"/>
+                      <a:round/>
+                      <a:headEnd type="none" w="med" len="med"/>
+                      <a:tailEnd type="none" w="med" len="med"/>
+                    </a:lnT>
+                    <a:lnB w="12700" cap="flat" cmpd="sng" algn="ctr">
+                      <a:solidFill>
+                        <a:prstClr val="white"/>
+                      </a:solidFill>
+                      <a:prstDash val="solid"/>
+                      <a:round/>
+                      <a:headEnd type="none" w="med" len="med"/>
+                      <a:tailEnd type="none" w="med" len="med"/>
+                    </a:lnB>
+                    <a:solidFill>
+                      <a:srgbClr val="F4CB87"/>
+                    </a:solidFill>
+                  </a:tcPr>
+                </a:tc>
+                <a:tc>
+                  <a:txBody>
+                    <a:bodyPr/>
+                    <a:lstStyle/>
+                    <a:p>
+                      <a:r>
+                        <a:rPr lang="es-ES" dirty="0" smtClean="0">
+                          <a:solidFill>
+                            <a:srgbClr val="FFFFFF"/>
+                          </a:solidFill>
+                        </a:rPr>
+                        <a:t>39</a:t>
+                      </a:r>
+                      <a:endParaRPr lang="es-ES" dirty="0">
+                        <a:solidFill>
+                          <a:srgbClr val="FFFFFF"/>
+                        </a:solidFill>
+                      </a:endParaRPr>
+                    </a:p>
+                  </a:txBody>
+                  <a:tcPr>
+                    <a:lnL w="12700" cap="flat" cmpd="sng" algn="ctr">
+                      <a:solidFill>
+                        <a:prstClr val="white"/>
+                      </a:solidFill>
+                      <a:prstDash val="solid"/>
+                      <a:round/>
+                      <a:headEnd type="none" w="med" len="med"/>
+                      <a:tailEnd type="none" w="med" len="med"/>
+                    </a:lnL>
+                    <a:lnR w="12700" cap="flat" cmpd="sng" algn="ctr">
+                      <a:solidFill>
+                        <a:prstClr val="white"/>
+                      </a:solidFill>
+                      <a:prstDash val="solid"/>
+                      <a:round/>
+                      <a:headEnd type="none" w="med" len="med"/>
+                      <a:tailEnd type="none" w="med" len="med"/>
+                    </a:lnR>
+                    <a:lnT w="12700" cap="flat" cmpd="sng" algn="ctr">
+                      <a:solidFill>
+                        <a:prstClr val="white"/>
+                      </a:solidFill>
+                      <a:prstDash val="solid"/>
+                      <a:round/>
+                      <a:headEnd type="none" w="med" len="med"/>
+                      <a:tailEnd type="none" w="med" len="med"/>
+                    </a:lnT>
+                    <a:lnB w="12700" cap="flat" cmpd="sng" algn="ctr">
+                      <a:solidFill>
+                        <a:prstClr val="white"/>
+                      </a:solidFill>
+                      <a:prstDash val="solid"/>
+                      <a:round/>
+                      <a:headEnd type="none" w="med" len="med"/>
+                      <a:tailEnd type="none" w="med" len="med"/>
+                    </a:lnB>
+                    <a:solidFill>
+                      <a:srgbClr val="F4CB87"/>
+                    </a:solidFill>
+                  </a:tcPr>
+                </a:tc>
+                <a:tc>
+                  <a:txBody>
+                    <a:bodyPr/>
+                    <a:lstStyle/>
+                    <a:p>
+                      <a:endParaRPr lang="es-ES" dirty="0">
+                        <a:solidFill>
+                          <a:schemeClr val="bg1"/>
+                        </a:solidFill>
+                      </a:endParaRPr>
+                    </a:p>
+                  </a:txBody>
+                  <a:tcPr>
+                    <a:lnL w="12700" cap="flat" cmpd="sng" algn="ctr">
+                      <a:solidFill>
+                        <a:prstClr val="white"/>
+                      </a:solidFill>
+                      <a:prstDash val="solid"/>
+                      <a:round/>
+                      <a:headEnd type="none" w="med" len="med"/>
+                      <a:tailEnd type="none" w="med" len="med"/>
+                    </a:lnL>
+                    <a:lnR w="12700" cap="flat" cmpd="sng" algn="ctr">
+                      <a:solidFill>
+                        <a:prstClr val="white"/>
+                      </a:solidFill>
+                      <a:prstDash val="solid"/>
+                      <a:round/>
+                      <a:headEnd type="none" w="med" len="med"/>
+                      <a:tailEnd type="none" w="med" len="med"/>
+                    </a:lnR>
+                    <a:lnT w="12700" cap="flat" cmpd="sng" algn="ctr">
+                      <a:solidFill>
+                        <a:prstClr val="white"/>
+                      </a:solidFill>
+                      <a:prstDash val="solid"/>
+                      <a:round/>
+                      <a:headEnd type="none" w="med" len="med"/>
+                      <a:tailEnd type="none" w="med" len="med"/>
+                    </a:lnT>
+                    <a:lnB w="12700" cap="flat" cmpd="sng" algn="ctr">
+                      <a:solidFill>
+                        <a:prstClr val="white"/>
+                      </a:solidFill>
+                      <a:prstDash val="solid"/>
+                      <a:round/>
+                      <a:headEnd type="none" w="med" len="med"/>
+                      <a:tailEnd type="none" w="med" len="med"/>
+                    </a:lnB>
+                    <a:solidFill>
+                      <a:schemeClr val="bg1">
+                        <a:lumMod val="85000"/>
+                      </a:schemeClr>
+                    </a:solidFill>
+                  </a:tcPr>
+                </a:tc>
+                <a:tc>
+                  <a:txBody>
+                    <a:bodyPr/>
+                    <a:lstStyle/>
+                    <a:p>
+                      <a:endParaRPr lang="es-ES" dirty="0">
+                        <a:solidFill>
+                          <a:srgbClr val="FFFFFF"/>
+                        </a:solidFill>
+                      </a:endParaRPr>
+                    </a:p>
+                  </a:txBody>
+                  <a:tcPr>
+                    <a:lnL w="12700" cap="flat" cmpd="sng" algn="ctr">
+                      <a:solidFill>
+                        <a:prstClr val="white"/>
+                      </a:solidFill>
+                      <a:prstDash val="solid"/>
+                      <a:round/>
+                      <a:headEnd type="none" w="med" len="med"/>
+                      <a:tailEnd type="none" w="med" len="med"/>
+                    </a:lnL>
+                    <a:lnR w="12700" cap="flat" cmpd="sng" algn="ctr">
+                      <a:solidFill>
+                        <a:prstClr val="white"/>
+                      </a:solidFill>
+                      <a:prstDash val="solid"/>
+                      <a:round/>
+                      <a:headEnd type="none" w="med" len="med"/>
+                      <a:tailEnd type="none" w="med" len="med"/>
+                    </a:lnR>
+                    <a:lnT w="12700" cap="flat" cmpd="sng" algn="ctr">
+                      <a:solidFill>
+                        <a:prstClr val="white"/>
+                      </a:solidFill>
+                      <a:prstDash val="solid"/>
+                      <a:round/>
+                      <a:headEnd type="none" w="med" len="med"/>
+                      <a:tailEnd type="none" w="med" len="med"/>
+                    </a:lnT>
+                    <a:lnB w="12700" cap="flat" cmpd="sng" algn="ctr">
+                      <a:solidFill>
+                        <a:prstClr val="white"/>
+                      </a:solidFill>
+                      <a:prstDash val="solid"/>
+                      <a:round/>
+                      <a:headEnd type="none" w="med" len="med"/>
+                      <a:tailEnd type="none" w="med" len="med"/>
+                    </a:lnB>
+                    <a:solidFill>
+                      <a:schemeClr val="bg1">
+                        <a:lumMod val="85000"/>
+                      </a:schemeClr>
+                    </a:solidFill>
+                  </a:tcPr>
+                </a:tc>
+              </a:tr>
+            </a:tbl>
+          </a:graphicData>
+        </a:graphic>
+      </p:graphicFrame>
+      <p:sp>
+        <p:nvSpPr>
+          <p:cNvPr id="9" name="CuadroTexto 8"/>
+          <p:cNvSpPr txBox="1"/>
+          <p:nvPr/>
+        </p:nvSpPr>
+        <p:spPr>
+          <a:xfrm>
+            <a:off x="3745533" y="242570"/>
+            <a:ext cx="1431251" cy="646331"/>
+          </a:xfrm>
+          <a:prstGeom prst="rect">
+            <a:avLst/>
+          </a:prstGeom>
+          <a:noFill/>
+        </p:spPr>
+        <p:txBody>
+          <a:bodyPr wrap="none" rtlCol="0">
+            <a:spAutoFit/>
+          </a:bodyPr>
+          <a:lstStyle/>
+          <a:p>
+            <a:r>
+              <a:rPr lang="es-ES" sz="3600" dirty="0" smtClean="0">
+                <a:solidFill>
+                  <a:srgbClr val="F39200"/>
+                </a:solidFill>
+                <a:latin typeface="Black Metal Sans"/>
+                <a:cs typeface="Black Metal Sans"/>
+              </a:rPr>
+              <a:t>Junio</a:t>
+            </a:r>
+            <a:endParaRPr lang="es-ES" sz="3600" dirty="0">
+              <a:solidFill>
+                <a:srgbClr val="F39200"/>
+              </a:solidFill>
+              <a:latin typeface="Black Metal Sans"/>
+              <a:cs typeface="Black Metal Sans"/>
+            </a:endParaRPr>
+          </a:p>
+        </p:txBody>
+      </p:sp>
+    </p:spTree>
+    <p:extLst>
+      <p:ext uri="{BB962C8B-B14F-4D97-AF65-F5344CB8AC3E}">
+        <p14:creationId xmlns:p14="http://schemas.microsoft.com/office/powerpoint/2010/main" val="2845179311"/>
       </p:ext>
     </p:extLst>
   </p:cSld>

--- a/calendario/calendario_trabun.pptx
+++ b/calendario/calendario_trabun.pptx
@@ -3107,7 +3107,7 @@
           <p:nvPr>
             <p:extLst>
               <p:ext uri="{D42A27DB-BD31-4B8C-83A1-F6EECF244321}">
-                <p14:modId xmlns:p14="http://schemas.microsoft.com/office/powerpoint/2010/main" val="1157333082"/>
+                <p14:modId xmlns:p14="http://schemas.microsoft.com/office/powerpoint/2010/main" val="2304406133"/>
               </p:ext>
             </p:extLst>
           </p:nvPr>
@@ -3896,57 +3896,57 @@
                       <a:r>
                         <a:rPr lang="es-ES" dirty="0" smtClean="0">
                           <a:solidFill>
-                            <a:schemeClr val="bg1"/>
-                          </a:solidFill>
-                        </a:rPr>
-                        <a:t>5</a:t>
-                      </a:r>
-                      <a:endParaRPr lang="es-ES" dirty="0">
-                        <a:solidFill>
-                          <a:schemeClr val="bg1"/>
-                        </a:solidFill>
-                      </a:endParaRPr>
-                    </a:p>
-                  </a:txBody>
-                  <a:tcPr>
-                    <a:lnL w="12700" cap="flat" cmpd="sng" algn="ctr">
-                      <a:solidFill>
-                        <a:prstClr val="white"/>
-                      </a:solidFill>
-                      <a:prstDash val="solid"/>
-                      <a:round/>
-                      <a:headEnd type="none" w="med" len="med"/>
-                      <a:tailEnd type="none" w="med" len="med"/>
-                    </a:lnL>
-                    <a:lnR w="12700" cap="flat" cmpd="sng" algn="ctr">
-                      <a:solidFill>
-                        <a:prstClr val="white"/>
-                      </a:solidFill>
-                      <a:prstDash val="solid"/>
-                      <a:round/>
-                      <a:headEnd type="none" w="med" len="med"/>
-                      <a:tailEnd type="none" w="med" len="med"/>
-                    </a:lnR>
-                    <a:lnT w="12700" cap="flat" cmpd="sng" algn="ctr">
-                      <a:solidFill>
-                        <a:prstClr val="white"/>
-                      </a:solidFill>
-                      <a:prstDash val="solid"/>
-                      <a:round/>
-                      <a:headEnd type="none" w="med" len="med"/>
-                      <a:tailEnd type="none" w="med" len="med"/>
-                    </a:lnT>
-                    <a:lnB w="12700" cap="flat" cmpd="sng" algn="ctr">
-                      <a:solidFill>
-                        <a:prstClr val="white"/>
-                      </a:solidFill>
-                      <a:prstDash val="solid"/>
-                      <a:round/>
-                      <a:headEnd type="none" w="med" len="med"/>
-                      <a:tailEnd type="none" w="med" len="med"/>
-                    </a:lnB>
-                    <a:solidFill>
-                      <a:srgbClr val="E30613"/>
+                            <a:srgbClr val="FFFFFF"/>
+                          </a:solidFill>
+                        </a:rPr>
+                        <a:t>4</a:t>
+                      </a:r>
+                      <a:endParaRPr lang="es-ES" dirty="0">
+                        <a:solidFill>
+                          <a:srgbClr val="FFFFFF"/>
+                        </a:solidFill>
+                      </a:endParaRPr>
+                    </a:p>
+                  </a:txBody>
+                  <a:tcPr>
+                    <a:lnL w="12700" cap="flat" cmpd="sng" algn="ctr">
+                      <a:solidFill>
+                        <a:prstClr val="white"/>
+                      </a:solidFill>
+                      <a:prstDash val="solid"/>
+                      <a:round/>
+                      <a:headEnd type="none" w="med" len="med"/>
+                      <a:tailEnd type="none" w="med" len="med"/>
+                    </a:lnL>
+                    <a:lnR w="12700" cap="flat" cmpd="sng" algn="ctr">
+                      <a:solidFill>
+                        <a:prstClr val="white"/>
+                      </a:solidFill>
+                      <a:prstDash val="solid"/>
+                      <a:round/>
+                      <a:headEnd type="none" w="med" len="med"/>
+                      <a:tailEnd type="none" w="med" len="med"/>
+                    </a:lnR>
+                    <a:lnT w="12700" cap="flat" cmpd="sng" algn="ctr">
+                      <a:solidFill>
+                        <a:prstClr val="white"/>
+                      </a:solidFill>
+                      <a:prstDash val="solid"/>
+                      <a:round/>
+                      <a:headEnd type="none" w="med" len="med"/>
+                      <a:tailEnd type="none" w="med" len="med"/>
+                    </a:lnT>
+                    <a:lnB w="12700" cap="flat" cmpd="sng" algn="ctr">
+                      <a:solidFill>
+                        <a:prstClr val="white"/>
+                      </a:solidFill>
+                      <a:prstDash val="solid"/>
+                      <a:round/>
+                      <a:headEnd type="none" w="med" len="med"/>
+                      <a:tailEnd type="none" w="med" len="med"/>
+                    </a:lnB>
+                    <a:solidFill>
+                      <a:srgbClr val="F2525E"/>
                     </a:solidFill>
                   </a:tcPr>
                 </a:tc>
@@ -4332,57 +4332,57 @@
                       <a:r>
                         <a:rPr lang="es-ES" dirty="0" smtClean="0">
                           <a:solidFill>
-                            <a:schemeClr val="bg1"/>
-                          </a:solidFill>
-                        </a:rPr>
-                        <a:t>12</a:t>
-                      </a:r>
-                      <a:endParaRPr lang="es-ES" dirty="0">
-                        <a:solidFill>
-                          <a:schemeClr val="bg1"/>
-                        </a:solidFill>
-                      </a:endParaRPr>
-                    </a:p>
-                  </a:txBody>
-                  <a:tcPr>
-                    <a:lnL w="12700" cap="flat" cmpd="sng" algn="ctr">
-                      <a:solidFill>
-                        <a:prstClr val="white"/>
-                      </a:solidFill>
-                      <a:prstDash val="solid"/>
-                      <a:round/>
-                      <a:headEnd type="none" w="med" len="med"/>
-                      <a:tailEnd type="none" w="med" len="med"/>
-                    </a:lnL>
-                    <a:lnR w="12700" cap="flat" cmpd="sng" algn="ctr">
-                      <a:solidFill>
-                        <a:prstClr val="white"/>
-                      </a:solidFill>
-                      <a:prstDash val="solid"/>
-                      <a:round/>
-                      <a:headEnd type="none" w="med" len="med"/>
-                      <a:tailEnd type="none" w="med" len="med"/>
-                    </a:lnR>
-                    <a:lnT w="12700" cap="flat" cmpd="sng" algn="ctr">
-                      <a:solidFill>
-                        <a:prstClr val="white"/>
-                      </a:solidFill>
-                      <a:prstDash val="solid"/>
-                      <a:round/>
-                      <a:headEnd type="none" w="med" len="med"/>
-                      <a:tailEnd type="none" w="med" len="med"/>
-                    </a:lnT>
-                    <a:lnB w="12700" cap="flat" cmpd="sng" algn="ctr">
-                      <a:solidFill>
-                        <a:prstClr val="white"/>
-                      </a:solidFill>
-                      <a:prstDash val="solid"/>
-                      <a:round/>
-                      <a:headEnd type="none" w="med" len="med"/>
-                      <a:tailEnd type="none" w="med" len="med"/>
-                    </a:lnB>
-                    <a:solidFill>
-                      <a:srgbClr val="E30613"/>
+                            <a:srgbClr val="FFFFFF"/>
+                          </a:solidFill>
+                        </a:rPr>
+                        <a:t>11</a:t>
+                      </a:r>
+                      <a:endParaRPr lang="es-ES" dirty="0">
+                        <a:solidFill>
+                          <a:srgbClr val="FFFFFF"/>
+                        </a:solidFill>
+                      </a:endParaRPr>
+                    </a:p>
+                  </a:txBody>
+                  <a:tcPr>
+                    <a:lnL w="12700" cap="flat" cmpd="sng" algn="ctr">
+                      <a:solidFill>
+                        <a:prstClr val="white"/>
+                      </a:solidFill>
+                      <a:prstDash val="solid"/>
+                      <a:round/>
+                      <a:headEnd type="none" w="med" len="med"/>
+                      <a:tailEnd type="none" w="med" len="med"/>
+                    </a:lnL>
+                    <a:lnR w="12700" cap="flat" cmpd="sng" algn="ctr">
+                      <a:solidFill>
+                        <a:prstClr val="white"/>
+                      </a:solidFill>
+                      <a:prstDash val="solid"/>
+                      <a:round/>
+                      <a:headEnd type="none" w="med" len="med"/>
+                      <a:tailEnd type="none" w="med" len="med"/>
+                    </a:lnR>
+                    <a:lnT w="12700" cap="flat" cmpd="sng" algn="ctr">
+                      <a:solidFill>
+                        <a:prstClr val="white"/>
+                      </a:solidFill>
+                      <a:prstDash val="solid"/>
+                      <a:round/>
+                      <a:headEnd type="none" w="med" len="med"/>
+                      <a:tailEnd type="none" w="med" len="med"/>
+                    </a:lnT>
+                    <a:lnB w="12700" cap="flat" cmpd="sng" algn="ctr">
+                      <a:solidFill>
+                        <a:prstClr val="white"/>
+                      </a:solidFill>
+                      <a:prstDash val="solid"/>
+                      <a:round/>
+                      <a:headEnd type="none" w="med" len="med"/>
+                      <a:tailEnd type="none" w="med" len="med"/>
+                    </a:lnB>
+                    <a:solidFill>
+                      <a:srgbClr val="F2525E"/>
                     </a:solidFill>
                   </a:tcPr>
                 </a:tc>
